--- a/Lectures/Presentations/L5.pptx
+++ b/Lectures/Presentations/L5.pptx
@@ -243,7 +243,7 @@
           </a:lstStyle>
           <a:p>
             <a:r>
-              <a:rPr lang="ru-RU" smtClean="0"/>
+              <a:rPr lang="ru-RU"/>
               <a:t>Образец заголовка</a:t>
             </a:r>
             <a:endParaRPr lang="en-US" dirty="0"/>
@@ -319,7 +319,7 @@
           </a:lstStyle>
           <a:p>
             <a:r>
-              <a:rPr lang="ru-RU" smtClean="0"/>
+              <a:rPr lang="ru-RU"/>
               <a:t>Образец подзаголовка</a:t>
             </a:r>
             <a:endParaRPr lang="en-US" dirty="0"/>
@@ -357,7 +357,7 @@
             <a:fld id="{87DE6118-2437-4B30-8E3C-4D2BE6020583}" type="datetimeFigureOut">
               <a:rPr lang="en-US" dirty="0"/>
               <a:pPr/>
-              <a:t>3/20/2019</a:t>
+              <a:t>10/20/2022</a:t>
             </a:fld>
             <a:endParaRPr lang="en-US" dirty="0"/>
           </a:p>
@@ -426,7 +426,7 @@
             <a:fld id="{69E57DC2-970A-4B3E-BB1C-7A09969E49DF}" type="slidenum">
               <a:rPr lang="en-US" dirty="0"/>
               <a:pPr/>
-              <a:t>‹#›</a:t>
+              <a:t>‹№›</a:t>
             </a:fld>
             <a:endParaRPr lang="en-US" dirty="0"/>
           </a:p>
@@ -602,7 +602,7 @@
           <a:lstStyle/>
           <a:p>
             <a:r>
-              <a:rPr lang="ru-RU" smtClean="0"/>
+              <a:rPr lang="ru-RU"/>
               <a:t>Образец заголовка</a:t>
             </a:r>
             <a:endParaRPr lang="en-US" dirty="0"/>
@@ -631,35 +631,35 @@
           <a:p>
             <a:pPr lvl="0"/>
             <a:r>
-              <a:rPr lang="ru-RU" smtClean="0"/>
+              <a:rPr lang="ru-RU"/>
               <a:t>Образец текста</a:t>
             </a:r>
           </a:p>
           <a:p>
             <a:pPr lvl="1"/>
             <a:r>
-              <a:rPr lang="ru-RU" smtClean="0"/>
+              <a:rPr lang="ru-RU"/>
               <a:t>Второй уровень</a:t>
             </a:r>
           </a:p>
           <a:p>
             <a:pPr lvl="2"/>
             <a:r>
-              <a:rPr lang="ru-RU" smtClean="0"/>
+              <a:rPr lang="ru-RU"/>
               <a:t>Третий уровень</a:t>
             </a:r>
           </a:p>
           <a:p>
             <a:pPr lvl="3"/>
             <a:r>
-              <a:rPr lang="ru-RU" smtClean="0"/>
+              <a:rPr lang="ru-RU"/>
               <a:t>Четвертый уровень</a:t>
             </a:r>
           </a:p>
           <a:p>
             <a:pPr lvl="4"/>
             <a:r>
-              <a:rPr lang="ru-RU" smtClean="0"/>
+              <a:rPr lang="ru-RU"/>
               <a:t>Пятый уровень</a:t>
             </a:r>
             <a:endParaRPr lang="en-US" dirty="0"/>
@@ -683,7 +683,7 @@
           <a:p>
             <a:fld id="{87DE6118-2437-4B30-8E3C-4D2BE6020583}" type="datetimeFigureOut">
               <a:rPr lang="en-US" dirty="0"/>
-              <a:t>3/20/2019</a:t>
+              <a:t>10/20/2022</a:t>
             </a:fld>
             <a:endParaRPr lang="en-US" dirty="0"/>
           </a:p>
@@ -725,7 +725,7 @@
           <a:p>
             <a:fld id="{69E57DC2-970A-4B3E-BB1C-7A09969E49DF}" type="slidenum">
               <a:rPr lang="en-US" dirty="0"/>
-              <a:t>‹#›</a:t>
+              <a:t>‹№›</a:t>
             </a:fld>
             <a:endParaRPr lang="en-US" dirty="0"/>
           </a:p>
@@ -777,7 +777,7 @@
           <a:lstStyle/>
           <a:p>
             <a:r>
-              <a:rPr lang="ru-RU" smtClean="0"/>
+              <a:rPr lang="ru-RU"/>
               <a:t>Образец заголовка</a:t>
             </a:r>
             <a:endParaRPr lang="en-US" dirty="0"/>
@@ -806,35 +806,35 @@
           <a:p>
             <a:pPr lvl="0"/>
             <a:r>
-              <a:rPr lang="ru-RU" smtClean="0"/>
+              <a:rPr lang="ru-RU"/>
               <a:t>Образец текста</a:t>
             </a:r>
           </a:p>
           <a:p>
             <a:pPr lvl="1"/>
             <a:r>
-              <a:rPr lang="ru-RU" smtClean="0"/>
+              <a:rPr lang="ru-RU"/>
               <a:t>Второй уровень</a:t>
             </a:r>
           </a:p>
           <a:p>
             <a:pPr lvl="2"/>
             <a:r>
-              <a:rPr lang="ru-RU" smtClean="0"/>
+              <a:rPr lang="ru-RU"/>
               <a:t>Третий уровень</a:t>
             </a:r>
           </a:p>
           <a:p>
             <a:pPr lvl="3"/>
             <a:r>
-              <a:rPr lang="ru-RU" smtClean="0"/>
+              <a:rPr lang="ru-RU"/>
               <a:t>Четвертый уровень</a:t>
             </a:r>
           </a:p>
           <a:p>
             <a:pPr lvl="4"/>
             <a:r>
-              <a:rPr lang="ru-RU" smtClean="0"/>
+              <a:rPr lang="ru-RU"/>
               <a:t>Пятый уровень</a:t>
             </a:r>
             <a:endParaRPr lang="en-US" dirty="0"/>
@@ -858,7 +858,7 @@
           <a:p>
             <a:fld id="{87DE6118-2437-4B30-8E3C-4D2BE6020583}" type="datetimeFigureOut">
               <a:rPr lang="en-US" dirty="0"/>
-              <a:t>3/20/2019</a:t>
+              <a:t>10/20/2022</a:t>
             </a:fld>
             <a:endParaRPr lang="en-US" dirty="0"/>
           </a:p>
@@ -900,7 +900,7 @@
           <a:p>
             <a:fld id="{69E57DC2-970A-4B3E-BB1C-7A09969E49DF}" type="slidenum">
               <a:rPr lang="en-US" dirty="0"/>
-              <a:t>‹#›</a:t>
+              <a:t>‹№›</a:t>
             </a:fld>
             <a:endParaRPr lang="en-US" dirty="0"/>
           </a:p>
@@ -947,7 +947,7 @@
           <a:lstStyle/>
           <a:p>
             <a:r>
-              <a:rPr lang="ru-RU" smtClean="0"/>
+              <a:rPr lang="ru-RU"/>
               <a:t>Образец заголовка</a:t>
             </a:r>
             <a:endParaRPr lang="en-US" dirty="0"/>
@@ -971,35 +971,35 @@
           <a:p>
             <a:pPr lvl="0"/>
             <a:r>
-              <a:rPr lang="ru-RU" smtClean="0"/>
+              <a:rPr lang="ru-RU"/>
               <a:t>Образец текста</a:t>
             </a:r>
           </a:p>
           <a:p>
             <a:pPr lvl="1"/>
             <a:r>
-              <a:rPr lang="ru-RU" smtClean="0"/>
+              <a:rPr lang="ru-RU"/>
               <a:t>Второй уровень</a:t>
             </a:r>
           </a:p>
           <a:p>
             <a:pPr lvl="2"/>
             <a:r>
-              <a:rPr lang="ru-RU" smtClean="0"/>
+              <a:rPr lang="ru-RU"/>
               <a:t>Третий уровень</a:t>
             </a:r>
           </a:p>
           <a:p>
             <a:pPr lvl="3"/>
             <a:r>
-              <a:rPr lang="ru-RU" smtClean="0"/>
+              <a:rPr lang="ru-RU"/>
               <a:t>Четвертый уровень</a:t>
             </a:r>
           </a:p>
           <a:p>
             <a:pPr lvl="4"/>
             <a:r>
-              <a:rPr lang="ru-RU" smtClean="0"/>
+              <a:rPr lang="ru-RU"/>
               <a:t>Пятый уровень</a:t>
             </a:r>
             <a:endParaRPr lang="en-US" dirty="0"/>
@@ -1023,7 +1023,7 @@
           <a:p>
             <a:fld id="{87DE6118-2437-4B30-8E3C-4D2BE6020583}" type="datetimeFigureOut">
               <a:rPr lang="en-US" dirty="0"/>
-              <a:t>3/20/2019</a:t>
+              <a:t>10/20/2022</a:t>
             </a:fld>
             <a:endParaRPr lang="en-US" dirty="0"/>
           </a:p>
@@ -1065,7 +1065,7 @@
           <a:p>
             <a:fld id="{69E57DC2-970A-4B3E-BB1C-7A09969E49DF}" type="slidenum">
               <a:rPr lang="en-US" dirty="0"/>
-              <a:t>‹#›</a:t>
+              <a:t>‹№›</a:t>
             </a:fld>
             <a:endParaRPr lang="en-US" dirty="0"/>
           </a:p>
@@ -1132,7 +1132,7 @@
           </a:lstStyle>
           <a:p>
             <a:r>
-              <a:rPr lang="ru-RU" smtClean="0"/>
+              <a:rPr lang="ru-RU"/>
               <a:t>Образец заголовка</a:t>
             </a:r>
             <a:endParaRPr lang="en-US" dirty="0"/>
@@ -1259,7 +1259,7 @@
           <a:p>
             <a:pPr lvl="0"/>
             <a:r>
-              <a:rPr lang="ru-RU" smtClean="0"/>
+              <a:rPr lang="ru-RU"/>
               <a:t>Образец текста</a:t>
             </a:r>
           </a:p>
@@ -1296,7 +1296,7 @@
             <a:fld id="{87DE6118-2437-4B30-8E3C-4D2BE6020583}" type="datetimeFigureOut">
               <a:rPr lang="en-US" dirty="0"/>
               <a:pPr/>
-              <a:t>3/20/2019</a:t>
+              <a:t>10/20/2022</a:t>
             </a:fld>
             <a:endParaRPr lang="en-US" dirty="0"/>
           </a:p>
@@ -1365,7 +1365,7 @@
             <a:fld id="{69E57DC2-970A-4B3E-BB1C-7A09969E49DF}" type="slidenum">
               <a:rPr lang="en-US" dirty="0"/>
               <a:pPr/>
-              <a:t>‹#›</a:t>
+              <a:t>‹№›</a:t>
             </a:fld>
             <a:endParaRPr lang="en-US" dirty="0"/>
           </a:p>
@@ -1476,7 +1476,7 @@
           </a:lstStyle>
           <a:p>
             <a:r>
-              <a:rPr lang="ru-RU" smtClean="0"/>
+              <a:rPr lang="ru-RU"/>
               <a:t>Образец заголовка</a:t>
             </a:r>
             <a:endParaRPr lang="en-US" dirty="0"/>
@@ -1541,35 +1541,35 @@
           <a:p>
             <a:pPr lvl="0"/>
             <a:r>
-              <a:rPr lang="ru-RU" smtClean="0"/>
+              <a:rPr lang="ru-RU"/>
               <a:t>Образец текста</a:t>
             </a:r>
           </a:p>
           <a:p>
             <a:pPr lvl="1"/>
             <a:r>
-              <a:rPr lang="ru-RU" smtClean="0"/>
+              <a:rPr lang="ru-RU"/>
               <a:t>Второй уровень</a:t>
             </a:r>
           </a:p>
           <a:p>
             <a:pPr lvl="2"/>
             <a:r>
-              <a:rPr lang="ru-RU" smtClean="0"/>
+              <a:rPr lang="ru-RU"/>
               <a:t>Третий уровень</a:t>
             </a:r>
           </a:p>
           <a:p>
             <a:pPr lvl="3"/>
             <a:r>
-              <a:rPr lang="ru-RU" smtClean="0"/>
+              <a:rPr lang="ru-RU"/>
               <a:t>Четвертый уровень</a:t>
             </a:r>
           </a:p>
           <a:p>
             <a:pPr lvl="4"/>
             <a:r>
-              <a:rPr lang="ru-RU" smtClean="0"/>
+              <a:rPr lang="ru-RU"/>
               <a:t>Пятый уровень</a:t>
             </a:r>
             <a:endParaRPr lang="en-US" dirty="0"/>
@@ -1634,35 +1634,35 @@
           <a:p>
             <a:pPr lvl="0"/>
             <a:r>
-              <a:rPr lang="ru-RU" smtClean="0"/>
+              <a:rPr lang="ru-RU"/>
               <a:t>Образец текста</a:t>
             </a:r>
           </a:p>
           <a:p>
             <a:pPr lvl="1"/>
             <a:r>
-              <a:rPr lang="ru-RU" smtClean="0"/>
+              <a:rPr lang="ru-RU"/>
               <a:t>Второй уровень</a:t>
             </a:r>
           </a:p>
           <a:p>
             <a:pPr lvl="2"/>
             <a:r>
-              <a:rPr lang="ru-RU" smtClean="0"/>
+              <a:rPr lang="ru-RU"/>
               <a:t>Третий уровень</a:t>
             </a:r>
           </a:p>
           <a:p>
             <a:pPr lvl="3"/>
             <a:r>
-              <a:rPr lang="ru-RU" smtClean="0"/>
+              <a:rPr lang="ru-RU"/>
               <a:t>Четвертый уровень</a:t>
             </a:r>
           </a:p>
           <a:p>
             <a:pPr lvl="4"/>
             <a:r>
-              <a:rPr lang="ru-RU" smtClean="0"/>
+              <a:rPr lang="ru-RU"/>
               <a:t>Пятый уровень</a:t>
             </a:r>
             <a:endParaRPr lang="en-US" dirty="0"/>
@@ -1686,7 +1686,7 @@
           <a:p>
             <a:fld id="{87DE6118-2437-4B30-8E3C-4D2BE6020583}" type="datetimeFigureOut">
               <a:rPr lang="en-US" dirty="0"/>
-              <a:t>3/20/2019</a:t>
+              <a:t>10/20/2022</a:t>
             </a:fld>
             <a:endParaRPr lang="en-US" dirty="0"/>
           </a:p>
@@ -1728,7 +1728,7 @@
           <a:p>
             <a:fld id="{69E57DC2-970A-4B3E-BB1C-7A09969E49DF}" type="slidenum">
               <a:rPr lang="en-US" dirty="0"/>
-              <a:t>‹#›</a:t>
+              <a:t>‹№›</a:t>
             </a:fld>
             <a:endParaRPr lang="en-US" dirty="0"/>
           </a:p>
@@ -1788,7 +1788,7 @@
           </a:lstStyle>
           <a:p>
             <a:r>
-              <a:rPr lang="ru-RU" smtClean="0"/>
+              <a:rPr lang="ru-RU"/>
               <a:t>Образец заголовка</a:t>
             </a:r>
             <a:endParaRPr lang="en-US" dirty="0"/>
@@ -1869,7 +1869,7 @@
           <a:p>
             <a:pPr lvl="0"/>
             <a:r>
-              <a:rPr lang="ru-RU" smtClean="0"/>
+              <a:rPr lang="ru-RU"/>
               <a:t>Образец текста</a:t>
             </a:r>
           </a:p>
@@ -1933,35 +1933,35 @@
           <a:p>
             <a:pPr lvl="0"/>
             <a:r>
-              <a:rPr lang="ru-RU" smtClean="0"/>
+              <a:rPr lang="ru-RU"/>
               <a:t>Образец текста</a:t>
             </a:r>
           </a:p>
           <a:p>
             <a:pPr lvl="1"/>
             <a:r>
-              <a:rPr lang="ru-RU" smtClean="0"/>
+              <a:rPr lang="ru-RU"/>
               <a:t>Второй уровень</a:t>
             </a:r>
           </a:p>
           <a:p>
             <a:pPr lvl="2"/>
             <a:r>
-              <a:rPr lang="ru-RU" smtClean="0"/>
+              <a:rPr lang="ru-RU"/>
               <a:t>Третий уровень</a:t>
             </a:r>
           </a:p>
           <a:p>
             <a:pPr lvl="3"/>
             <a:r>
-              <a:rPr lang="ru-RU" smtClean="0"/>
+              <a:rPr lang="ru-RU"/>
               <a:t>Четвертый уровень</a:t>
             </a:r>
           </a:p>
           <a:p>
             <a:pPr lvl="4"/>
             <a:r>
-              <a:rPr lang="ru-RU" smtClean="0"/>
+              <a:rPr lang="ru-RU"/>
               <a:t>Пятый уровень</a:t>
             </a:r>
             <a:endParaRPr lang="en-US" dirty="0"/>
@@ -2042,7 +2042,7 @@
           <a:p>
             <a:pPr lvl="0"/>
             <a:r>
-              <a:rPr lang="ru-RU" smtClean="0"/>
+              <a:rPr lang="ru-RU"/>
               <a:t>Образец текста</a:t>
             </a:r>
           </a:p>
@@ -2106,35 +2106,35 @@
           <a:p>
             <a:pPr lvl="0"/>
             <a:r>
-              <a:rPr lang="ru-RU" smtClean="0"/>
+              <a:rPr lang="ru-RU"/>
               <a:t>Образец текста</a:t>
             </a:r>
           </a:p>
           <a:p>
             <a:pPr lvl="1"/>
             <a:r>
-              <a:rPr lang="ru-RU" smtClean="0"/>
+              <a:rPr lang="ru-RU"/>
               <a:t>Второй уровень</a:t>
             </a:r>
           </a:p>
           <a:p>
             <a:pPr lvl="2"/>
             <a:r>
-              <a:rPr lang="ru-RU" smtClean="0"/>
+              <a:rPr lang="ru-RU"/>
               <a:t>Третий уровень</a:t>
             </a:r>
           </a:p>
           <a:p>
             <a:pPr lvl="3"/>
             <a:r>
-              <a:rPr lang="ru-RU" smtClean="0"/>
+              <a:rPr lang="ru-RU"/>
               <a:t>Четвертый уровень</a:t>
             </a:r>
           </a:p>
           <a:p>
             <a:pPr lvl="4"/>
             <a:r>
-              <a:rPr lang="ru-RU" smtClean="0"/>
+              <a:rPr lang="ru-RU"/>
               <a:t>Пятый уровень</a:t>
             </a:r>
             <a:endParaRPr lang="en-US" dirty="0"/>
@@ -2158,7 +2158,7 @@
           <a:p>
             <a:fld id="{87DE6118-2437-4B30-8E3C-4D2BE6020583}" type="datetimeFigureOut">
               <a:rPr lang="en-US" dirty="0"/>
-              <a:t>3/20/2019</a:t>
+              <a:t>10/20/2022</a:t>
             </a:fld>
             <a:endParaRPr lang="en-US" dirty="0"/>
           </a:p>
@@ -2200,7 +2200,7 @@
           <a:p>
             <a:fld id="{69E57DC2-970A-4B3E-BB1C-7A09969E49DF}" type="slidenum">
               <a:rPr lang="en-US" dirty="0"/>
-              <a:t>‹#›</a:t>
+              <a:t>‹№›</a:t>
             </a:fld>
             <a:endParaRPr lang="en-US" dirty="0"/>
           </a:p>
@@ -2247,7 +2247,7 @@
           <a:lstStyle/>
           <a:p>
             <a:r>
-              <a:rPr lang="ru-RU" smtClean="0"/>
+              <a:rPr lang="ru-RU"/>
               <a:t>Образец заголовка</a:t>
             </a:r>
             <a:endParaRPr lang="en-US" dirty="0"/>
@@ -2271,7 +2271,7 @@
           <a:p>
             <a:fld id="{87DE6118-2437-4B30-8E3C-4D2BE6020583}" type="datetimeFigureOut">
               <a:rPr lang="en-US" dirty="0"/>
-              <a:t>3/20/2019</a:t>
+              <a:t>10/20/2022</a:t>
             </a:fld>
             <a:endParaRPr lang="en-US" dirty="0"/>
           </a:p>
@@ -2313,7 +2313,7 @@
           <a:p>
             <a:fld id="{69E57DC2-970A-4B3E-BB1C-7A09969E49DF}" type="slidenum">
               <a:rPr lang="en-US" dirty="0"/>
-              <a:t>‹#›</a:t>
+              <a:t>‹№›</a:t>
             </a:fld>
             <a:endParaRPr lang="en-US" dirty="0"/>
           </a:p>
@@ -2361,7 +2361,7 @@
           <a:p>
             <a:fld id="{87DE6118-2437-4B30-8E3C-4D2BE6020583}" type="datetimeFigureOut">
               <a:rPr lang="en-US" dirty="0"/>
-              <a:t>3/20/2019</a:t>
+              <a:t>10/20/2022</a:t>
             </a:fld>
             <a:endParaRPr lang="en-US" dirty="0"/>
           </a:p>
@@ -2403,7 +2403,7 @@
           <a:p>
             <a:fld id="{69E57DC2-970A-4B3E-BB1C-7A09969E49DF}" type="slidenum">
               <a:rPr lang="en-US" dirty="0"/>
-              <a:t>‹#›</a:t>
+              <a:t>‹№›</a:t>
             </a:fld>
             <a:endParaRPr lang="en-US" dirty="0"/>
           </a:p>
@@ -2506,7 +2506,7 @@
           </a:lstStyle>
           <a:p>
             <a:r>
-              <a:rPr lang="ru-RU" smtClean="0"/>
+              <a:rPr lang="ru-RU"/>
               <a:t>Образец заголовка</a:t>
             </a:r>
             <a:endParaRPr lang="en-US" dirty="0"/>
@@ -2563,35 +2563,35 @@
           <a:p>
             <a:pPr lvl="0"/>
             <a:r>
-              <a:rPr lang="ru-RU" smtClean="0"/>
+              <a:rPr lang="ru-RU"/>
               <a:t>Образец текста</a:t>
             </a:r>
           </a:p>
           <a:p>
             <a:pPr lvl="1"/>
             <a:r>
-              <a:rPr lang="ru-RU" smtClean="0"/>
+              <a:rPr lang="ru-RU"/>
               <a:t>Второй уровень</a:t>
             </a:r>
           </a:p>
           <a:p>
             <a:pPr lvl="2"/>
             <a:r>
-              <a:rPr lang="ru-RU" smtClean="0"/>
+              <a:rPr lang="ru-RU"/>
               <a:t>Третий уровень</a:t>
             </a:r>
           </a:p>
           <a:p>
             <a:pPr lvl="3"/>
             <a:r>
-              <a:rPr lang="ru-RU" smtClean="0"/>
+              <a:rPr lang="ru-RU"/>
               <a:t>Четвертый уровень</a:t>
             </a:r>
           </a:p>
           <a:p>
             <a:pPr lvl="4"/>
             <a:r>
-              <a:rPr lang="ru-RU" smtClean="0"/>
+              <a:rPr lang="ru-RU"/>
               <a:t>Пятый уровень</a:t>
             </a:r>
             <a:endParaRPr lang="en-US" dirty="0"/>
@@ -2666,7 +2666,7 @@
           <a:p>
             <a:pPr lvl="0"/>
             <a:r>
-              <a:rPr lang="ru-RU" smtClean="0"/>
+              <a:rPr lang="ru-RU"/>
               <a:t>Образец текста</a:t>
             </a:r>
           </a:p>
@@ -2703,7 +2703,7 @@
             <a:fld id="{87DE6118-2437-4B30-8E3C-4D2BE6020583}" type="datetimeFigureOut">
               <a:rPr lang="en-US" dirty="0"/>
               <a:pPr/>
-              <a:t>3/20/2019</a:t>
+              <a:t>10/20/2022</a:t>
             </a:fld>
             <a:endParaRPr lang="en-US" dirty="0"/>
           </a:p>
@@ -2772,7 +2772,7 @@
             <a:fld id="{69E57DC2-970A-4B3E-BB1C-7A09969E49DF}" type="slidenum">
               <a:rPr lang="en-US" dirty="0"/>
               <a:pPr/>
-              <a:t>‹#›</a:t>
+              <a:t>‹№›</a:t>
             </a:fld>
             <a:endParaRPr lang="en-US" dirty="0"/>
           </a:p>
@@ -2909,7 +2909,7 @@
           </a:lstStyle>
           <a:p>
             <a:r>
-              <a:rPr lang="ru-RU" smtClean="0"/>
+              <a:rPr lang="ru-RU"/>
               <a:t>Образец заголовка</a:t>
             </a:r>
             <a:endParaRPr lang="en-US" dirty="0"/>
@@ -2976,7 +2976,7 @@
           </a:lstStyle>
           <a:p>
             <a:r>
-              <a:rPr lang="ru-RU" smtClean="0"/>
+              <a:rPr lang="ru-RU"/>
               <a:t>Вставка рисунка</a:t>
             </a:r>
             <a:endParaRPr lang="en-US" dirty="0"/>
@@ -3051,7 +3051,7 @@
           <a:p>
             <a:pPr lvl="0"/>
             <a:r>
-              <a:rPr lang="ru-RU" smtClean="0"/>
+              <a:rPr lang="ru-RU"/>
               <a:t>Образец текста</a:t>
             </a:r>
           </a:p>
@@ -3088,7 +3088,7 @@
             <a:fld id="{87DE6118-2437-4B30-8E3C-4D2BE6020583}" type="datetimeFigureOut">
               <a:rPr lang="en-US" dirty="0"/>
               <a:pPr/>
-              <a:t>3/20/2019</a:t>
+              <a:t>10/20/2022</a:t>
             </a:fld>
             <a:endParaRPr lang="en-US" dirty="0"/>
           </a:p>
@@ -3157,7 +3157,7 @@
             <a:fld id="{69E57DC2-970A-4B3E-BB1C-7A09969E49DF}" type="slidenum">
               <a:rPr lang="en-US" dirty="0"/>
               <a:pPr/>
-              <a:t>‹#›</a:t>
+              <a:t>‹№›</a:t>
             </a:fld>
             <a:endParaRPr lang="en-US" dirty="0"/>
           </a:p>
@@ -3260,7 +3260,7 @@
           <a:lstStyle/>
           <a:p>
             <a:r>
-              <a:rPr lang="ru-RU" smtClean="0"/>
+              <a:rPr lang="ru-RU"/>
               <a:t>Образец заголовка</a:t>
             </a:r>
             <a:endParaRPr lang="en-US" dirty="0"/>
@@ -3294,35 +3294,35 @@
           <a:p>
             <a:pPr lvl="0"/>
             <a:r>
-              <a:rPr lang="ru-RU" smtClean="0"/>
+              <a:rPr lang="ru-RU"/>
               <a:t>Образец текста</a:t>
             </a:r>
           </a:p>
           <a:p>
             <a:pPr lvl="1"/>
             <a:r>
-              <a:rPr lang="ru-RU" smtClean="0"/>
+              <a:rPr lang="ru-RU"/>
               <a:t>Второй уровень</a:t>
             </a:r>
           </a:p>
           <a:p>
             <a:pPr lvl="2"/>
             <a:r>
-              <a:rPr lang="ru-RU" smtClean="0"/>
+              <a:rPr lang="ru-RU"/>
               <a:t>Третий уровень</a:t>
             </a:r>
           </a:p>
           <a:p>
             <a:pPr lvl="3"/>
             <a:r>
-              <a:rPr lang="ru-RU" smtClean="0"/>
+              <a:rPr lang="ru-RU"/>
               <a:t>Четвертый уровень</a:t>
             </a:r>
           </a:p>
           <a:p>
             <a:pPr lvl="4"/>
             <a:r>
-              <a:rPr lang="ru-RU" smtClean="0"/>
+              <a:rPr lang="ru-RU"/>
               <a:t>Пятый уровень</a:t>
             </a:r>
             <a:endParaRPr lang="en-US" dirty="0"/>
@@ -3363,7 +3363,7 @@
             <a:fld id="{87DE6118-2437-4B30-8E3C-4D2BE6020583}" type="datetimeFigureOut">
               <a:rPr lang="en-US" dirty="0"/>
               <a:pPr/>
-              <a:t>3/20/2019</a:t>
+              <a:t>10/20/2022</a:t>
             </a:fld>
             <a:endParaRPr lang="en-US" dirty="0"/>
           </a:p>
@@ -3438,7 +3438,7 @@
             <a:fld id="{69E57DC2-970A-4B3E-BB1C-7A09969E49DF}" type="slidenum">
               <a:rPr lang="en-US" dirty="0"/>
               <a:pPr/>
-              <a:t>‹#›</a:t>
+              <a:t>‹№›</a:t>
             </a:fld>
             <a:endParaRPr lang="en-US" dirty="0"/>
           </a:p>
@@ -3805,7 +3805,7 @@
       </a:lvl9pPr>
     </p:otherStyle>
   </p:txStyles>
-  <p:extLst mod="1">
+  <p:extLst>
     <p:ext uri="{27BBF7A9-308A-43DC-89C8-2F10F3537804}">
       <p15:sldGuideLst xmlns:p15="http://schemas.microsoft.com/office/powerpoint/2012/main">
         <p15:guide id="3" orient="horz" pos="1368">
@@ -3887,7 +3887,7 @@
           <a:lstStyle/>
           <a:p>
             <a:r>
-              <a:rPr lang="en-US" dirty="0" smtClean="0"/>
+              <a:rPr lang="en-US" dirty="0"/>
               <a:t>NODE.JS</a:t>
             </a:r>
             <a:endParaRPr lang="uk-UA" dirty="0"/>
@@ -3910,7 +3910,7 @@
           <a:lstStyle/>
           <a:p>
             <a:r>
-              <a:rPr lang="uk-UA" dirty="0" smtClean="0"/>
+              <a:rPr lang="uk-UA" dirty="0"/>
               <a:t>Лекція </a:t>
             </a:r>
             <a:r>
@@ -3931,13 +3931,6 @@
   <p:clrMapOvr>
     <a:masterClrMapping/>
   </p:clrMapOvr>
-  <p:timing>
-    <p:tnLst>
-      <p:par>
-        <p:cTn id="1" dur="indefinite" restart="never" nodeType="tmRoot"/>
-      </p:par>
-    </p:tnLst>
-  </p:timing>
 </p:sld>
 </file>
 
@@ -3974,11 +3967,11 @@
           <a:lstStyle/>
           <a:p>
             <a:r>
-              <a:rPr lang="uk-UA" dirty="0" err="1" smtClean="0"/>
+              <a:rPr lang="uk-UA" dirty="0" err="1"/>
               <a:t>Відлагодження</a:t>
             </a:r>
             <a:r>
-              <a:rPr lang="en-US" dirty="0" smtClean="0"/>
+              <a:rPr lang="en-US" dirty="0"/>
               <a:t> Launch</a:t>
             </a:r>
             <a:endParaRPr lang="uk-UA" dirty="0"/>
@@ -4095,11 +4088,11 @@
           <a:lstStyle/>
           <a:p>
             <a:r>
-              <a:rPr lang="uk-UA" dirty="0" err="1" smtClean="0"/>
+              <a:rPr lang="uk-UA" dirty="0" err="1"/>
               <a:t>Відлагодження</a:t>
             </a:r>
             <a:r>
-              <a:rPr lang="en-US" dirty="0" smtClean="0"/>
+              <a:rPr lang="en-US" dirty="0"/>
               <a:t> Launch: Breakpoints</a:t>
             </a:r>
             <a:endParaRPr lang="uk-UA" dirty="0"/>
@@ -4176,18 +4169,17 @@
           <a:lstStyle/>
           <a:p>
             <a:r>
-              <a:rPr lang="uk-UA" dirty="0" err="1" smtClean="0"/>
+              <a:rPr lang="uk-UA" dirty="0" err="1"/>
               <a:t>Відлагодження</a:t>
             </a:r>
             <a:r>
-              <a:rPr lang="en-US" dirty="0" smtClean="0"/>
+              <a:rPr lang="en-US" dirty="0"/>
               <a:t> Launch: </a:t>
             </a:r>
             <a:r>
-              <a:rPr lang="uk-UA" dirty="0" smtClean="0"/>
+              <a:rPr lang="uk-UA" dirty="0"/>
               <a:t>Запуск</a:t>
             </a:r>
-            <a:endParaRPr lang="uk-UA" dirty="0"/>
           </a:p>
         </p:txBody>
       </p:sp>
@@ -4261,11 +4253,11 @@
           <a:lstStyle/>
           <a:p>
             <a:r>
-              <a:rPr lang="uk-UA" dirty="0" err="1" smtClean="0"/>
+              <a:rPr lang="uk-UA" dirty="0" err="1"/>
               <a:t>Відлагодження</a:t>
             </a:r>
             <a:r>
-              <a:rPr lang="en-US" dirty="0" smtClean="0"/>
+              <a:rPr lang="en-US" dirty="0"/>
               <a:t> Attach</a:t>
             </a:r>
             <a:endParaRPr lang="uk-UA" dirty="0"/>
@@ -4406,18 +4398,17 @@
           <a:lstStyle/>
           <a:p>
             <a:r>
-              <a:rPr lang="uk-UA" dirty="0" err="1" smtClean="0"/>
+              <a:rPr lang="uk-UA" dirty="0" err="1"/>
               <a:t>Відлагодження</a:t>
             </a:r>
             <a:r>
-              <a:rPr lang="en-US" dirty="0" smtClean="0"/>
+              <a:rPr lang="en-US" dirty="0"/>
               <a:t> Attach: </a:t>
             </a:r>
             <a:r>
-              <a:rPr lang="uk-UA" dirty="0" smtClean="0"/>
+              <a:rPr lang="uk-UA" dirty="0"/>
               <a:t>Запуск</a:t>
             </a:r>
-            <a:endParaRPr lang="uk-UA" dirty="0"/>
           </a:p>
         </p:txBody>
       </p:sp>
@@ -4496,18 +4487,17 @@
           <a:lstStyle/>
           <a:p>
             <a:r>
-              <a:rPr lang="uk-UA" dirty="0" err="1" smtClean="0"/>
+              <a:rPr lang="uk-UA" dirty="0" err="1"/>
               <a:t>Відлагодження</a:t>
             </a:r>
             <a:r>
-              <a:rPr lang="en-US" dirty="0" smtClean="0"/>
+              <a:rPr lang="en-US" dirty="0"/>
               <a:t> Attach: </a:t>
             </a:r>
             <a:r>
-              <a:rPr lang="uk-UA" dirty="0" smtClean="0"/>
+              <a:rPr lang="uk-UA" dirty="0"/>
               <a:t>Прикріплення</a:t>
             </a:r>
-            <a:endParaRPr lang="uk-UA" dirty="0"/>
           </a:p>
         </p:txBody>
       </p:sp>
@@ -4650,11 +4640,11 @@
           <a:lstStyle/>
           <a:p>
             <a:r>
-              <a:rPr lang="uk-UA" dirty="0" err="1" smtClean="0"/>
+              <a:rPr lang="uk-UA" dirty="0" err="1"/>
               <a:t>Відлагодження</a:t>
             </a:r>
             <a:r>
-              <a:rPr lang="en-US" dirty="0" smtClean="0"/>
+              <a:rPr lang="en-US" dirty="0"/>
               <a:t> Watch</a:t>
             </a:r>
             <a:endParaRPr lang="uk-UA" dirty="0"/>
@@ -4731,11 +4721,11 @@
           <a:lstStyle/>
           <a:p>
             <a:r>
-              <a:rPr lang="uk-UA" dirty="0" err="1" smtClean="0"/>
+              <a:rPr lang="uk-UA" dirty="0" err="1"/>
               <a:t>Відлагодження</a:t>
             </a:r>
             <a:r>
-              <a:rPr lang="en-US" dirty="0" smtClean="0"/>
+              <a:rPr lang="en-US" dirty="0"/>
               <a:t> Chrome</a:t>
             </a:r>
             <a:endParaRPr lang="uk-UA" dirty="0"/>
@@ -5059,15 +5049,15 @@
           <a:lstStyle/>
           <a:p>
             <a:r>
-              <a:rPr lang="uk-UA" dirty="0" smtClean="0"/>
+              <a:rPr lang="uk-UA" dirty="0"/>
               <a:t>Що таке</a:t>
             </a:r>
             <a:r>
-              <a:rPr lang="ru-RU" dirty="0" smtClean="0"/>
+              <a:rPr lang="ru-RU" dirty="0"/>
               <a:t> </a:t>
             </a:r>
             <a:r>
-              <a:rPr lang="en-US" dirty="0" smtClean="0"/>
+              <a:rPr lang="en-US" dirty="0"/>
               <a:t>Node.js?</a:t>
             </a:r>
             <a:endParaRPr lang="uk-UA" dirty="0"/>
@@ -5123,15 +5113,7 @@
             </a:r>
             <a:r>
               <a:rPr lang="uk-UA" dirty="0"/>
-              <a:t>і можуть працювати на </a:t>
-            </a:r>
-            <a:r>
-              <a:rPr lang="uk-UA" dirty="0" smtClean="0"/>
-              <a:t>різноманітних </a:t>
-            </a:r>
-            <a:r>
-              <a:rPr lang="uk-UA" dirty="0"/>
-              <a:t>операційних системах.</a:t>
+              <a:t>і можуть працювати на різноманітних операційних системах.</a:t>
             </a:r>
           </a:p>
           <a:p>
@@ -5150,47 +5132,35 @@
             </a:r>
             <a:r>
               <a:rPr lang="uk-UA" u="sng" dirty="0"/>
-              <a:t>архітектурі, керованій </a:t>
-            </a:r>
-            <a:r>
-              <a:rPr lang="uk-UA" u="sng" dirty="0" smtClean="0"/>
-              <a:t>подіями (</a:t>
-            </a:r>
-            <a:r>
-              <a:rPr lang="en-US" u="sng" dirty="0" smtClean="0"/>
+              <a:t>архітектурі, керованій подіями (</a:t>
+            </a:r>
+            <a:r>
+              <a:rPr lang="en-US" u="sng" dirty="0"/>
               <a:t>event-driven architecture</a:t>
             </a:r>
             <a:r>
-              <a:rPr lang="uk-UA" u="sng" dirty="0" smtClean="0"/>
+              <a:rPr lang="uk-UA" u="sng" dirty="0"/>
               <a:t>)</a:t>
             </a:r>
             <a:r>
-              <a:rPr lang="uk-UA" dirty="0" smtClean="0"/>
-              <a:t>, </a:t>
-            </a:r>
-            <a:r>
               <a:rPr lang="uk-UA" dirty="0"/>
-              <a:t>і неблокуючим </a:t>
-            </a:r>
-            <a:r>
-              <a:rPr lang="en-US" dirty="0" smtClean="0"/>
+              <a:t>, і неблокуючим </a:t>
+            </a:r>
+            <a:r>
+              <a:rPr lang="en-US" dirty="0"/>
               <a:t>API </a:t>
             </a:r>
             <a:r>
-              <a:rPr lang="uk-UA" dirty="0" smtClean="0"/>
+              <a:rPr lang="uk-UA" dirty="0"/>
               <a:t>вводу/виводу (</a:t>
             </a:r>
             <a:r>
-              <a:rPr lang="en-US" dirty="0" smtClean="0"/>
+              <a:rPr lang="en-US" dirty="0"/>
               <a:t>non blocking I/O API</a:t>
             </a:r>
             <a:r>
-              <a:rPr lang="uk-UA" dirty="0" smtClean="0"/>
-              <a:t>), </a:t>
-            </a:r>
-            <a:r>
               <a:rPr lang="uk-UA" dirty="0"/>
-              <a:t>який призначений для оптимізації пропускної здатності програми та масштабованості для веб-додатків у реальному часі.</a:t>
+              <a:t>), який призначений для оптимізації пропускної здатності програми та масштабованості для веб-додатків у реальному часі.</a:t>
             </a:r>
           </a:p>
           <a:p>
@@ -5204,36 +5174,24 @@
               <a:t>Протягом тривалого періоду часу, доступні для веб-розробки основи були засновані на моделі без </a:t>
             </a:r>
             <a:r>
-              <a:rPr lang="uk-UA" u="sng" dirty="0" smtClean="0"/>
+              <a:rPr lang="uk-UA" u="sng" dirty="0"/>
               <a:t>збереження стану </a:t>
             </a:r>
             <a:r>
-              <a:rPr lang="ru-RU" u="sng" dirty="0" smtClean="0"/>
+              <a:rPr lang="ru-RU" u="sng" dirty="0"/>
               <a:t>(</a:t>
             </a:r>
             <a:r>
-              <a:rPr lang="en-US" u="sng" dirty="0" smtClean="0"/>
+              <a:rPr lang="en-US" u="sng" dirty="0"/>
               <a:t>stateless</a:t>
             </a:r>
             <a:r>
-              <a:rPr lang="ru-RU" u="sng" dirty="0" smtClean="0"/>
+              <a:rPr lang="ru-RU" u="sng" dirty="0"/>
               <a:t>)</a:t>
             </a:r>
             <a:r>
-              <a:rPr lang="uk-UA" dirty="0" smtClean="0"/>
-              <a:t>. </a:t>
-            </a:r>
-            <a:r>
               <a:rPr lang="uk-UA" dirty="0"/>
-              <a:t>Модель без </a:t>
-            </a:r>
-            <a:r>
-              <a:rPr lang="uk-UA" dirty="0" smtClean="0"/>
-              <a:t>збереження стану </a:t>
-            </a:r>
-            <a:r>
-              <a:rPr lang="uk-UA" dirty="0"/>
-              <a:t>полягає в тому, що дані, </a:t>
+              <a:t>. Модель без збереження стану полягає в тому, що дані, </a:t>
             </a:r>
             <a:r>
               <a:rPr lang="uk-UA" dirty="0" err="1"/>
@@ -5260,13 +5218,6 @@
   <p:clrMapOvr>
     <a:masterClrMapping/>
   </p:clrMapOvr>
-  <p:timing>
-    <p:tnLst>
-      <p:par>
-        <p:cTn id="1" dur="indefinite" restart="never" nodeType="tmRoot"/>
-      </p:par>
-    </p:tnLst>
-  </p:timing>
 </p:sld>
 </file>
 
@@ -5520,18 +5471,13 @@
           <a:p>
             <a:pPr algn="ctr"/>
             <a:r>
-              <a:rPr lang="uk-UA" sz="4800" dirty="0" smtClean="0">
+              <a:rPr lang="uk-UA" sz="4800" dirty="0">
                 <a:solidFill>
                   <a:srgbClr val="0070C0"/>
                 </a:solidFill>
               </a:rPr>
               <a:t>Приклад простого сервера</a:t>
             </a:r>
-            <a:endParaRPr lang="uk-UA" sz="4800" dirty="0">
-              <a:solidFill>
-                <a:srgbClr val="0070C0"/>
-              </a:solidFill>
-            </a:endParaRPr>
           </a:p>
         </p:txBody>
       </p:sp>
@@ -5581,22 +5527,21 @@
           <a:lstStyle/>
           <a:p>
             <a:r>
-              <a:rPr lang="en-US" dirty="0" smtClean="0"/>
+              <a:rPr lang="en-US" dirty="0"/>
               <a:t>Node</a:t>
             </a:r>
             <a:r>
-              <a:rPr lang="ru-RU" dirty="0" smtClean="0"/>
+              <a:rPr lang="ru-RU" dirty="0"/>
               <a:t> </a:t>
             </a:r>
             <a:r>
-              <a:rPr lang="en-US" dirty="0" smtClean="0"/>
+              <a:rPr lang="en-US" dirty="0"/>
               <a:t>HTTP. </a:t>
             </a:r>
             <a:r>
-              <a:rPr lang="uk-UA" dirty="0" smtClean="0"/>
+              <a:rPr lang="uk-UA" dirty="0"/>
               <a:t>Створення сервера</a:t>
             </a:r>
-            <a:endParaRPr lang="uk-UA" dirty="0"/>
           </a:p>
         </p:txBody>
       </p:sp>
@@ -5638,15 +5583,6 @@
             </a:endParaRPr>
           </a:p>
           <a:p>
-            <a:r>
-              <a:rPr lang="en-US" dirty="0">
-                <a:solidFill>
-                  <a:srgbClr val="000000"/>
-                </a:solidFill>
-                <a:latin typeface="Consolas" panose="020B0609020204030204" pitchFamily="49" charset="0"/>
-              </a:rPr>
-              <a:t/>
-            </a:r>
             <a:br>
               <a:rPr lang="en-US" dirty="0">
                 <a:solidFill>
@@ -5729,15 +5665,6 @@
             </a:r>
           </a:p>
           <a:p>
-            <a:r>
-              <a:rPr lang="en-US" dirty="0">
-                <a:solidFill>
-                  <a:srgbClr val="000000"/>
-                </a:solidFill>
-                <a:latin typeface="Consolas" panose="020B0609020204030204" pitchFamily="49" charset="0"/>
-              </a:rPr>
-              <a:t/>
-            </a:r>
             <a:br>
               <a:rPr lang="en-US" dirty="0">
                 <a:solidFill>
@@ -5892,27 +5819,18 @@
                 </a:solidFill>
                 <a:latin typeface="Consolas" panose="020B0609020204030204" pitchFamily="49" charset="0"/>
               </a:rPr>
-              <a:t>// server: </a:t>
-            </a:r>
-            <a:r>
-              <a:rPr lang="en-US" dirty="0" smtClean="0">
+              <a:t>// server: Server -&gt; </a:t>
+            </a:r>
+            <a:r>
+              <a:rPr lang="en-US" dirty="0" err="1">
                 <a:solidFill>
                   <a:srgbClr val="008000"/>
                 </a:solidFill>
                 <a:latin typeface="Consolas" panose="020B0609020204030204" pitchFamily="49" charset="0"/>
               </a:rPr>
-              <a:t>Server -&gt; </a:t>
-            </a:r>
-            <a:r>
-              <a:rPr lang="en-US" dirty="0" err="1" smtClean="0">
-                <a:solidFill>
-                  <a:srgbClr val="008000"/>
-                </a:solidFill>
-                <a:latin typeface="Consolas" panose="020B0609020204030204" pitchFamily="49" charset="0"/>
-              </a:rPr>
               <a:t>EventEmmiter</a:t>
             </a:r>
-            <a:endParaRPr lang="en-US" dirty="0" smtClean="0">
+            <a:endParaRPr lang="en-US" dirty="0">
               <a:solidFill>
                 <a:srgbClr val="008000"/>
               </a:solidFill>
@@ -5921,7 +5839,7 @@
           </a:p>
           <a:p>
             <a:r>
-              <a:rPr lang="en-US" dirty="0" smtClean="0">
+              <a:rPr lang="en-US" dirty="0">
                 <a:solidFill>
                   <a:srgbClr val="008000"/>
                 </a:solidFill>
@@ -5930,7 +5848,7 @@
               <a:t>// request: </a:t>
             </a:r>
             <a:r>
-              <a:rPr lang="en-US" dirty="0" err="1" smtClean="0">
+              <a:rPr lang="en-US" dirty="0" err="1">
                 <a:solidFill>
                   <a:srgbClr val="008000"/>
                 </a:solidFill>
@@ -5938,7 +5856,7 @@
               </a:rPr>
               <a:t>IncomingMessage</a:t>
             </a:r>
-            <a:endParaRPr lang="en-US" dirty="0" smtClean="0">
+            <a:endParaRPr lang="en-US" dirty="0">
               <a:solidFill>
                 <a:srgbClr val="008000"/>
               </a:solidFill>
@@ -5947,7 +5865,7 @@
           </a:p>
           <a:p>
             <a:r>
-              <a:rPr lang="en-US" dirty="0" smtClean="0">
+              <a:rPr lang="en-US" dirty="0">
                 <a:solidFill>
                   <a:srgbClr val="008000"/>
                 </a:solidFill>
@@ -5956,7 +5874,7 @@
               <a:t>// response: </a:t>
             </a:r>
             <a:r>
-              <a:rPr lang="en-US" dirty="0" err="1" smtClean="0">
+              <a:rPr lang="en-US" dirty="0" err="1">
                 <a:solidFill>
                   <a:srgbClr val="008000"/>
                 </a:solidFill>
@@ -5972,15 +5890,6 @@
             </a:endParaRPr>
           </a:p>
           <a:p>
-            <a:r>
-              <a:rPr lang="en-US" dirty="0">
-                <a:solidFill>
-                  <a:srgbClr val="000000"/>
-                </a:solidFill>
-                <a:latin typeface="Consolas" panose="020B0609020204030204" pitchFamily="49" charset="0"/>
-              </a:rPr>
-              <a:t/>
-            </a:r>
             <a:br>
               <a:rPr lang="en-US" dirty="0">
                 <a:solidFill>
@@ -6077,22 +5986,21 @@
           <a:lstStyle/>
           <a:p>
             <a:r>
-              <a:rPr lang="en-US" dirty="0" smtClean="0"/>
+              <a:rPr lang="en-US" dirty="0"/>
               <a:t>Node</a:t>
             </a:r>
             <a:r>
-              <a:rPr lang="ru-RU" dirty="0" smtClean="0"/>
+              <a:rPr lang="ru-RU" dirty="0"/>
               <a:t> </a:t>
             </a:r>
             <a:r>
-              <a:rPr lang="en-US" dirty="0" smtClean="0"/>
+              <a:rPr lang="en-US" dirty="0"/>
               <a:t>HTTP. </a:t>
             </a:r>
             <a:r>
-              <a:rPr lang="uk-UA" dirty="0" smtClean="0"/>
+              <a:rPr lang="uk-UA" dirty="0"/>
               <a:t>Створення сервера</a:t>
             </a:r>
-            <a:endParaRPr lang="uk-UA" dirty="0"/>
           </a:p>
         </p:txBody>
       </p:sp>
@@ -6134,15 +6042,6 @@
             </a:endParaRPr>
           </a:p>
           <a:p>
-            <a:r>
-              <a:rPr lang="en-US" dirty="0">
-                <a:solidFill>
-                  <a:srgbClr val="000000"/>
-                </a:solidFill>
-                <a:latin typeface="Consolas" panose="020B0609020204030204" pitchFamily="49" charset="0"/>
-              </a:rPr>
-              <a:t/>
-            </a:r>
             <a:br>
               <a:rPr lang="en-US" dirty="0">
                 <a:solidFill>
@@ -6225,15 +6124,6 @@
             </a:r>
           </a:p>
           <a:p>
-            <a:r>
-              <a:rPr lang="en-US" dirty="0">
-                <a:solidFill>
-                  <a:srgbClr val="000000"/>
-                </a:solidFill>
-                <a:latin typeface="Consolas" panose="020B0609020204030204" pitchFamily="49" charset="0"/>
-              </a:rPr>
-              <a:t/>
-            </a:r>
             <a:br>
               <a:rPr lang="en-US" dirty="0">
                 <a:solidFill>
@@ -6388,27 +6278,18 @@
                 </a:solidFill>
                 <a:latin typeface="Consolas" panose="020B0609020204030204" pitchFamily="49" charset="0"/>
               </a:rPr>
-              <a:t>// server: </a:t>
-            </a:r>
-            <a:r>
-              <a:rPr lang="en-US" dirty="0" smtClean="0">
+              <a:t>// server: Server -&gt; </a:t>
+            </a:r>
+            <a:r>
+              <a:rPr lang="en-US" dirty="0" err="1">
                 <a:solidFill>
                   <a:srgbClr val="008000"/>
                 </a:solidFill>
                 <a:latin typeface="Consolas" panose="020B0609020204030204" pitchFamily="49" charset="0"/>
               </a:rPr>
-              <a:t>Server -&gt; </a:t>
-            </a:r>
-            <a:r>
-              <a:rPr lang="en-US" dirty="0" err="1" smtClean="0">
-                <a:solidFill>
-                  <a:srgbClr val="008000"/>
-                </a:solidFill>
-                <a:latin typeface="Consolas" panose="020B0609020204030204" pitchFamily="49" charset="0"/>
-              </a:rPr>
               <a:t>EventEmmiter</a:t>
             </a:r>
-            <a:endParaRPr lang="en-US" dirty="0" smtClean="0">
+            <a:endParaRPr lang="en-US" dirty="0">
               <a:solidFill>
                 <a:srgbClr val="008000"/>
               </a:solidFill>
@@ -6417,7 +6298,7 @@
           </a:p>
           <a:p>
             <a:r>
-              <a:rPr lang="en-US" dirty="0" smtClean="0">
+              <a:rPr lang="en-US" dirty="0">
                 <a:solidFill>
                   <a:srgbClr val="008000"/>
                 </a:solidFill>
@@ -6426,7 +6307,7 @@
               <a:t>// request: </a:t>
             </a:r>
             <a:r>
-              <a:rPr lang="en-US" dirty="0" err="1" smtClean="0">
+              <a:rPr lang="en-US" dirty="0" err="1">
                 <a:solidFill>
                   <a:srgbClr val="008000"/>
                 </a:solidFill>
@@ -6434,7 +6315,7 @@
               </a:rPr>
               <a:t>IncomingMessage</a:t>
             </a:r>
-            <a:endParaRPr lang="en-US" dirty="0" smtClean="0">
+            <a:endParaRPr lang="en-US" dirty="0">
               <a:solidFill>
                 <a:srgbClr val="008000"/>
               </a:solidFill>
@@ -6443,7 +6324,7 @@
           </a:p>
           <a:p>
             <a:r>
-              <a:rPr lang="en-US" dirty="0" smtClean="0">
+              <a:rPr lang="en-US" dirty="0">
                 <a:solidFill>
                   <a:srgbClr val="008000"/>
                 </a:solidFill>
@@ -6452,7 +6333,7 @@
               <a:t>// response: </a:t>
             </a:r>
             <a:r>
-              <a:rPr lang="en-US" dirty="0" err="1" smtClean="0">
+              <a:rPr lang="en-US" dirty="0" err="1">
                 <a:solidFill>
                   <a:srgbClr val="008000"/>
                 </a:solidFill>
@@ -6468,15 +6349,6 @@
             </a:endParaRPr>
           </a:p>
           <a:p>
-            <a:r>
-              <a:rPr lang="en-US" dirty="0">
-                <a:solidFill>
-                  <a:srgbClr val="000000"/>
-                </a:solidFill>
-                <a:latin typeface="Consolas" panose="020B0609020204030204" pitchFamily="49" charset="0"/>
-              </a:rPr>
-              <a:t/>
-            </a:r>
             <a:br>
               <a:rPr lang="en-US" dirty="0">
                 <a:solidFill>
@@ -6797,22 +6669,21 @@
           <a:lstStyle/>
           <a:p>
             <a:r>
-              <a:rPr lang="en-US" dirty="0" smtClean="0"/>
+              <a:rPr lang="en-US" dirty="0"/>
               <a:t>Node</a:t>
             </a:r>
             <a:r>
-              <a:rPr lang="ru-RU" dirty="0" smtClean="0"/>
+              <a:rPr lang="ru-RU" dirty="0"/>
               <a:t> </a:t>
             </a:r>
             <a:r>
-              <a:rPr lang="en-US" dirty="0" smtClean="0"/>
+              <a:rPr lang="en-US" dirty="0"/>
               <a:t>HTTP. </a:t>
             </a:r>
             <a:r>
-              <a:rPr lang="uk-UA" dirty="0" smtClean="0"/>
+              <a:rPr lang="uk-UA" dirty="0"/>
               <a:t>Отримання частин запиту</a:t>
             </a:r>
-            <a:endParaRPr lang="uk-UA" dirty="0"/>
           </a:p>
         </p:txBody>
       </p:sp>
@@ -6966,7 +6837,7 @@
           </a:p>
           <a:p>
             <a:r>
-              <a:rPr lang="en-US" dirty="0" smtClean="0">
+              <a:rPr lang="en-US" dirty="0">
                 <a:solidFill>
                   <a:srgbClr val="267F99"/>
                 </a:solidFill>
@@ -6975,7 +6846,7 @@
               <a:t>  console</a:t>
             </a:r>
             <a:r>
-              <a:rPr lang="en-US" dirty="0" smtClean="0">
+              <a:rPr lang="en-US" dirty="0">
                 <a:solidFill>
                   <a:srgbClr val="000000"/>
                 </a:solidFill>
@@ -6984,7 +6855,7 @@
               <a:t>.</a:t>
             </a:r>
             <a:r>
-              <a:rPr lang="en-US" dirty="0" smtClean="0">
+              <a:rPr lang="en-US" dirty="0">
                 <a:solidFill>
                   <a:srgbClr val="795E26"/>
                 </a:solidFill>
@@ -6993,7 +6864,7 @@
               <a:t>log</a:t>
             </a:r>
             <a:r>
-              <a:rPr lang="en-US" dirty="0" smtClean="0">
+              <a:rPr lang="en-US" dirty="0">
                 <a:solidFill>
                   <a:srgbClr val="000000"/>
                 </a:solidFill>
@@ -7002,7 +6873,7 @@
               <a:t>(</a:t>
             </a:r>
             <a:r>
-              <a:rPr lang="en-US" dirty="0" err="1" smtClean="0">
+              <a:rPr lang="en-US" dirty="0" err="1">
                 <a:solidFill>
                   <a:srgbClr val="001080"/>
                 </a:solidFill>
@@ -7011,7 +6882,7 @@
               <a:t>request</a:t>
             </a:r>
             <a:r>
-              <a:rPr lang="en-US" dirty="0" err="1" smtClean="0">
+              <a:rPr lang="en-US" dirty="0" err="1">
                 <a:solidFill>
                   <a:srgbClr val="000000"/>
                 </a:solidFill>
@@ -7020,7 +6891,7 @@
               <a:t>.</a:t>
             </a:r>
             <a:r>
-              <a:rPr lang="en-US" dirty="0" err="1" smtClean="0">
+              <a:rPr lang="en-US" dirty="0" err="1">
                 <a:solidFill>
                   <a:srgbClr val="001080"/>
                 </a:solidFill>
@@ -7040,7 +6911,7 @@
           </a:p>
           <a:p>
             <a:r>
-              <a:rPr lang="en-US" dirty="0" smtClean="0">
+              <a:rPr lang="en-US" dirty="0">
                 <a:solidFill>
                   <a:srgbClr val="267F99"/>
                 </a:solidFill>
@@ -7049,7 +6920,7 @@
               <a:t>  console</a:t>
             </a:r>
             <a:r>
-              <a:rPr lang="en-US" dirty="0" smtClean="0">
+              <a:rPr lang="en-US" dirty="0">
                 <a:solidFill>
                   <a:srgbClr val="000000"/>
                 </a:solidFill>
@@ -7058,7 +6929,7 @@
               <a:t>.</a:t>
             </a:r>
             <a:r>
-              <a:rPr lang="en-US" dirty="0" smtClean="0">
+              <a:rPr lang="en-US" dirty="0">
                 <a:solidFill>
                   <a:srgbClr val="795E26"/>
                 </a:solidFill>
@@ -7067,7 +6938,7 @@
               <a:t>log</a:t>
             </a:r>
             <a:r>
-              <a:rPr lang="en-US" dirty="0" smtClean="0">
+              <a:rPr lang="en-US" dirty="0">
                 <a:solidFill>
                   <a:srgbClr val="000000"/>
                 </a:solidFill>
@@ -7076,7 +6947,7 @@
               <a:t>(</a:t>
             </a:r>
             <a:r>
-              <a:rPr lang="en-US" dirty="0" smtClean="0">
+              <a:rPr lang="en-US" dirty="0">
                 <a:solidFill>
                   <a:srgbClr val="001080"/>
                 </a:solidFill>
@@ -7085,7 +6956,7 @@
               <a:t>request</a:t>
             </a:r>
             <a:r>
-              <a:rPr lang="en-US" dirty="0" smtClean="0">
+              <a:rPr lang="en-US" dirty="0">
                 <a:solidFill>
                   <a:srgbClr val="000000"/>
                 </a:solidFill>
@@ -7094,7 +6965,7 @@
               <a:t>.</a:t>
             </a:r>
             <a:r>
-              <a:rPr lang="en-US" dirty="0" smtClean="0">
+              <a:rPr lang="en-US" dirty="0">
                 <a:solidFill>
                   <a:srgbClr val="001080"/>
                 </a:solidFill>
@@ -7180,15 +7051,6 @@
             </a:r>
           </a:p>
           <a:p>
-            <a:r>
-              <a:rPr lang="en-US" dirty="0">
-                <a:solidFill>
-                  <a:srgbClr val="000000"/>
-                </a:solidFill>
-                <a:latin typeface="Consolas" panose="020B0609020204030204" pitchFamily="49" charset="0"/>
-              </a:rPr>
-              <a:t/>
-            </a:r>
             <a:br>
               <a:rPr lang="en-US" dirty="0">
                 <a:solidFill>
@@ -7253,22 +7115,21 @@
           <a:lstStyle/>
           <a:p>
             <a:r>
-              <a:rPr lang="en-US" dirty="0" smtClean="0"/>
+              <a:rPr lang="en-US" dirty="0"/>
               <a:t>Node</a:t>
             </a:r>
             <a:r>
-              <a:rPr lang="ru-RU" dirty="0" smtClean="0"/>
+              <a:rPr lang="ru-RU" dirty="0"/>
               <a:t> </a:t>
             </a:r>
             <a:r>
-              <a:rPr lang="en-US" dirty="0" smtClean="0"/>
+              <a:rPr lang="en-US" dirty="0"/>
               <a:t>HTTP. </a:t>
             </a:r>
             <a:r>
-              <a:rPr lang="uk-UA" dirty="0" smtClean="0"/>
+              <a:rPr lang="uk-UA" dirty="0"/>
               <a:t>Отримання заголовків</a:t>
             </a:r>
-            <a:endParaRPr lang="uk-UA" dirty="0"/>
           </a:p>
         </p:txBody>
       </p:sp>
@@ -7310,15 +7171,6 @@
             </a:endParaRPr>
           </a:p>
           <a:p>
-            <a:r>
-              <a:rPr lang="en-US" dirty="0">
-                <a:solidFill>
-                  <a:srgbClr val="000000"/>
-                </a:solidFill>
-                <a:latin typeface="Consolas" panose="020B0609020204030204" pitchFamily="49" charset="0"/>
-              </a:rPr>
-              <a:t/>
-            </a:r>
             <a:br>
               <a:rPr lang="en-US" dirty="0">
                 <a:solidFill>
@@ -7401,15 +7253,6 @@
             </a:r>
           </a:p>
           <a:p>
-            <a:r>
-              <a:rPr lang="en-US" dirty="0">
-                <a:solidFill>
-                  <a:srgbClr val="000000"/>
-                </a:solidFill>
-                <a:latin typeface="Consolas" panose="020B0609020204030204" pitchFamily="49" charset="0"/>
-              </a:rPr>
-              <a:t/>
-            </a:r>
             <a:br>
               <a:rPr lang="en-US" dirty="0">
                 <a:solidFill>
@@ -7618,7 +7461,7 @@
           </a:p>
           <a:p>
             <a:r>
-              <a:rPr lang="uk-UA" dirty="0" smtClean="0">
+              <a:rPr lang="uk-UA" dirty="0">
                 <a:solidFill>
                   <a:srgbClr val="267F99"/>
                 </a:solidFill>
@@ -7627,7 +7470,7 @@
               <a:t>  </a:t>
             </a:r>
             <a:r>
-              <a:rPr lang="en-US" dirty="0" smtClean="0">
+              <a:rPr lang="en-US" dirty="0">
                 <a:solidFill>
                   <a:srgbClr val="267F99"/>
                 </a:solidFill>
@@ -7636,7 +7479,7 @@
               <a:t>console</a:t>
             </a:r>
             <a:r>
-              <a:rPr lang="en-US" dirty="0" smtClean="0">
+              <a:rPr lang="en-US" dirty="0">
                 <a:solidFill>
                   <a:srgbClr val="000000"/>
                 </a:solidFill>
@@ -7645,7 +7488,7 @@
               <a:t>.</a:t>
             </a:r>
             <a:r>
-              <a:rPr lang="en-US" dirty="0" smtClean="0">
+              <a:rPr lang="en-US" dirty="0">
                 <a:solidFill>
                   <a:srgbClr val="795E26"/>
                 </a:solidFill>
@@ -7654,7 +7497,7 @@
               <a:t>log</a:t>
             </a:r>
             <a:r>
-              <a:rPr lang="en-US" dirty="0" smtClean="0">
+              <a:rPr lang="en-US" dirty="0">
                 <a:solidFill>
                   <a:srgbClr val="000000"/>
                 </a:solidFill>
@@ -7663,7 +7506,7 @@
               <a:t>(</a:t>
             </a:r>
             <a:r>
-              <a:rPr lang="en-US" dirty="0" smtClean="0">
+              <a:rPr lang="en-US" dirty="0">
                 <a:solidFill>
                   <a:srgbClr val="001080"/>
                 </a:solidFill>
@@ -7683,7 +7526,7 @@
           </a:p>
           <a:p>
             <a:r>
-              <a:rPr lang="uk-UA" dirty="0" smtClean="0">
+              <a:rPr lang="uk-UA" dirty="0">
                 <a:solidFill>
                   <a:srgbClr val="267F99"/>
                 </a:solidFill>
@@ -7692,7 +7535,7 @@
               <a:t>  </a:t>
             </a:r>
             <a:r>
-              <a:rPr lang="en-US" dirty="0" smtClean="0">
+              <a:rPr lang="en-US" dirty="0">
                 <a:solidFill>
                   <a:srgbClr val="267F99"/>
                 </a:solidFill>
@@ -7701,7 +7544,7 @@
               <a:t>console</a:t>
             </a:r>
             <a:r>
-              <a:rPr lang="en-US" dirty="0" smtClean="0">
+              <a:rPr lang="en-US" dirty="0">
                 <a:solidFill>
                   <a:srgbClr val="000000"/>
                 </a:solidFill>
@@ -7710,7 +7553,7 @@
               <a:t>.</a:t>
             </a:r>
             <a:r>
-              <a:rPr lang="en-US" dirty="0" smtClean="0">
+              <a:rPr lang="en-US" dirty="0">
                 <a:solidFill>
                   <a:srgbClr val="795E26"/>
                 </a:solidFill>
@@ -7719,7 +7562,7 @@
               <a:t>log</a:t>
             </a:r>
             <a:r>
-              <a:rPr lang="en-US" dirty="0" smtClean="0">
+              <a:rPr lang="en-US" dirty="0">
                 <a:solidFill>
                   <a:srgbClr val="000000"/>
                 </a:solidFill>
@@ -7728,7 +7571,7 @@
               <a:t>(</a:t>
             </a:r>
             <a:r>
-              <a:rPr lang="en-US" dirty="0" err="1" smtClean="0">
+              <a:rPr lang="en-US" dirty="0" err="1">
                 <a:solidFill>
                   <a:srgbClr val="001080"/>
                 </a:solidFill>
@@ -7737,7 +7580,7 @@
               <a:t>request</a:t>
             </a:r>
             <a:r>
-              <a:rPr lang="en-US" dirty="0" err="1" smtClean="0">
+              <a:rPr lang="en-US" dirty="0" err="1">
                 <a:solidFill>
                   <a:srgbClr val="000000"/>
                 </a:solidFill>
@@ -7746,7 +7589,7 @@
               <a:t>.</a:t>
             </a:r>
             <a:r>
-              <a:rPr lang="en-US" dirty="0" err="1" smtClean="0">
+              <a:rPr lang="en-US" dirty="0" err="1">
                 <a:solidFill>
                   <a:srgbClr val="001080"/>
                 </a:solidFill>
@@ -7766,7 +7609,7 @@
           </a:p>
           <a:p>
             <a:r>
-              <a:rPr lang="uk-UA" dirty="0" smtClean="0">
+              <a:rPr lang="uk-UA" dirty="0">
                 <a:solidFill>
                   <a:srgbClr val="267F99"/>
                 </a:solidFill>
@@ -7775,7 +7618,7 @@
               <a:t>  </a:t>
             </a:r>
             <a:r>
-              <a:rPr lang="en-US" dirty="0" smtClean="0">
+              <a:rPr lang="en-US" dirty="0">
                 <a:solidFill>
                   <a:srgbClr val="267F99"/>
                 </a:solidFill>
@@ -7784,7 +7627,7 @@
               <a:t>console</a:t>
             </a:r>
             <a:r>
-              <a:rPr lang="en-US" dirty="0" smtClean="0">
+              <a:rPr lang="en-US" dirty="0">
                 <a:solidFill>
                   <a:srgbClr val="000000"/>
                 </a:solidFill>
@@ -7793,7 +7636,7 @@
               <a:t>.</a:t>
             </a:r>
             <a:r>
-              <a:rPr lang="en-US" dirty="0" smtClean="0">
+              <a:rPr lang="en-US" dirty="0">
                 <a:solidFill>
                   <a:srgbClr val="795E26"/>
                 </a:solidFill>
@@ -7802,7 +7645,7 @@
               <a:t>log</a:t>
             </a:r>
             <a:r>
-              <a:rPr lang="en-US" dirty="0" smtClean="0">
+              <a:rPr lang="en-US" dirty="0">
                 <a:solidFill>
                   <a:srgbClr val="000000"/>
                 </a:solidFill>
@@ -7811,7 +7654,7 @@
               <a:t>(</a:t>
             </a:r>
             <a:r>
-              <a:rPr lang="en-US" dirty="0" smtClean="0">
+              <a:rPr lang="en-US" dirty="0">
                 <a:solidFill>
                   <a:srgbClr val="001080"/>
                 </a:solidFill>
@@ -7849,7 +7692,7 @@
           </a:p>
           <a:p>
             <a:r>
-              <a:rPr lang="uk-UA" dirty="0" smtClean="0">
+              <a:rPr lang="uk-UA" dirty="0">
                 <a:solidFill>
                   <a:srgbClr val="001080"/>
                 </a:solidFill>
@@ -7858,7 +7701,7 @@
               <a:t>  </a:t>
             </a:r>
             <a:r>
-              <a:rPr lang="en-US" dirty="0" err="1" smtClean="0">
+              <a:rPr lang="en-US" dirty="0" err="1">
                 <a:solidFill>
                   <a:srgbClr val="001080"/>
                 </a:solidFill>
@@ -7867,7 +7710,7 @@
               <a:t>response</a:t>
             </a:r>
             <a:r>
-              <a:rPr lang="en-US" dirty="0" err="1" smtClean="0">
+              <a:rPr lang="en-US" dirty="0" err="1">
                 <a:solidFill>
                   <a:srgbClr val="000000"/>
                 </a:solidFill>
@@ -7876,7 +7719,7 @@
               <a:t>.</a:t>
             </a:r>
             <a:r>
-              <a:rPr lang="en-US" dirty="0" err="1" smtClean="0">
+              <a:rPr lang="en-US" dirty="0" err="1">
                 <a:solidFill>
                   <a:srgbClr val="795E26"/>
                 </a:solidFill>
@@ -7980,15 +7823,6 @@
             </a:r>
           </a:p>
           <a:p>
-            <a:r>
-              <a:rPr lang="en-US" dirty="0">
-                <a:solidFill>
-                  <a:srgbClr val="000000"/>
-                </a:solidFill>
-                <a:latin typeface="Consolas" panose="020B0609020204030204" pitchFamily="49" charset="0"/>
-              </a:rPr>
-              <a:t/>
-            </a:r>
             <a:br>
               <a:rPr lang="en-US" dirty="0">
                 <a:solidFill>
@@ -8053,22 +7887,21 @@
           <a:lstStyle/>
           <a:p>
             <a:r>
-              <a:rPr lang="en-US" dirty="0" smtClean="0"/>
+              <a:rPr lang="en-US" dirty="0"/>
               <a:t>Node</a:t>
             </a:r>
             <a:r>
-              <a:rPr lang="ru-RU" dirty="0" smtClean="0"/>
+              <a:rPr lang="ru-RU" dirty="0"/>
               <a:t> </a:t>
             </a:r>
             <a:r>
-              <a:rPr lang="en-US" dirty="0" smtClean="0"/>
+              <a:rPr lang="en-US" dirty="0"/>
               <a:t>HTTP. </a:t>
             </a:r>
             <a:r>
-              <a:rPr lang="uk-UA" dirty="0" smtClean="0"/>
+              <a:rPr lang="uk-UA" dirty="0"/>
               <a:t>Зчитування даних</a:t>
             </a:r>
-            <a:endParaRPr lang="uk-UA" dirty="0"/>
           </a:p>
         </p:txBody>
       </p:sp>
@@ -8110,15 +7943,6 @@
             </a:endParaRPr>
           </a:p>
           <a:p>
-            <a:r>
-              <a:rPr lang="en-US" dirty="0">
-                <a:solidFill>
-                  <a:srgbClr val="000000"/>
-                </a:solidFill>
-                <a:latin typeface="Consolas" panose="020B0609020204030204" pitchFamily="49" charset="0"/>
-              </a:rPr>
-              <a:t/>
-            </a:r>
             <a:br>
               <a:rPr lang="en-US" dirty="0">
                 <a:solidFill>
@@ -8201,15 +8025,6 @@
             </a:r>
           </a:p>
           <a:p>
-            <a:r>
-              <a:rPr lang="en-US" dirty="0">
-                <a:solidFill>
-                  <a:srgbClr val="000000"/>
-                </a:solidFill>
-                <a:latin typeface="Consolas" panose="020B0609020204030204" pitchFamily="49" charset="0"/>
-              </a:rPr>
-              <a:t/>
-            </a:r>
             <a:br>
               <a:rPr lang="en-US" dirty="0">
                 <a:solidFill>
@@ -8347,7 +8162,7 @@
           </a:p>
           <a:p>
             <a:r>
-              <a:rPr lang="en-US" dirty="0" smtClean="0">
+              <a:rPr lang="en-US" dirty="0">
                 <a:solidFill>
                   <a:srgbClr val="0000FF"/>
                 </a:solidFill>
@@ -8356,7 +8171,7 @@
               <a:t>  let</a:t>
             </a:r>
             <a:r>
-              <a:rPr lang="en-US" dirty="0" smtClean="0">
+              <a:rPr lang="en-US" dirty="0">
                 <a:solidFill>
                   <a:srgbClr val="000000"/>
                 </a:solidFill>
@@ -8385,7 +8200,7 @@
           </a:p>
           <a:p>
             <a:r>
-              <a:rPr lang="en-US" dirty="0" smtClean="0">
+              <a:rPr lang="en-US" dirty="0">
                 <a:solidFill>
                   <a:srgbClr val="001080"/>
                 </a:solidFill>
@@ -8394,7 +8209,7 @@
               <a:t>  </a:t>
             </a:r>
             <a:r>
-              <a:rPr lang="en-US" dirty="0" err="1" smtClean="0">
+              <a:rPr lang="en-US" dirty="0" err="1">
                 <a:solidFill>
                   <a:srgbClr val="001080"/>
                 </a:solidFill>
@@ -8403,7 +8218,7 @@
               <a:t>request</a:t>
             </a:r>
             <a:r>
-              <a:rPr lang="en-US" dirty="0" err="1" smtClean="0">
+              <a:rPr lang="en-US" dirty="0" err="1">
                 <a:solidFill>
                   <a:srgbClr val="000000"/>
                 </a:solidFill>
@@ -8412,7 +8227,7 @@
               <a:t>.</a:t>
             </a:r>
             <a:r>
-              <a:rPr lang="en-US" dirty="0" err="1" smtClean="0">
+              <a:rPr lang="en-US" dirty="0" err="1">
                 <a:solidFill>
                   <a:srgbClr val="795E26"/>
                 </a:solidFill>
@@ -8486,7 +8301,7 @@
           </a:p>
           <a:p>
             <a:r>
-              <a:rPr lang="en-US" dirty="0" smtClean="0">
+              <a:rPr lang="en-US" dirty="0">
                 <a:solidFill>
                   <a:srgbClr val="001080"/>
                 </a:solidFill>
@@ -8495,7 +8310,7 @@
               <a:t>    </a:t>
             </a:r>
             <a:r>
-              <a:rPr lang="en-US" dirty="0" err="1" smtClean="0">
+              <a:rPr lang="en-US" dirty="0" err="1">
                 <a:solidFill>
                   <a:srgbClr val="001080"/>
                 </a:solidFill>
@@ -8504,7 +8319,7 @@
               <a:t>body</a:t>
             </a:r>
             <a:r>
-              <a:rPr lang="en-US" dirty="0" err="1" smtClean="0">
+              <a:rPr lang="en-US" dirty="0" err="1">
                 <a:solidFill>
                   <a:srgbClr val="000000"/>
                 </a:solidFill>
@@ -8513,7 +8328,7 @@
               <a:t>.</a:t>
             </a:r>
             <a:r>
-              <a:rPr lang="en-US" dirty="0" err="1" smtClean="0">
+              <a:rPr lang="en-US" dirty="0" err="1">
                 <a:solidFill>
                   <a:srgbClr val="795E26"/>
                 </a:solidFill>
@@ -8522,7 +8337,7 @@
               <a:t>push</a:t>
             </a:r>
             <a:r>
-              <a:rPr lang="en-US" dirty="0" smtClean="0">
+              <a:rPr lang="en-US" dirty="0">
                 <a:solidFill>
                   <a:srgbClr val="000000"/>
                 </a:solidFill>
@@ -8531,7 +8346,7 @@
               <a:t>(</a:t>
             </a:r>
             <a:r>
-              <a:rPr lang="en-US" dirty="0" smtClean="0">
+              <a:rPr lang="en-US" dirty="0">
                 <a:solidFill>
                   <a:srgbClr val="001080"/>
                 </a:solidFill>
@@ -8551,7 +8366,7 @@
           </a:p>
           <a:p>
             <a:r>
-              <a:rPr lang="en-US" dirty="0" smtClean="0">
+              <a:rPr lang="en-US" dirty="0">
                 <a:solidFill>
                   <a:srgbClr val="000000"/>
                 </a:solidFill>
@@ -8616,7 +8431,7 @@
           </a:p>
           <a:p>
             <a:r>
-              <a:rPr lang="en-US" dirty="0" smtClean="0">
+              <a:rPr lang="en-US" dirty="0">
                 <a:solidFill>
                   <a:srgbClr val="001080"/>
                 </a:solidFill>
@@ -8625,22 +8440,13 @@
               <a:t>    body</a:t>
             </a:r>
             <a:r>
-              <a:rPr lang="en-US" dirty="0" smtClean="0">
-                <a:solidFill>
-                  <a:srgbClr val="000000"/>
-                </a:solidFill>
-                <a:latin typeface="Consolas" panose="020B0609020204030204" pitchFamily="49" charset="0"/>
-              </a:rPr>
-              <a:t> </a:t>
-            </a:r>
-            <a:r>
-              <a:rPr lang="en-US" dirty="0">
-                <a:solidFill>
-                  <a:srgbClr val="000000"/>
-                </a:solidFill>
-                <a:latin typeface="Consolas" panose="020B0609020204030204" pitchFamily="49" charset="0"/>
-              </a:rPr>
-              <a:t>= </a:t>
+              <a:rPr lang="en-US" dirty="0">
+                <a:solidFill>
+                  <a:srgbClr val="000000"/>
+                </a:solidFill>
+                <a:latin typeface="Consolas" panose="020B0609020204030204" pitchFamily="49" charset="0"/>
+              </a:rPr>
+              <a:t> = </a:t>
             </a:r>
             <a:r>
               <a:rPr lang="en-US" dirty="0" err="1">
@@ -8717,7 +8523,7 @@
           </a:p>
           <a:p>
             <a:r>
-              <a:rPr lang="en-US" dirty="0" smtClean="0">
+              <a:rPr lang="en-US" dirty="0">
                 <a:solidFill>
                   <a:srgbClr val="000000"/>
                 </a:solidFill>
@@ -8725,12 +8531,6 @@
               </a:rPr>
               <a:t>  })</a:t>
             </a:r>
-            <a:endParaRPr lang="en-US" dirty="0">
-              <a:solidFill>
-                <a:srgbClr val="000000"/>
-              </a:solidFill>
-              <a:latin typeface="Consolas" panose="020B0609020204030204" pitchFamily="49" charset="0"/>
-            </a:endParaRPr>
           </a:p>
           <a:p>
             <a:r>
@@ -8800,15 +8600,6 @@
             </a:r>
           </a:p>
           <a:p>
-            <a:r>
-              <a:rPr lang="en-US" dirty="0">
-                <a:solidFill>
-                  <a:srgbClr val="000000"/>
-                </a:solidFill>
-                <a:latin typeface="Consolas" panose="020B0609020204030204" pitchFamily="49" charset="0"/>
-              </a:rPr>
-              <a:t/>
-            </a:r>
             <a:br>
               <a:rPr lang="en-US" dirty="0">
                 <a:solidFill>
@@ -8873,22 +8664,21 @@
           <a:lstStyle/>
           <a:p>
             <a:r>
-              <a:rPr lang="en-US" dirty="0" smtClean="0"/>
+              <a:rPr lang="en-US" dirty="0"/>
               <a:t>Node</a:t>
             </a:r>
             <a:r>
-              <a:rPr lang="ru-RU" dirty="0" smtClean="0"/>
+              <a:rPr lang="ru-RU" dirty="0"/>
               <a:t> </a:t>
             </a:r>
             <a:r>
-              <a:rPr lang="en-US" dirty="0" smtClean="0"/>
+              <a:rPr lang="en-US" dirty="0"/>
               <a:t>HTTP. </a:t>
             </a:r>
             <a:r>
-              <a:rPr lang="uk-UA" dirty="0" smtClean="0"/>
+              <a:rPr lang="uk-UA" dirty="0"/>
               <a:t>Зчитування даних</a:t>
             </a:r>
-            <a:endParaRPr lang="uk-UA" dirty="0"/>
           </a:p>
         </p:txBody>
       </p:sp>
@@ -8930,15 +8720,6 @@
             </a:endParaRPr>
           </a:p>
           <a:p>
-            <a:r>
-              <a:rPr lang="en-US" dirty="0">
-                <a:solidFill>
-                  <a:srgbClr val="000000"/>
-                </a:solidFill>
-                <a:latin typeface="Consolas" panose="020B0609020204030204" pitchFamily="49" charset="0"/>
-              </a:rPr>
-              <a:t/>
-            </a:r>
             <a:br>
               <a:rPr lang="en-US" dirty="0">
                 <a:solidFill>
@@ -9021,15 +8802,6 @@
             </a:r>
           </a:p>
           <a:p>
-            <a:r>
-              <a:rPr lang="en-US" dirty="0">
-                <a:solidFill>
-                  <a:srgbClr val="000000"/>
-                </a:solidFill>
-                <a:latin typeface="Consolas" panose="020B0609020204030204" pitchFamily="49" charset="0"/>
-              </a:rPr>
-              <a:t/>
-            </a:r>
             <a:br>
               <a:rPr lang="en-US" dirty="0">
                 <a:solidFill>
@@ -9167,7 +8939,7 @@
           </a:p>
           <a:p>
             <a:r>
-              <a:rPr lang="en-US" dirty="0" smtClean="0">
+              <a:rPr lang="en-US" dirty="0">
                 <a:solidFill>
                   <a:srgbClr val="0000FF"/>
                 </a:solidFill>
@@ -9176,7 +8948,7 @@
               <a:t>  let</a:t>
             </a:r>
             <a:r>
-              <a:rPr lang="en-US" dirty="0" smtClean="0">
+              <a:rPr lang="en-US" dirty="0">
                 <a:solidFill>
                   <a:srgbClr val="000000"/>
                 </a:solidFill>
@@ -9205,7 +8977,7 @@
           </a:p>
           <a:p>
             <a:r>
-              <a:rPr lang="en-US" dirty="0" smtClean="0">
+              <a:rPr lang="en-US" dirty="0">
                 <a:solidFill>
                   <a:srgbClr val="001080"/>
                 </a:solidFill>
@@ -9214,7 +8986,7 @@
               <a:t>  </a:t>
             </a:r>
             <a:r>
-              <a:rPr lang="en-US" dirty="0" err="1" smtClean="0">
+              <a:rPr lang="en-US" dirty="0" err="1">
                 <a:solidFill>
                   <a:srgbClr val="001080"/>
                 </a:solidFill>
@@ -9223,7 +8995,7 @@
               <a:t>request</a:t>
             </a:r>
             <a:r>
-              <a:rPr lang="en-US" dirty="0" err="1" smtClean="0">
+              <a:rPr lang="en-US" dirty="0" err="1">
                 <a:solidFill>
                   <a:srgbClr val="000000"/>
                 </a:solidFill>
@@ -9232,7 +9004,7 @@
               <a:t>.</a:t>
             </a:r>
             <a:r>
-              <a:rPr lang="en-US" dirty="0" err="1" smtClean="0">
+              <a:rPr lang="en-US" dirty="0" err="1">
                 <a:solidFill>
                   <a:srgbClr val="795E26"/>
                 </a:solidFill>
@@ -9306,7 +9078,7 @@
           </a:p>
           <a:p>
             <a:r>
-              <a:rPr lang="en-US" dirty="0" smtClean="0">
+              <a:rPr lang="en-US" dirty="0">
                 <a:solidFill>
                   <a:srgbClr val="001080"/>
                 </a:solidFill>
@@ -9315,7 +9087,7 @@
               <a:t>    </a:t>
             </a:r>
             <a:r>
-              <a:rPr lang="en-US" dirty="0" err="1" smtClean="0">
+              <a:rPr lang="en-US" dirty="0" err="1">
                 <a:solidFill>
                   <a:srgbClr val="001080"/>
                 </a:solidFill>
@@ -9324,7 +9096,7 @@
               <a:t>body</a:t>
             </a:r>
             <a:r>
-              <a:rPr lang="en-US" dirty="0" err="1" smtClean="0">
+              <a:rPr lang="en-US" dirty="0" err="1">
                 <a:solidFill>
                   <a:srgbClr val="000000"/>
                 </a:solidFill>
@@ -9333,7 +9105,7 @@
               <a:t>.</a:t>
             </a:r>
             <a:r>
-              <a:rPr lang="en-US" dirty="0" err="1" smtClean="0">
+              <a:rPr lang="en-US" dirty="0" err="1">
                 <a:solidFill>
                   <a:srgbClr val="795E26"/>
                 </a:solidFill>
@@ -9342,7 +9114,7 @@
               <a:t>push</a:t>
             </a:r>
             <a:r>
-              <a:rPr lang="en-US" dirty="0" smtClean="0">
+              <a:rPr lang="en-US" dirty="0">
                 <a:solidFill>
                   <a:srgbClr val="000000"/>
                 </a:solidFill>
@@ -9351,7 +9123,7 @@
               <a:t>(</a:t>
             </a:r>
             <a:r>
-              <a:rPr lang="en-US" dirty="0" smtClean="0">
+              <a:rPr lang="en-US" dirty="0">
                 <a:solidFill>
                   <a:srgbClr val="001080"/>
                 </a:solidFill>
@@ -9371,7 +9143,7 @@
           </a:p>
           <a:p>
             <a:r>
-              <a:rPr lang="en-US" dirty="0" smtClean="0">
+              <a:rPr lang="en-US" dirty="0">
                 <a:solidFill>
                   <a:srgbClr val="000000"/>
                 </a:solidFill>
@@ -9436,7 +9208,7 @@
           </a:p>
           <a:p>
             <a:r>
-              <a:rPr lang="en-US" dirty="0" smtClean="0">
+              <a:rPr lang="en-US" dirty="0">
                 <a:solidFill>
                   <a:srgbClr val="001080"/>
                 </a:solidFill>
@@ -9445,22 +9217,13 @@
               <a:t>    body</a:t>
             </a:r>
             <a:r>
-              <a:rPr lang="en-US" dirty="0" smtClean="0">
-                <a:solidFill>
-                  <a:srgbClr val="000000"/>
-                </a:solidFill>
-                <a:latin typeface="Consolas" panose="020B0609020204030204" pitchFamily="49" charset="0"/>
-              </a:rPr>
-              <a:t> </a:t>
-            </a:r>
-            <a:r>
-              <a:rPr lang="en-US" dirty="0">
-                <a:solidFill>
-                  <a:srgbClr val="000000"/>
-                </a:solidFill>
-                <a:latin typeface="Consolas" panose="020B0609020204030204" pitchFamily="49" charset="0"/>
-              </a:rPr>
-              <a:t>= </a:t>
+              <a:rPr lang="en-US" dirty="0">
+                <a:solidFill>
+                  <a:srgbClr val="000000"/>
+                </a:solidFill>
+                <a:latin typeface="Consolas" panose="020B0609020204030204" pitchFamily="49" charset="0"/>
+              </a:rPr>
+              <a:t> = </a:t>
             </a:r>
             <a:r>
               <a:rPr lang="en-US" dirty="0" err="1">
@@ -9537,7 +9300,7 @@
           </a:p>
           <a:p>
             <a:r>
-              <a:rPr lang="en-US" dirty="0" smtClean="0">
+              <a:rPr lang="en-US" dirty="0">
                 <a:solidFill>
                   <a:srgbClr val="000000"/>
                 </a:solidFill>
@@ -9545,12 +9308,6 @@
               </a:rPr>
               <a:t>  })</a:t>
             </a:r>
-            <a:endParaRPr lang="en-US" dirty="0">
-              <a:solidFill>
-                <a:srgbClr val="000000"/>
-              </a:solidFill>
-              <a:latin typeface="Consolas" panose="020B0609020204030204" pitchFamily="49" charset="0"/>
-            </a:endParaRPr>
           </a:p>
           <a:p>
             <a:r>
@@ -9620,15 +9377,6 @@
             </a:r>
           </a:p>
           <a:p>
-            <a:r>
-              <a:rPr lang="en-US" dirty="0">
-                <a:solidFill>
-                  <a:srgbClr val="000000"/>
-                </a:solidFill>
-                <a:latin typeface="Consolas" panose="020B0609020204030204" pitchFamily="49" charset="0"/>
-              </a:rPr>
-              <a:t/>
-            </a:r>
             <a:br>
               <a:rPr lang="en-US" dirty="0">
                 <a:solidFill>
@@ -9693,22 +9441,21 @@
           <a:lstStyle/>
           <a:p>
             <a:r>
-              <a:rPr lang="en-US" dirty="0" smtClean="0"/>
+              <a:rPr lang="en-US" dirty="0"/>
               <a:t>Node</a:t>
             </a:r>
             <a:r>
-              <a:rPr lang="ru-RU" dirty="0" smtClean="0"/>
+              <a:rPr lang="ru-RU" dirty="0"/>
               <a:t> </a:t>
             </a:r>
             <a:r>
-              <a:rPr lang="en-US" dirty="0" smtClean="0"/>
+              <a:rPr lang="en-US" dirty="0"/>
               <a:t>HTTP. </a:t>
             </a:r>
             <a:r>
-              <a:rPr lang="uk-UA" dirty="0" smtClean="0"/>
+              <a:rPr lang="uk-UA" dirty="0"/>
               <a:t>Опрацювання помилок</a:t>
             </a:r>
-            <a:endParaRPr lang="uk-UA" dirty="0"/>
           </a:p>
         </p:txBody>
       </p:sp>
@@ -9750,15 +9497,6 @@
             </a:endParaRPr>
           </a:p>
           <a:p>
-            <a:r>
-              <a:rPr lang="en-US" dirty="0">
-                <a:solidFill>
-                  <a:srgbClr val="000000"/>
-                </a:solidFill>
-                <a:latin typeface="Consolas" panose="020B0609020204030204" pitchFamily="49" charset="0"/>
-              </a:rPr>
-              <a:t/>
-            </a:r>
             <a:br>
               <a:rPr lang="en-US" dirty="0">
                 <a:solidFill>
@@ -9841,15 +9579,6 @@
             </a:r>
           </a:p>
           <a:p>
-            <a:r>
-              <a:rPr lang="en-US" dirty="0">
-                <a:solidFill>
-                  <a:srgbClr val="000000"/>
-                </a:solidFill>
-                <a:latin typeface="Consolas" panose="020B0609020204030204" pitchFamily="49" charset="0"/>
-              </a:rPr>
-              <a:t/>
-            </a:r>
             <a:br>
               <a:rPr lang="en-US" dirty="0">
                 <a:solidFill>
@@ -9987,7 +9716,7 @@
           </a:p>
           <a:p>
             <a:r>
-              <a:rPr lang="en-US" dirty="0" smtClean="0">
+              <a:rPr lang="en-US" dirty="0">
                 <a:solidFill>
                   <a:srgbClr val="0000FF"/>
                 </a:solidFill>
@@ -9996,7 +9725,7 @@
               <a:t>  let</a:t>
             </a:r>
             <a:r>
-              <a:rPr lang="en-US" dirty="0" smtClean="0">
+              <a:rPr lang="en-US" dirty="0">
                 <a:solidFill>
                   <a:srgbClr val="000000"/>
                 </a:solidFill>
@@ -10025,7 +9754,7 @@
           </a:p>
           <a:p>
             <a:r>
-              <a:rPr lang="en-US" dirty="0" smtClean="0">
+              <a:rPr lang="en-US" dirty="0">
                 <a:solidFill>
                   <a:srgbClr val="001080"/>
                 </a:solidFill>
@@ -10042,7 +9771,7 @@
           </a:p>
           <a:p>
             <a:r>
-              <a:rPr lang="en-US" dirty="0" smtClean="0">
+              <a:rPr lang="en-US" dirty="0">
                 <a:solidFill>
                   <a:srgbClr val="000000"/>
                 </a:solidFill>
@@ -10125,7 +9854,7 @@
           </a:p>
           <a:p>
             <a:r>
-              <a:rPr lang="en-US" dirty="0" smtClean="0">
+              <a:rPr lang="en-US" dirty="0">
                 <a:solidFill>
                   <a:srgbClr val="001080"/>
                 </a:solidFill>
@@ -10134,7 +9863,7 @@
               <a:t>    </a:t>
             </a:r>
             <a:r>
-              <a:rPr lang="en-US" dirty="0" err="1" smtClean="0">
+              <a:rPr lang="en-US" dirty="0" err="1">
                 <a:solidFill>
                   <a:srgbClr val="001080"/>
                 </a:solidFill>
@@ -10143,7 +9872,7 @@
               <a:t>body</a:t>
             </a:r>
             <a:r>
-              <a:rPr lang="en-US" dirty="0" err="1" smtClean="0">
+              <a:rPr lang="en-US" dirty="0" err="1">
                 <a:solidFill>
                   <a:srgbClr val="000000"/>
                 </a:solidFill>
@@ -10152,7 +9881,7 @@
               <a:t>.</a:t>
             </a:r>
             <a:r>
-              <a:rPr lang="en-US" dirty="0" err="1" smtClean="0">
+              <a:rPr lang="en-US" dirty="0" err="1">
                 <a:solidFill>
                   <a:srgbClr val="795E26"/>
                 </a:solidFill>
@@ -10161,7 +9890,7 @@
               <a:t>push</a:t>
             </a:r>
             <a:r>
-              <a:rPr lang="en-US" dirty="0" smtClean="0">
+              <a:rPr lang="en-US" dirty="0">
                 <a:solidFill>
                   <a:srgbClr val="000000"/>
                 </a:solidFill>
@@ -10170,7 +9899,7 @@
               <a:t>(</a:t>
             </a:r>
             <a:r>
-              <a:rPr lang="en-US" dirty="0" smtClean="0">
+              <a:rPr lang="en-US" dirty="0">
                 <a:solidFill>
                   <a:srgbClr val="001080"/>
                 </a:solidFill>
@@ -10190,7 +9919,7 @@
           </a:p>
           <a:p>
             <a:r>
-              <a:rPr lang="en-US" dirty="0" smtClean="0">
+              <a:rPr lang="en-US" dirty="0">
                 <a:solidFill>
                   <a:srgbClr val="000000"/>
                 </a:solidFill>
@@ -10198,16 +9927,10 @@
               </a:rPr>
               <a:t>  })</a:t>
             </a:r>
-            <a:endParaRPr lang="en-US" dirty="0">
-              <a:solidFill>
-                <a:srgbClr val="000000"/>
-              </a:solidFill>
-              <a:latin typeface="Consolas" panose="020B0609020204030204" pitchFamily="49" charset="0"/>
-            </a:endParaRPr>
-          </a:p>
-          <a:p>
-            <a:r>
-              <a:rPr lang="en-US" dirty="0" smtClean="0">
+          </a:p>
+          <a:p>
+            <a:r>
+              <a:rPr lang="en-US" dirty="0">
                 <a:solidFill>
                   <a:srgbClr val="000000"/>
                 </a:solidFill>
@@ -10272,7 +9995,7 @@
           </a:p>
           <a:p>
             <a:r>
-              <a:rPr lang="en-US" dirty="0" smtClean="0">
+              <a:rPr lang="en-US" dirty="0">
                 <a:solidFill>
                   <a:srgbClr val="001080"/>
                 </a:solidFill>
@@ -10281,22 +10004,13 @@
               <a:t>    body</a:t>
             </a:r>
             <a:r>
-              <a:rPr lang="en-US" dirty="0" smtClean="0">
-                <a:solidFill>
-                  <a:srgbClr val="000000"/>
-                </a:solidFill>
-                <a:latin typeface="Consolas" panose="020B0609020204030204" pitchFamily="49" charset="0"/>
-              </a:rPr>
-              <a:t> </a:t>
-            </a:r>
-            <a:r>
-              <a:rPr lang="en-US" dirty="0">
-                <a:solidFill>
-                  <a:srgbClr val="000000"/>
-                </a:solidFill>
-                <a:latin typeface="Consolas" panose="020B0609020204030204" pitchFamily="49" charset="0"/>
-              </a:rPr>
-              <a:t>= </a:t>
+              <a:rPr lang="en-US" dirty="0">
+                <a:solidFill>
+                  <a:srgbClr val="000000"/>
+                </a:solidFill>
+                <a:latin typeface="Consolas" panose="020B0609020204030204" pitchFamily="49" charset="0"/>
+              </a:rPr>
+              <a:t> = </a:t>
             </a:r>
             <a:r>
               <a:rPr lang="en-US" dirty="0" err="1">
@@ -10373,7 +10087,7 @@
           </a:p>
           <a:p>
             <a:r>
-              <a:rPr lang="en-US" dirty="0" smtClean="0">
+              <a:rPr lang="en-US" dirty="0">
                 <a:solidFill>
                   <a:srgbClr val="000000"/>
                 </a:solidFill>
@@ -10381,16 +10095,10 @@
               </a:rPr>
               <a:t>  })</a:t>
             </a:r>
-            <a:endParaRPr lang="en-US" dirty="0">
-              <a:solidFill>
-                <a:srgbClr val="000000"/>
-              </a:solidFill>
-              <a:latin typeface="Consolas" panose="020B0609020204030204" pitchFamily="49" charset="0"/>
-            </a:endParaRPr>
-          </a:p>
-          <a:p>
-            <a:r>
-              <a:rPr lang="en-US" dirty="0" smtClean="0">
+          </a:p>
+          <a:p>
+            <a:r>
+              <a:rPr lang="en-US" dirty="0">
                 <a:solidFill>
                   <a:srgbClr val="000000"/>
                 </a:solidFill>
@@ -10473,7 +10181,7 @@
           </a:p>
           <a:p>
             <a:r>
-              <a:rPr lang="en-US" dirty="0" smtClean="0">
+              <a:rPr lang="en-US" dirty="0">
                 <a:solidFill>
                   <a:srgbClr val="267F99"/>
                 </a:solidFill>
@@ -10482,7 +10190,7 @@
               <a:t>    </a:t>
             </a:r>
             <a:r>
-              <a:rPr lang="en-US" dirty="0" err="1" smtClean="0">
+              <a:rPr lang="en-US" dirty="0" err="1">
                 <a:solidFill>
                   <a:srgbClr val="267F99"/>
                 </a:solidFill>
@@ -10491,7 +10199,7 @@
               <a:t>console</a:t>
             </a:r>
             <a:r>
-              <a:rPr lang="en-US" dirty="0" err="1" smtClean="0">
+              <a:rPr lang="en-US" dirty="0" err="1">
                 <a:solidFill>
                   <a:srgbClr val="000000"/>
                 </a:solidFill>
@@ -10500,7 +10208,7 @@
               <a:t>.</a:t>
             </a:r>
             <a:r>
-              <a:rPr lang="en-US" dirty="0" err="1" smtClean="0">
+              <a:rPr lang="en-US" dirty="0" err="1">
                 <a:solidFill>
                   <a:srgbClr val="795E26"/>
                 </a:solidFill>
@@ -10509,7 +10217,7 @@
               <a:t>error</a:t>
             </a:r>
             <a:r>
-              <a:rPr lang="en-US" dirty="0" smtClean="0">
+              <a:rPr lang="en-US" dirty="0">
                 <a:solidFill>
                   <a:srgbClr val="000000"/>
                 </a:solidFill>
@@ -10518,7 +10226,7 @@
               <a:t>(</a:t>
             </a:r>
             <a:r>
-              <a:rPr lang="en-US" dirty="0" err="1" smtClean="0">
+              <a:rPr lang="en-US" dirty="0" err="1">
                 <a:solidFill>
                   <a:srgbClr val="001080"/>
                 </a:solidFill>
@@ -10527,7 +10235,7 @@
               <a:t>err</a:t>
             </a:r>
             <a:r>
-              <a:rPr lang="en-US" dirty="0" err="1" smtClean="0">
+              <a:rPr lang="en-US" dirty="0" err="1">
                 <a:solidFill>
                   <a:srgbClr val="000000"/>
                 </a:solidFill>
@@ -10536,7 +10244,7 @@
               <a:t>.</a:t>
             </a:r>
             <a:r>
-              <a:rPr lang="en-US" dirty="0" err="1" smtClean="0">
+              <a:rPr lang="en-US" dirty="0" err="1">
                 <a:solidFill>
                   <a:srgbClr val="001080"/>
                 </a:solidFill>
@@ -10556,7 +10264,7 @@
           </a:p>
           <a:p>
             <a:r>
-              <a:rPr lang="en-US" dirty="0" smtClean="0">
+              <a:rPr lang="en-US" dirty="0">
                 <a:solidFill>
                   <a:srgbClr val="000000"/>
                 </a:solidFill>
@@ -10564,12 +10272,6 @@
               </a:rPr>
               <a:t>  })</a:t>
             </a:r>
-            <a:endParaRPr lang="en-US" dirty="0">
-              <a:solidFill>
-                <a:srgbClr val="000000"/>
-              </a:solidFill>
-              <a:latin typeface="Consolas" panose="020B0609020204030204" pitchFamily="49" charset="0"/>
-            </a:endParaRPr>
           </a:p>
           <a:p>
             <a:r>
@@ -10639,15 +10341,6 @@
             </a:r>
           </a:p>
           <a:p>
-            <a:r>
-              <a:rPr lang="en-US" dirty="0">
-                <a:solidFill>
-                  <a:srgbClr val="000000"/>
-                </a:solidFill>
-                <a:latin typeface="Consolas" panose="020B0609020204030204" pitchFamily="49" charset="0"/>
-              </a:rPr>
-              <a:t/>
-            </a:r>
             <a:br>
               <a:rPr lang="en-US" dirty="0">
                 <a:solidFill>
@@ -10712,22 +10405,21 @@
           <a:lstStyle/>
           <a:p>
             <a:r>
-              <a:rPr lang="en-US" dirty="0" smtClean="0"/>
+              <a:rPr lang="en-US" dirty="0"/>
               <a:t>Node</a:t>
             </a:r>
             <a:r>
-              <a:rPr lang="ru-RU" dirty="0" smtClean="0"/>
+              <a:rPr lang="ru-RU" dirty="0"/>
               <a:t> </a:t>
             </a:r>
             <a:r>
-              <a:rPr lang="en-US" dirty="0" smtClean="0"/>
+              <a:rPr lang="en-US" dirty="0"/>
               <a:t>HTTP. </a:t>
             </a:r>
             <a:r>
-              <a:rPr lang="uk-UA" dirty="0" smtClean="0"/>
+              <a:rPr lang="uk-UA" dirty="0"/>
               <a:t>Статус відповіді</a:t>
             </a:r>
-            <a:endParaRPr lang="uk-UA" dirty="0"/>
           </a:p>
         </p:txBody>
       </p:sp>
@@ -10769,15 +10461,6 @@
             </a:endParaRPr>
           </a:p>
           <a:p>
-            <a:r>
-              <a:rPr lang="en-US" dirty="0">
-                <a:solidFill>
-                  <a:srgbClr val="000000"/>
-                </a:solidFill>
-                <a:latin typeface="Consolas" panose="020B0609020204030204" pitchFamily="49" charset="0"/>
-              </a:rPr>
-              <a:t/>
-            </a:r>
             <a:br>
               <a:rPr lang="en-US" dirty="0">
                 <a:solidFill>
@@ -10860,15 +10543,6 @@
             </a:r>
           </a:p>
           <a:p>
-            <a:r>
-              <a:rPr lang="en-US" dirty="0">
-                <a:solidFill>
-                  <a:srgbClr val="000000"/>
-                </a:solidFill>
-                <a:latin typeface="Consolas" panose="020B0609020204030204" pitchFamily="49" charset="0"/>
-              </a:rPr>
-              <a:t/>
-            </a:r>
             <a:br>
               <a:rPr lang="en-US" dirty="0">
                 <a:solidFill>
@@ -11006,7 +10680,7 @@
           </a:p>
           <a:p>
             <a:r>
-              <a:rPr lang="uk-UA" dirty="0" smtClean="0">
+              <a:rPr lang="uk-UA" dirty="0">
                 <a:solidFill>
                   <a:srgbClr val="001080"/>
                 </a:solidFill>
@@ -11015,7 +10689,7 @@
               <a:t>  </a:t>
             </a:r>
             <a:r>
-              <a:rPr lang="en-US" dirty="0" err="1" smtClean="0">
+              <a:rPr lang="en-US" dirty="0" err="1">
                 <a:solidFill>
                   <a:srgbClr val="001080"/>
                 </a:solidFill>
@@ -11024,7 +10698,7 @@
               <a:t>response</a:t>
             </a:r>
             <a:r>
-              <a:rPr lang="en-US" dirty="0" err="1" smtClean="0">
+              <a:rPr lang="en-US" dirty="0" err="1">
                 <a:solidFill>
                   <a:srgbClr val="000000"/>
                 </a:solidFill>
@@ -11033,7 +10707,7 @@
               <a:t>.</a:t>
             </a:r>
             <a:r>
-              <a:rPr lang="en-US" dirty="0" err="1" smtClean="0">
+              <a:rPr lang="en-US" dirty="0" err="1">
                 <a:solidFill>
                   <a:srgbClr val="001080"/>
                 </a:solidFill>
@@ -11042,22 +10716,13 @@
               <a:t>statusCode</a:t>
             </a:r>
             <a:r>
-              <a:rPr lang="en-US" dirty="0" smtClean="0">
-                <a:solidFill>
-                  <a:srgbClr val="000000"/>
-                </a:solidFill>
-                <a:latin typeface="Consolas" panose="020B0609020204030204" pitchFamily="49" charset="0"/>
-              </a:rPr>
-              <a:t> </a:t>
-            </a:r>
-            <a:r>
-              <a:rPr lang="en-US" dirty="0">
-                <a:solidFill>
-                  <a:srgbClr val="000000"/>
-                </a:solidFill>
-                <a:latin typeface="Consolas" panose="020B0609020204030204" pitchFamily="49" charset="0"/>
-              </a:rPr>
-              <a:t>= </a:t>
+              <a:rPr lang="en-US" dirty="0">
+                <a:solidFill>
+                  <a:srgbClr val="000000"/>
+                </a:solidFill>
+                <a:latin typeface="Consolas" panose="020B0609020204030204" pitchFamily="49" charset="0"/>
+              </a:rPr>
+              <a:t> = </a:t>
             </a:r>
             <a:r>
               <a:rPr lang="en-US" dirty="0">
@@ -11077,7 +10742,7 @@
           </a:p>
           <a:p>
             <a:r>
-              <a:rPr lang="uk-UA" dirty="0" smtClean="0">
+              <a:rPr lang="uk-UA" dirty="0">
                 <a:solidFill>
                   <a:srgbClr val="001080"/>
                 </a:solidFill>
@@ -11086,7 +10751,7 @@
               <a:t>  </a:t>
             </a:r>
             <a:r>
-              <a:rPr lang="en-US" dirty="0" err="1" smtClean="0">
+              <a:rPr lang="en-US" dirty="0" err="1">
                 <a:solidFill>
                   <a:srgbClr val="001080"/>
                 </a:solidFill>
@@ -11095,7 +10760,7 @@
               <a:t>response</a:t>
             </a:r>
             <a:r>
-              <a:rPr lang="en-US" dirty="0" err="1" smtClean="0">
+              <a:rPr lang="en-US" dirty="0" err="1">
                 <a:solidFill>
                   <a:srgbClr val="000000"/>
                 </a:solidFill>
@@ -11104,7 +10769,7 @@
               <a:t>.</a:t>
             </a:r>
             <a:r>
-              <a:rPr lang="en-US" dirty="0" err="1" smtClean="0">
+              <a:rPr lang="en-US" dirty="0" err="1">
                 <a:solidFill>
                   <a:srgbClr val="001080"/>
                 </a:solidFill>
@@ -11113,22 +10778,13 @@
               <a:t>statusCode</a:t>
             </a:r>
             <a:r>
-              <a:rPr lang="en-US" dirty="0" smtClean="0">
-                <a:solidFill>
-                  <a:srgbClr val="000000"/>
-                </a:solidFill>
-                <a:latin typeface="Consolas" panose="020B0609020204030204" pitchFamily="49" charset="0"/>
-              </a:rPr>
-              <a:t> </a:t>
-            </a:r>
-            <a:r>
-              <a:rPr lang="en-US" dirty="0">
-                <a:solidFill>
-                  <a:srgbClr val="000000"/>
-                </a:solidFill>
-                <a:latin typeface="Consolas" panose="020B0609020204030204" pitchFamily="49" charset="0"/>
-              </a:rPr>
-              <a:t>= </a:t>
+              <a:rPr lang="en-US" dirty="0">
+                <a:solidFill>
+                  <a:srgbClr val="000000"/>
+                </a:solidFill>
+                <a:latin typeface="Consolas" panose="020B0609020204030204" pitchFamily="49" charset="0"/>
+              </a:rPr>
+              <a:t> = </a:t>
             </a:r>
             <a:r>
               <a:rPr lang="en-US" dirty="0">
@@ -11148,7 +10804,7 @@
           </a:p>
           <a:p>
             <a:r>
-              <a:rPr lang="uk-UA" dirty="0" smtClean="0">
+              <a:rPr lang="uk-UA" dirty="0">
                 <a:solidFill>
                   <a:srgbClr val="001080"/>
                 </a:solidFill>
@@ -11157,7 +10813,7 @@
               <a:t>  </a:t>
             </a:r>
             <a:r>
-              <a:rPr lang="en-US" dirty="0" err="1" smtClean="0">
+              <a:rPr lang="en-US" dirty="0" err="1">
                 <a:solidFill>
                   <a:srgbClr val="001080"/>
                 </a:solidFill>
@@ -11166,7 +10822,7 @@
               <a:t>response</a:t>
             </a:r>
             <a:r>
-              <a:rPr lang="en-US" dirty="0" err="1" smtClean="0">
+              <a:rPr lang="en-US" dirty="0" err="1">
                 <a:solidFill>
                   <a:srgbClr val="000000"/>
                 </a:solidFill>
@@ -11175,7 +10831,7 @@
               <a:t>.</a:t>
             </a:r>
             <a:r>
-              <a:rPr lang="en-US" dirty="0" err="1" smtClean="0">
+              <a:rPr lang="en-US" dirty="0" err="1">
                 <a:solidFill>
                   <a:srgbClr val="001080"/>
                 </a:solidFill>
@@ -11184,22 +10840,13 @@
               <a:t>statusCode</a:t>
             </a:r>
             <a:r>
-              <a:rPr lang="en-US" dirty="0" smtClean="0">
-                <a:solidFill>
-                  <a:srgbClr val="000000"/>
-                </a:solidFill>
-                <a:latin typeface="Consolas" panose="020B0609020204030204" pitchFamily="49" charset="0"/>
-              </a:rPr>
-              <a:t> </a:t>
-            </a:r>
-            <a:r>
-              <a:rPr lang="en-US" dirty="0">
-                <a:solidFill>
-                  <a:srgbClr val="000000"/>
-                </a:solidFill>
-                <a:latin typeface="Consolas" panose="020B0609020204030204" pitchFamily="49" charset="0"/>
-              </a:rPr>
-              <a:t>= </a:t>
+              <a:rPr lang="en-US" dirty="0">
+                <a:solidFill>
+                  <a:srgbClr val="000000"/>
+                </a:solidFill>
+                <a:latin typeface="Consolas" panose="020B0609020204030204" pitchFamily="49" charset="0"/>
+              </a:rPr>
+              <a:t> = </a:t>
             </a:r>
             <a:r>
               <a:rPr lang="en-US" dirty="0">
@@ -11285,15 +10932,6 @@
             </a:r>
           </a:p>
           <a:p>
-            <a:r>
-              <a:rPr lang="en-US" dirty="0">
-                <a:solidFill>
-                  <a:srgbClr val="000000"/>
-                </a:solidFill>
-                <a:latin typeface="Consolas" panose="020B0609020204030204" pitchFamily="49" charset="0"/>
-              </a:rPr>
-              <a:t/>
-            </a:r>
             <a:br>
               <a:rPr lang="en-US" dirty="0">
                 <a:solidFill>
@@ -11358,11 +10996,11 @@
           <a:lstStyle/>
           <a:p>
             <a:r>
-              <a:rPr lang="uk-UA" dirty="0" smtClean="0"/>
+              <a:rPr lang="uk-UA" dirty="0"/>
               <a:t>Особливості </a:t>
             </a:r>
             <a:r>
-              <a:rPr lang="en-US" dirty="0" smtClean="0"/>
+              <a:rPr lang="en-US" dirty="0"/>
               <a:t>Node.js</a:t>
             </a:r>
             <a:endParaRPr lang="uk-UA" dirty="0"/>
@@ -11398,51 +11036,43 @@
             </a:r>
             <a:r>
               <a:rPr lang="uk-UA" dirty="0"/>
-              <a:t>використовує </a:t>
-            </a:r>
-            <a:r>
-              <a:rPr lang="uk-UA" dirty="0" smtClean="0"/>
-              <a:t>рушій </a:t>
-            </a:r>
-            <a:r>
-              <a:rPr lang="en-US" dirty="0" smtClean="0"/>
+              <a:t>використовує рушій </a:t>
+            </a:r>
+            <a:r>
+              <a:rPr lang="en-US" dirty="0"/>
               <a:t>JavaScript</a:t>
             </a:r>
             <a:r>
-              <a:rPr lang="uk-UA" dirty="0" smtClean="0"/>
+              <a:rPr lang="uk-UA" dirty="0"/>
               <a:t> (</a:t>
             </a:r>
             <a:r>
-              <a:rPr lang="en-US" dirty="0" smtClean="0"/>
+              <a:rPr lang="en-US" dirty="0"/>
               <a:t>runtime engine</a:t>
             </a:r>
             <a:r>
-              <a:rPr lang="uk-UA" dirty="0" smtClean="0"/>
+              <a:rPr lang="uk-UA" dirty="0"/>
               <a:t>)</a:t>
             </a:r>
             <a:r>
-              <a:rPr lang="en-US" dirty="0" smtClean="0"/>
+              <a:rPr lang="en-US" dirty="0"/>
               <a:t> V8</a:t>
             </a:r>
-            <a:endParaRPr lang="uk-UA" dirty="0" smtClean="0"/>
+            <a:endParaRPr lang="uk-UA" dirty="0"/>
           </a:p>
           <a:p>
             <a:pPr algn="just"/>
             <a:r>
-              <a:rPr lang="uk-UA" dirty="0" smtClean="0"/>
+              <a:rPr lang="uk-UA" dirty="0"/>
               <a:t>У основі роботи </a:t>
             </a:r>
             <a:r>
-              <a:rPr lang="en-US" dirty="0" smtClean="0"/>
+              <a:rPr lang="en-US" dirty="0"/>
               <a:t>Node</a:t>
             </a:r>
             <a:r>
-              <a:rPr lang="uk-UA" dirty="0" smtClean="0"/>
-              <a:t> лежить </a:t>
-            </a:r>
-            <a:r>
               <a:rPr lang="uk-UA" dirty="0"/>
-              <a:t>неблокуючим </a:t>
+              <a:t> лежить неблокуючим </a:t>
             </a:r>
             <a:r>
               <a:rPr lang="en-US" dirty="0"/>
@@ -11450,11 +11080,7 @@
             </a:r>
             <a:r>
               <a:rPr lang="uk-UA" dirty="0"/>
-              <a:t>вводу/виводу </a:t>
-            </a:r>
-            <a:r>
-              <a:rPr lang="uk-UA" dirty="0" smtClean="0"/>
-              <a:t>опрацювання конкурентних запитів</a:t>
+              <a:t>вводу/виводу опрацювання конкурентних запитів</a:t>
             </a:r>
           </a:p>
           <a:p>
@@ -11463,27 +11089,19 @@
           </a:p>
           <a:p>
             <a:pPr algn="just"/>
-            <a:endParaRPr lang="uk-UA" dirty="0" smtClean="0"/>
+            <a:endParaRPr lang="uk-UA" dirty="0"/>
           </a:p>
           <a:p>
             <a:pPr algn="just"/>
-            <a:endParaRPr lang="uk-UA" dirty="0" smtClean="0"/>
+            <a:endParaRPr lang="uk-UA" dirty="0"/>
           </a:p>
           <a:p>
             <a:pPr algn="just"/>
             <a:r>
-              <a:rPr lang="uk-UA" dirty="0" smtClean="0"/>
-              <a:t>Ефективна обробка </a:t>
-            </a:r>
-            <a:r>
               <a:rPr lang="uk-UA" dirty="0"/>
-              <a:t>одночасних </a:t>
-            </a:r>
-            <a:r>
-              <a:rPr lang="uk-UA" dirty="0" smtClean="0"/>
-              <a:t>запитів</a:t>
-            </a:r>
-            <a:endParaRPr lang="en-US" dirty="0" smtClean="0"/>
+              <a:t>Ефективна обробка одночасних запитів</a:t>
+            </a:r>
+            <a:endParaRPr lang="en-US" dirty="0"/>
           </a:p>
           <a:p>
             <a:pPr algn="just"/>
@@ -11496,45 +11114,44 @@
               <a:t>Node.js </a:t>
             </a:r>
             <a:r>
-              <a:rPr lang="uk-UA" dirty="0" smtClean="0"/>
+              <a:rPr lang="uk-UA" dirty="0"/>
               <a:t>використовує </a:t>
             </a:r>
             <a:r>
-              <a:rPr lang="en-US" dirty="0" smtClean="0"/>
+              <a:rPr lang="en-US" dirty="0"/>
               <a:t>JavaScript</a:t>
             </a:r>
           </a:p>
           <a:p>
             <a:pPr algn="just"/>
             <a:r>
-              <a:rPr lang="uk-UA" dirty="0" smtClean="0"/>
+              <a:rPr lang="uk-UA" dirty="0"/>
               <a:t>Відсутність </a:t>
             </a:r>
             <a:r>
-              <a:rPr lang="uk-UA" dirty="0" err="1" smtClean="0"/>
+              <a:rPr lang="uk-UA" dirty="0" err="1"/>
               <a:t>буферизації</a:t>
             </a:r>
             <a:r>
-              <a:rPr lang="uk-UA" dirty="0" smtClean="0"/>
+              <a:rPr lang="uk-UA" dirty="0"/>
               <a:t> (</a:t>
             </a:r>
             <a:r>
-              <a:rPr lang="en-US" dirty="0" smtClean="0"/>
+              <a:rPr lang="en-US" dirty="0"/>
               <a:t>No buffering</a:t>
             </a:r>
             <a:r>
-              <a:rPr lang="uk-UA" dirty="0" smtClean="0"/>
+              <a:rPr lang="uk-UA" dirty="0"/>
               <a:t>)</a:t>
             </a:r>
             <a:r>
               <a:rPr lang="en-US" dirty="0"/>
               <a:t>?</a:t>
             </a:r>
-            <a:endParaRPr lang="en-US" dirty="0"/>
           </a:p>
           <a:p>
             <a:pPr algn="just"/>
-            <a:endParaRPr lang="uk-UA" dirty="0" smtClean="0"/>
+            <a:endParaRPr lang="uk-UA" dirty="0"/>
           </a:p>
           <a:p>
             <a:pPr algn="just"/>
@@ -11624,34 +11241,16 @@
                 </a:solidFill>
                 <a:latin typeface="Consolas" panose="020B0609020204030204" pitchFamily="49" charset="0"/>
               </a:rPr>
-              <a:t>'fs</a:t>
-            </a:r>
-            <a:r>
-              <a:rPr lang="en-US" sz="1600" dirty="0" smtClean="0">
-                <a:solidFill>
-                  <a:srgbClr val="A31515"/>
-                </a:solidFill>
-                <a:latin typeface="Consolas" panose="020B0609020204030204" pitchFamily="49" charset="0"/>
-              </a:rPr>
-              <a:t>'</a:t>
-            </a:r>
-            <a:r>
-              <a:rPr lang="en-US" sz="1600" dirty="0" smtClean="0">
+              <a:t>'fs'</a:t>
+            </a:r>
+            <a:r>
+              <a:rPr lang="en-US" sz="1600" dirty="0">
                 <a:solidFill>
                   <a:srgbClr val="000000"/>
                 </a:solidFill>
                 <a:latin typeface="Consolas" panose="020B0609020204030204" pitchFamily="49" charset="0"/>
               </a:rPr>
               <a:t>)</a:t>
-            </a:r>
-            <a:r>
-              <a:rPr lang="en-US" sz="1600" dirty="0">
-                <a:solidFill>
-                  <a:srgbClr val="000000"/>
-                </a:solidFill>
-                <a:latin typeface="Consolas" panose="020B0609020204030204" pitchFamily="49" charset="0"/>
-              </a:rPr>
-              <a:t/>
             </a:r>
             <a:br>
               <a:rPr lang="en-US" sz="1600" dirty="0">
@@ -11790,7 +11389,7 @@
           </a:p>
           <a:p>
             <a:r>
-              <a:rPr lang="uk-UA" sz="1600" dirty="0" smtClean="0">
+              <a:rPr lang="uk-UA" sz="1600" dirty="0">
                 <a:solidFill>
                   <a:srgbClr val="AF00DB"/>
                 </a:solidFill>
@@ -11799,7 +11398,7 @@
               <a:t>  </a:t>
             </a:r>
             <a:r>
-              <a:rPr lang="en-US" sz="1600" dirty="0" smtClean="0">
+              <a:rPr lang="en-US" sz="1600" dirty="0">
                 <a:solidFill>
                   <a:srgbClr val="AF00DB"/>
                 </a:solidFill>
@@ -11808,7 +11407,34 @@
               <a:t>if</a:t>
             </a:r>
             <a:r>
-              <a:rPr lang="en-US" sz="1600" dirty="0" smtClean="0">
+              <a:rPr lang="en-US" sz="1600" dirty="0">
+                <a:solidFill>
+                  <a:srgbClr val="000000"/>
+                </a:solidFill>
+                <a:latin typeface="Consolas" panose="020B0609020204030204" pitchFamily="49" charset="0"/>
+              </a:rPr>
+              <a:t> (</a:t>
+            </a:r>
+            <a:r>
+              <a:rPr lang="en-US" sz="1600" dirty="0">
+                <a:solidFill>
+                  <a:srgbClr val="001080"/>
+                </a:solidFill>
+                <a:latin typeface="Consolas" panose="020B0609020204030204" pitchFamily="49" charset="0"/>
+              </a:rPr>
+              <a:t>error</a:t>
+            </a:r>
+            <a:r>
+              <a:rPr lang="en-US" sz="1600" dirty="0">
+                <a:solidFill>
+                  <a:srgbClr val="000000"/>
+                </a:solidFill>
+                <a:latin typeface="Consolas" panose="020B0609020204030204" pitchFamily="49" charset="0"/>
+              </a:rPr>
+              <a:t>) {</a:t>
+            </a:r>
+            <a:r>
+              <a:rPr lang="uk-UA" sz="1600" dirty="0">
                 <a:solidFill>
                   <a:srgbClr val="000000"/>
                 </a:solidFill>
@@ -11819,15 +11445,24 @@
             <a:r>
               <a:rPr lang="en-US" sz="1600" dirty="0">
                 <a:solidFill>
-                  <a:srgbClr val="000000"/>
-                </a:solidFill>
-                <a:latin typeface="Consolas" panose="020B0609020204030204" pitchFamily="49" charset="0"/>
-              </a:rPr>
-              <a:t>(</a:t>
+                  <a:srgbClr val="AF00DB"/>
+                </a:solidFill>
+                <a:latin typeface="Consolas" panose="020B0609020204030204" pitchFamily="49" charset="0"/>
+              </a:rPr>
+              <a:t>throw</a:t>
             </a:r>
             <a:r>
               <a:rPr lang="en-US" sz="1600" dirty="0">
                 <a:solidFill>
+                  <a:srgbClr val="000000"/>
+                </a:solidFill>
+                <a:latin typeface="Consolas" panose="020B0609020204030204" pitchFamily="49" charset="0"/>
+              </a:rPr>
+              <a:t> </a:t>
+            </a:r>
+            <a:r>
+              <a:rPr lang="en-US" sz="1600" dirty="0">
+                <a:solidFill>
                   <a:srgbClr val="001080"/>
                 </a:solidFill>
                 <a:latin typeface="Consolas" panose="020B0609020204030204" pitchFamily="49" charset="0"/>
@@ -11835,85 +11470,22 @@
               <a:t>error</a:t>
             </a:r>
             <a:r>
+              <a:rPr lang="uk-UA" sz="1600" dirty="0">
+                <a:solidFill>
+                  <a:srgbClr val="000000"/>
+                </a:solidFill>
+                <a:latin typeface="Consolas" panose="020B0609020204030204" pitchFamily="49" charset="0"/>
+              </a:rPr>
+              <a:t> </a:t>
+            </a:r>
+            <a:r>
               <a:rPr lang="en-US" sz="1600" dirty="0">
                 <a:solidFill>
                   <a:srgbClr val="000000"/>
                 </a:solidFill>
                 <a:latin typeface="Consolas" panose="020B0609020204030204" pitchFamily="49" charset="0"/>
               </a:rPr>
-              <a:t>) </a:t>
-            </a:r>
-            <a:r>
-              <a:rPr lang="en-US" sz="1600" dirty="0" smtClean="0">
-                <a:solidFill>
-                  <a:srgbClr val="000000"/>
-                </a:solidFill>
-                <a:latin typeface="Consolas" panose="020B0609020204030204" pitchFamily="49" charset="0"/>
-              </a:rPr>
-              <a:t>{</a:t>
-            </a:r>
-            <a:r>
-              <a:rPr lang="uk-UA" sz="1600" dirty="0" smtClean="0">
-                <a:solidFill>
-                  <a:srgbClr val="000000"/>
-                </a:solidFill>
-                <a:latin typeface="Consolas" panose="020B0609020204030204" pitchFamily="49" charset="0"/>
-              </a:rPr>
-              <a:t> </a:t>
-            </a:r>
-            <a:r>
-              <a:rPr lang="en-US" sz="1600" dirty="0" smtClean="0">
-                <a:solidFill>
-                  <a:srgbClr val="AF00DB"/>
-                </a:solidFill>
-                <a:latin typeface="Consolas" panose="020B0609020204030204" pitchFamily="49" charset="0"/>
-              </a:rPr>
-              <a:t>throw</a:t>
-            </a:r>
-            <a:r>
-              <a:rPr lang="en-US" sz="1600" dirty="0" smtClean="0">
-                <a:solidFill>
-                  <a:srgbClr val="000000"/>
-                </a:solidFill>
-                <a:latin typeface="Consolas" panose="020B0609020204030204" pitchFamily="49" charset="0"/>
-              </a:rPr>
-              <a:t> </a:t>
-            </a:r>
-            <a:r>
-              <a:rPr lang="en-US" sz="1600" dirty="0" smtClean="0">
-                <a:solidFill>
-                  <a:srgbClr val="001080"/>
-                </a:solidFill>
-                <a:latin typeface="Consolas" panose="020B0609020204030204" pitchFamily="49" charset="0"/>
-              </a:rPr>
-              <a:t>error</a:t>
-            </a:r>
-            <a:r>
-              <a:rPr lang="uk-UA" sz="1600" dirty="0" smtClean="0">
-                <a:solidFill>
-                  <a:srgbClr val="000000"/>
-                </a:solidFill>
-                <a:latin typeface="Consolas" panose="020B0609020204030204" pitchFamily="49" charset="0"/>
-              </a:rPr>
-              <a:t> </a:t>
-            </a:r>
-            <a:r>
-              <a:rPr lang="en-US" sz="1600" dirty="0" smtClean="0">
-                <a:solidFill>
-                  <a:srgbClr val="000000"/>
-                </a:solidFill>
-                <a:latin typeface="Consolas" panose="020B0609020204030204" pitchFamily="49" charset="0"/>
-              </a:rPr>
               <a:t>}</a:t>
-            </a:r>
-            <a:r>
-              <a:rPr lang="en-US" sz="1600" dirty="0">
-                <a:solidFill>
-                  <a:srgbClr val="000000"/>
-                </a:solidFill>
-                <a:latin typeface="Consolas" panose="020B0609020204030204" pitchFamily="49" charset="0"/>
-              </a:rPr>
-              <a:t/>
             </a:r>
             <a:br>
               <a:rPr lang="en-US" sz="1600" dirty="0">
@@ -11924,7 +11496,7 @@
               </a:rPr>
             </a:br>
             <a:r>
-              <a:rPr lang="uk-UA" sz="1600" dirty="0" smtClean="0">
+              <a:rPr lang="uk-UA" sz="1600" dirty="0">
                 <a:solidFill>
                   <a:srgbClr val="000000"/>
                 </a:solidFill>
@@ -11933,7 +11505,7 @@
               <a:t>  </a:t>
             </a:r>
             <a:r>
-              <a:rPr lang="en-US" sz="1600" dirty="0" smtClean="0">
+              <a:rPr lang="en-US" sz="1600" dirty="0">
                 <a:solidFill>
                   <a:srgbClr val="267F99"/>
                 </a:solidFill>
@@ -11942,7 +11514,7 @@
               <a:t>console</a:t>
             </a:r>
             <a:r>
-              <a:rPr lang="en-US" sz="1600" dirty="0" smtClean="0">
+              <a:rPr lang="en-US" sz="1600" dirty="0">
                 <a:solidFill>
                   <a:srgbClr val="000000"/>
                 </a:solidFill>
@@ -11951,7 +11523,7 @@
               <a:t>.</a:t>
             </a:r>
             <a:r>
-              <a:rPr lang="en-US" sz="1600" dirty="0" smtClean="0">
+              <a:rPr lang="en-US" sz="1600" dirty="0">
                 <a:solidFill>
                   <a:srgbClr val="795E26"/>
                 </a:solidFill>
@@ -12071,13 +11643,6 @@
   <p:clrMapOvr>
     <a:masterClrMapping/>
   </p:clrMapOvr>
-  <p:timing>
-    <p:tnLst>
-      <p:par>
-        <p:cTn id="1" dur="indefinite" restart="never" nodeType="tmRoot"/>
-      </p:par>
-    </p:tnLst>
-  </p:timing>
 </p:sld>
 </file>
 
@@ -12114,22 +11679,21 @@
           <a:lstStyle/>
           <a:p>
             <a:r>
-              <a:rPr lang="en-US" dirty="0" smtClean="0"/>
+              <a:rPr lang="en-US" dirty="0"/>
               <a:t>Node</a:t>
             </a:r>
             <a:r>
-              <a:rPr lang="ru-RU" dirty="0" smtClean="0"/>
+              <a:rPr lang="ru-RU" dirty="0"/>
               <a:t> </a:t>
             </a:r>
             <a:r>
-              <a:rPr lang="en-US" dirty="0" smtClean="0"/>
+              <a:rPr lang="en-US" dirty="0"/>
               <a:t>HTTP. </a:t>
             </a:r>
             <a:r>
-              <a:rPr lang="uk-UA" dirty="0" smtClean="0"/>
+              <a:rPr lang="uk-UA" dirty="0"/>
               <a:t>Заголовки відповіді</a:t>
             </a:r>
-            <a:endParaRPr lang="uk-UA" dirty="0"/>
           </a:p>
         </p:txBody>
       </p:sp>
@@ -12171,15 +11735,6 @@
             </a:endParaRPr>
           </a:p>
           <a:p>
-            <a:r>
-              <a:rPr lang="en-US" dirty="0">
-                <a:solidFill>
-                  <a:srgbClr val="000000"/>
-                </a:solidFill>
-                <a:latin typeface="Consolas" panose="020B0609020204030204" pitchFamily="49" charset="0"/>
-              </a:rPr>
-              <a:t/>
-            </a:r>
             <a:br>
               <a:rPr lang="en-US" dirty="0">
                 <a:solidFill>
@@ -12262,15 +11817,6 @@
             </a:r>
           </a:p>
           <a:p>
-            <a:r>
-              <a:rPr lang="en-US" dirty="0">
-                <a:solidFill>
-                  <a:srgbClr val="000000"/>
-                </a:solidFill>
-                <a:latin typeface="Consolas" panose="020B0609020204030204" pitchFamily="49" charset="0"/>
-              </a:rPr>
-              <a:t/>
-            </a:r>
             <a:br>
               <a:rPr lang="en-US" dirty="0">
                 <a:solidFill>
@@ -12408,7 +11954,7 @@
           </a:p>
           <a:p>
             <a:r>
-              <a:rPr lang="en-US" dirty="0" smtClean="0">
+              <a:rPr lang="en-US" dirty="0">
                 <a:solidFill>
                   <a:srgbClr val="001080"/>
                 </a:solidFill>
@@ -12417,7 +11963,7 @@
               <a:t>  </a:t>
             </a:r>
             <a:r>
-              <a:rPr lang="en-US" dirty="0" err="1" smtClean="0">
+              <a:rPr lang="en-US" dirty="0" err="1">
                 <a:solidFill>
                   <a:srgbClr val="001080"/>
                 </a:solidFill>
@@ -12426,7 +11972,7 @@
               <a:t>response</a:t>
             </a:r>
             <a:r>
-              <a:rPr lang="en-US" dirty="0" err="1" smtClean="0">
+              <a:rPr lang="en-US" dirty="0" err="1">
                 <a:solidFill>
                   <a:srgbClr val="000000"/>
                 </a:solidFill>
@@ -12435,7 +11981,7 @@
               <a:t>.</a:t>
             </a:r>
             <a:r>
-              <a:rPr lang="en-US" dirty="0" err="1" smtClean="0">
+              <a:rPr lang="en-US" dirty="0" err="1">
                 <a:solidFill>
                   <a:srgbClr val="795E26"/>
                 </a:solidFill>
@@ -12509,7 +12055,7 @@
           </a:p>
           <a:p>
             <a:r>
-              <a:rPr lang="en-US" dirty="0" smtClean="0">
+              <a:rPr lang="en-US" dirty="0">
                 <a:solidFill>
                   <a:srgbClr val="001080"/>
                 </a:solidFill>
@@ -12518,7 +12064,7 @@
               <a:t>  </a:t>
             </a:r>
             <a:r>
-              <a:rPr lang="en-US" dirty="0" err="1" smtClean="0">
+              <a:rPr lang="en-US" dirty="0" err="1">
                 <a:solidFill>
                   <a:srgbClr val="001080"/>
                 </a:solidFill>
@@ -12527,7 +12073,7 @@
               <a:t>response</a:t>
             </a:r>
             <a:r>
-              <a:rPr lang="en-US" dirty="0" err="1" smtClean="0">
+              <a:rPr lang="en-US" dirty="0" err="1">
                 <a:solidFill>
                   <a:srgbClr val="000000"/>
                 </a:solidFill>
@@ -12536,7 +12082,7 @@
               <a:t>.</a:t>
             </a:r>
             <a:r>
-              <a:rPr lang="en-US" dirty="0" err="1" smtClean="0">
+              <a:rPr lang="en-US" dirty="0" err="1">
                 <a:solidFill>
                   <a:srgbClr val="795E26"/>
                 </a:solidFill>
@@ -12591,15 +12137,6 @@
             </a:r>
           </a:p>
           <a:p>
-            <a:r>
-              <a:rPr lang="en-US" dirty="0">
-                <a:solidFill>
-                  <a:srgbClr val="000000"/>
-                </a:solidFill>
-                <a:latin typeface="Consolas" panose="020B0609020204030204" pitchFamily="49" charset="0"/>
-              </a:rPr>
-              <a:t/>
-            </a:r>
             <a:br>
               <a:rPr lang="en-US" dirty="0">
                 <a:solidFill>
@@ -12609,7 +12146,7 @@
               </a:rPr>
             </a:br>
             <a:r>
-              <a:rPr lang="en-US" dirty="0" smtClean="0">
+              <a:rPr lang="en-US" dirty="0">
                 <a:solidFill>
                   <a:srgbClr val="000000"/>
                 </a:solidFill>
@@ -12618,7 +12155,7 @@
               <a:t>  </a:t>
             </a:r>
             <a:r>
-              <a:rPr lang="en-US" dirty="0" err="1" smtClean="0">
+              <a:rPr lang="en-US" dirty="0" err="1">
                 <a:solidFill>
                   <a:srgbClr val="001080"/>
                 </a:solidFill>
@@ -12627,7 +12164,7 @@
               <a:t>response</a:t>
             </a:r>
             <a:r>
-              <a:rPr lang="en-US" dirty="0" err="1" smtClean="0">
+              <a:rPr lang="en-US" dirty="0" err="1">
                 <a:solidFill>
                   <a:srgbClr val="000000"/>
                 </a:solidFill>
@@ -12636,7 +12173,7 @@
               <a:t>.</a:t>
             </a:r>
             <a:r>
-              <a:rPr lang="en-US" dirty="0" err="1" smtClean="0">
+              <a:rPr lang="en-US" dirty="0" err="1">
                 <a:solidFill>
                   <a:srgbClr val="795E26"/>
                 </a:solidFill>
@@ -12645,7 +12182,7 @@
               <a:t>writeHead</a:t>
             </a:r>
             <a:r>
-              <a:rPr lang="en-US" dirty="0" smtClean="0">
+              <a:rPr lang="en-US" dirty="0">
                 <a:solidFill>
                   <a:srgbClr val="000000"/>
                 </a:solidFill>
@@ -12654,7 +12191,7 @@
               <a:t>(</a:t>
             </a:r>
             <a:r>
-              <a:rPr lang="en-US" dirty="0" smtClean="0">
+              <a:rPr lang="en-US" dirty="0">
                 <a:solidFill>
                   <a:srgbClr val="09885A"/>
                 </a:solidFill>
@@ -12674,13 +12211,31 @@
           </a:p>
           <a:p>
             <a:r>
-              <a:rPr lang="en-US" dirty="0" smtClean="0">
+              <a:rPr lang="en-US" dirty="0">
                 <a:solidFill>
                   <a:srgbClr val="A31515"/>
                 </a:solidFill>
                 <a:latin typeface="Consolas" panose="020B0609020204030204" pitchFamily="49" charset="0"/>
               </a:rPr>
-              <a:t>    'Content-Type</a:t>
+              <a:t>    'Content-Type'</a:t>
+            </a:r>
+            <a:r>
+              <a:rPr lang="en-US" dirty="0">
+                <a:solidFill>
+                  <a:srgbClr val="001080"/>
+                </a:solidFill>
+                <a:latin typeface="Consolas" panose="020B0609020204030204" pitchFamily="49" charset="0"/>
+              </a:rPr>
+              <a:t>:</a:t>
+            </a:r>
+            <a:r>
+              <a:rPr lang="en-US" dirty="0">
+                <a:solidFill>
+                  <a:srgbClr val="000000"/>
+                </a:solidFill>
+                <a:latin typeface="Consolas" panose="020B0609020204030204" pitchFamily="49" charset="0"/>
+              </a:rPr>
+              <a:t> </a:t>
             </a:r>
             <a:r>
               <a:rPr lang="en-US" dirty="0">
@@ -12689,26 +12244,37 @@
                 </a:solidFill>
                 <a:latin typeface="Consolas" panose="020B0609020204030204" pitchFamily="49" charset="0"/>
               </a:rPr>
+              <a:t>'application/</a:t>
+            </a:r>
+            <a:r>
+              <a:rPr lang="en-US" dirty="0" err="1">
+                <a:solidFill>
+                  <a:srgbClr val="A31515"/>
+                </a:solidFill>
+                <a:latin typeface="Consolas" panose="020B0609020204030204" pitchFamily="49" charset="0"/>
+              </a:rPr>
+              <a:t>json</a:t>
+            </a:r>
+            <a:r>
+              <a:rPr lang="en-US" dirty="0">
+                <a:solidFill>
+                  <a:srgbClr val="A31515"/>
+                </a:solidFill>
+                <a:latin typeface="Consolas" panose="020B0609020204030204" pitchFamily="49" charset="0"/>
+              </a:rPr>
               <a:t>'</a:t>
             </a:r>
             <a:r>
               <a:rPr lang="en-US" dirty="0">
                 <a:solidFill>
-                  <a:srgbClr val="001080"/>
-                </a:solidFill>
-                <a:latin typeface="Consolas" panose="020B0609020204030204" pitchFamily="49" charset="0"/>
-              </a:rPr>
-              <a:t>:</a:t>
-            </a:r>
-            <a:r>
-              <a:rPr lang="en-US" dirty="0">
-                <a:solidFill>
-                  <a:srgbClr val="000000"/>
-                </a:solidFill>
-                <a:latin typeface="Consolas" panose="020B0609020204030204" pitchFamily="49" charset="0"/>
-              </a:rPr>
-              <a:t> </a:t>
-            </a:r>
+                  <a:srgbClr val="000000"/>
+                </a:solidFill>
+                <a:latin typeface="Consolas" panose="020B0609020204030204" pitchFamily="49" charset="0"/>
+              </a:rPr>
+              <a:t>,</a:t>
+            </a:r>
+          </a:p>
+          <a:p>
             <a:r>
               <a:rPr lang="en-US" dirty="0">
                 <a:solidFill>
@@ -12716,54 +12282,7 @@
                 </a:solidFill>
                 <a:latin typeface="Consolas" panose="020B0609020204030204" pitchFamily="49" charset="0"/>
               </a:rPr>
-              <a:t>'application/</a:t>
-            </a:r>
-            <a:r>
-              <a:rPr lang="en-US" dirty="0" err="1">
-                <a:solidFill>
-                  <a:srgbClr val="A31515"/>
-                </a:solidFill>
-                <a:latin typeface="Consolas" panose="020B0609020204030204" pitchFamily="49" charset="0"/>
-              </a:rPr>
-              <a:t>json</a:t>
-            </a:r>
-            <a:r>
-              <a:rPr lang="en-US" dirty="0">
-                <a:solidFill>
-                  <a:srgbClr val="A31515"/>
-                </a:solidFill>
-                <a:latin typeface="Consolas" panose="020B0609020204030204" pitchFamily="49" charset="0"/>
-              </a:rPr>
-              <a:t>'</a:t>
-            </a:r>
-            <a:r>
-              <a:rPr lang="en-US" dirty="0">
-                <a:solidFill>
-                  <a:srgbClr val="000000"/>
-                </a:solidFill>
-                <a:latin typeface="Consolas" panose="020B0609020204030204" pitchFamily="49" charset="0"/>
-              </a:rPr>
-              <a:t>,</a:t>
-            </a:r>
-          </a:p>
-          <a:p>
-            <a:r>
-              <a:rPr lang="en-US" dirty="0" smtClean="0">
-                <a:solidFill>
-                  <a:srgbClr val="A31515"/>
-                </a:solidFill>
-                <a:latin typeface="Consolas" panose="020B0609020204030204" pitchFamily="49" charset="0"/>
-              </a:rPr>
-              <a:t>    'X-Powered-By</a:t>
-            </a:r>
-            <a:r>
-              <a:rPr lang="en-US" dirty="0">
-                <a:solidFill>
-                  <a:srgbClr val="A31515"/>
-                </a:solidFill>
-                <a:latin typeface="Consolas" panose="020B0609020204030204" pitchFamily="49" charset="0"/>
-              </a:rPr>
-              <a:t>'</a:t>
+              <a:t>    'X-Powered-By'</a:t>
             </a:r>
             <a:r>
               <a:rPr lang="en-US" dirty="0">
@@ -12801,7 +12320,7 @@
           </a:p>
           <a:p>
             <a:r>
-              <a:rPr lang="en-US" dirty="0" smtClean="0">
+              <a:rPr lang="en-US" dirty="0">
                 <a:solidFill>
                   <a:srgbClr val="000000"/>
                 </a:solidFill>
@@ -12809,12 +12328,6 @@
               </a:rPr>
               <a:t>  }</a:t>
             </a:r>
-            <a:endParaRPr lang="en-US" dirty="0">
-              <a:solidFill>
-                <a:srgbClr val="000000"/>
-              </a:solidFill>
-              <a:latin typeface="Consolas" panose="020B0609020204030204" pitchFamily="49" charset="0"/>
-            </a:endParaRPr>
           </a:p>
           <a:p>
             <a:r>
@@ -12884,15 +12397,6 @@
             </a:r>
           </a:p>
           <a:p>
-            <a:r>
-              <a:rPr lang="en-US" dirty="0">
-                <a:solidFill>
-                  <a:srgbClr val="000000"/>
-                </a:solidFill>
-                <a:latin typeface="Consolas" panose="020B0609020204030204" pitchFamily="49" charset="0"/>
-              </a:rPr>
-              <a:t/>
-            </a:r>
             <a:br>
               <a:rPr lang="en-US" dirty="0">
                 <a:solidFill>
@@ -12957,22 +12461,21 @@
           <a:lstStyle/>
           <a:p>
             <a:r>
-              <a:rPr lang="en-US" dirty="0" smtClean="0"/>
+              <a:rPr lang="en-US" dirty="0"/>
               <a:t>Node</a:t>
             </a:r>
             <a:r>
-              <a:rPr lang="ru-RU" dirty="0" smtClean="0"/>
+              <a:rPr lang="ru-RU" dirty="0"/>
               <a:t> </a:t>
             </a:r>
             <a:r>
-              <a:rPr lang="en-US" dirty="0" smtClean="0"/>
+              <a:rPr lang="en-US" dirty="0"/>
               <a:t>HTTP. </a:t>
             </a:r>
             <a:r>
-              <a:rPr lang="uk-UA" dirty="0" smtClean="0"/>
+              <a:rPr lang="uk-UA" dirty="0"/>
               <a:t>Запис у тіло відповіді</a:t>
             </a:r>
-            <a:endParaRPr lang="uk-UA" dirty="0"/>
           </a:p>
         </p:txBody>
       </p:sp>
@@ -13014,15 +12517,6 @@
             </a:endParaRPr>
           </a:p>
           <a:p>
-            <a:r>
-              <a:rPr lang="en-US" dirty="0">
-                <a:solidFill>
-                  <a:srgbClr val="000000"/>
-                </a:solidFill>
-                <a:latin typeface="Consolas" panose="020B0609020204030204" pitchFamily="49" charset="0"/>
-              </a:rPr>
-              <a:t/>
-            </a:r>
             <a:br>
               <a:rPr lang="en-US" dirty="0">
                 <a:solidFill>
@@ -13105,15 +12599,6 @@
             </a:r>
           </a:p>
           <a:p>
-            <a:r>
-              <a:rPr lang="en-US" dirty="0">
-                <a:solidFill>
-                  <a:srgbClr val="000000"/>
-                </a:solidFill>
-                <a:latin typeface="Consolas" panose="020B0609020204030204" pitchFamily="49" charset="0"/>
-              </a:rPr>
-              <a:t/>
-            </a:r>
             <a:br>
               <a:rPr lang="en-US" dirty="0">
                 <a:solidFill>
@@ -13251,7 +12736,7 @@
           </a:p>
           <a:p>
             <a:r>
-              <a:rPr lang="en-US" dirty="0" smtClean="0">
+              <a:rPr lang="en-US" dirty="0">
                 <a:solidFill>
                   <a:srgbClr val="001080"/>
                 </a:solidFill>
@@ -13260,7 +12745,7 @@
               <a:t>  </a:t>
             </a:r>
             <a:r>
-              <a:rPr lang="en-US" dirty="0" err="1" smtClean="0">
+              <a:rPr lang="en-US" dirty="0" err="1">
                 <a:solidFill>
                   <a:srgbClr val="001080"/>
                 </a:solidFill>
@@ -13269,7 +12754,7 @@
               <a:t>response</a:t>
             </a:r>
             <a:r>
-              <a:rPr lang="en-US" dirty="0" err="1" smtClean="0">
+              <a:rPr lang="en-US" dirty="0" err="1">
                 <a:solidFill>
                   <a:srgbClr val="000000"/>
                 </a:solidFill>
@@ -13278,7 +12763,7 @@
               <a:t>.</a:t>
             </a:r>
             <a:r>
-              <a:rPr lang="en-US" dirty="0" err="1" smtClean="0">
+              <a:rPr lang="en-US" dirty="0" err="1">
                 <a:solidFill>
                   <a:srgbClr val="795E26"/>
                 </a:solidFill>
@@ -13316,7 +12801,7 @@
           </a:p>
           <a:p>
             <a:r>
-              <a:rPr lang="en-US" dirty="0" smtClean="0">
+              <a:rPr lang="en-US" dirty="0">
                 <a:solidFill>
                   <a:srgbClr val="001080"/>
                 </a:solidFill>
@@ -13325,7 +12810,7 @@
               <a:t>  </a:t>
             </a:r>
             <a:r>
-              <a:rPr lang="en-US" dirty="0" err="1" smtClean="0">
+              <a:rPr lang="en-US" dirty="0" err="1">
                 <a:solidFill>
                   <a:srgbClr val="001080"/>
                 </a:solidFill>
@@ -13334,7 +12819,7 @@
               <a:t>response</a:t>
             </a:r>
             <a:r>
-              <a:rPr lang="en-US" dirty="0" err="1" smtClean="0">
+              <a:rPr lang="en-US" dirty="0" err="1">
                 <a:solidFill>
                   <a:srgbClr val="000000"/>
                 </a:solidFill>
@@ -13343,7 +12828,7 @@
               <a:t>.</a:t>
             </a:r>
             <a:r>
-              <a:rPr lang="en-US" dirty="0" err="1" smtClean="0">
+              <a:rPr lang="en-US" dirty="0" err="1">
                 <a:solidFill>
                   <a:srgbClr val="795E26"/>
                 </a:solidFill>
@@ -13381,7 +12866,7 @@
           </a:p>
           <a:p>
             <a:r>
-              <a:rPr lang="en-US" dirty="0" smtClean="0">
+              <a:rPr lang="en-US" dirty="0">
                 <a:solidFill>
                   <a:srgbClr val="001080"/>
                 </a:solidFill>
@@ -13390,7 +12875,7 @@
               <a:t>  </a:t>
             </a:r>
             <a:r>
-              <a:rPr lang="en-US" dirty="0" err="1" smtClean="0">
+              <a:rPr lang="en-US" dirty="0" err="1">
                 <a:solidFill>
                   <a:srgbClr val="001080"/>
                 </a:solidFill>
@@ -13399,7 +12884,7 @@
               <a:t>response</a:t>
             </a:r>
             <a:r>
-              <a:rPr lang="en-US" dirty="0" err="1" smtClean="0">
+              <a:rPr lang="en-US" dirty="0" err="1">
                 <a:solidFill>
                   <a:srgbClr val="000000"/>
                 </a:solidFill>
@@ -13408,7 +12893,7 @@
               <a:t>.</a:t>
             </a:r>
             <a:r>
-              <a:rPr lang="en-US" dirty="0" err="1" smtClean="0">
+              <a:rPr lang="en-US" dirty="0" err="1">
                 <a:solidFill>
                   <a:srgbClr val="795E26"/>
                 </a:solidFill>
@@ -13446,7 +12931,7 @@
           </a:p>
           <a:p>
             <a:r>
-              <a:rPr lang="en-US" dirty="0" smtClean="0">
+              <a:rPr lang="en-US" dirty="0">
                 <a:solidFill>
                   <a:srgbClr val="001080"/>
                 </a:solidFill>
@@ -13455,7 +12940,7 @@
               <a:t>  </a:t>
             </a:r>
             <a:r>
-              <a:rPr lang="en-US" dirty="0" err="1" smtClean="0">
+              <a:rPr lang="en-US" dirty="0" err="1">
                 <a:solidFill>
                   <a:srgbClr val="001080"/>
                 </a:solidFill>
@@ -13464,7 +12949,7 @@
               <a:t>response</a:t>
             </a:r>
             <a:r>
-              <a:rPr lang="en-US" dirty="0" err="1" smtClean="0">
+              <a:rPr lang="en-US" dirty="0" err="1">
                 <a:solidFill>
                   <a:srgbClr val="000000"/>
                 </a:solidFill>
@@ -13473,7 +12958,7 @@
               <a:t>.</a:t>
             </a:r>
             <a:r>
-              <a:rPr lang="en-US" dirty="0" err="1" smtClean="0">
+              <a:rPr lang="en-US" dirty="0" err="1">
                 <a:solidFill>
                   <a:srgbClr val="795E26"/>
                 </a:solidFill>
@@ -13511,7 +12996,7 @@
           </a:p>
           <a:p>
             <a:r>
-              <a:rPr lang="en-US" dirty="0" smtClean="0">
+              <a:rPr lang="en-US" dirty="0">
                 <a:solidFill>
                   <a:srgbClr val="001080"/>
                 </a:solidFill>
@@ -13520,7 +13005,7 @@
               <a:t>  </a:t>
             </a:r>
             <a:r>
-              <a:rPr lang="en-US" dirty="0" err="1" smtClean="0">
+              <a:rPr lang="en-US" dirty="0" err="1">
                 <a:solidFill>
                   <a:srgbClr val="001080"/>
                 </a:solidFill>
@@ -13529,7 +13014,7 @@
               <a:t>response</a:t>
             </a:r>
             <a:r>
-              <a:rPr lang="en-US" dirty="0" err="1" smtClean="0">
+              <a:rPr lang="en-US" dirty="0" err="1">
                 <a:solidFill>
                   <a:srgbClr val="000000"/>
                 </a:solidFill>
@@ -13538,7 +13023,7 @@
               <a:t>.</a:t>
             </a:r>
             <a:r>
-              <a:rPr lang="en-US" dirty="0" err="1" smtClean="0">
+              <a:rPr lang="en-US" dirty="0" err="1">
                 <a:solidFill>
                   <a:srgbClr val="795E26"/>
                 </a:solidFill>
@@ -13576,7 +13061,7 @@
           </a:p>
           <a:p>
             <a:r>
-              <a:rPr lang="en-US" dirty="0" smtClean="0">
+              <a:rPr lang="en-US" dirty="0">
                 <a:solidFill>
                   <a:srgbClr val="001080"/>
                 </a:solidFill>
@@ -13585,7 +13070,7 @@
               <a:t>  </a:t>
             </a:r>
             <a:r>
-              <a:rPr lang="en-US" dirty="0" err="1" smtClean="0">
+              <a:rPr lang="en-US" dirty="0" err="1">
                 <a:solidFill>
                   <a:srgbClr val="001080"/>
                 </a:solidFill>
@@ -13594,7 +13079,7 @@
               <a:t>response</a:t>
             </a:r>
             <a:r>
-              <a:rPr lang="en-US" dirty="0" err="1" smtClean="0">
+              <a:rPr lang="en-US" dirty="0" err="1">
                 <a:solidFill>
                   <a:srgbClr val="000000"/>
                 </a:solidFill>
@@ -13603,7 +13088,7 @@
               <a:t>.</a:t>
             </a:r>
             <a:r>
-              <a:rPr lang="en-US" dirty="0" err="1" smtClean="0">
+              <a:rPr lang="en-US" dirty="0" err="1">
                 <a:solidFill>
                   <a:srgbClr val="795E26"/>
                 </a:solidFill>
@@ -13622,15 +13107,6 @@
             </a:r>
           </a:p>
           <a:p>
-            <a:r>
-              <a:rPr lang="en-US" dirty="0">
-                <a:solidFill>
-                  <a:srgbClr val="000000"/>
-                </a:solidFill>
-                <a:latin typeface="Consolas" panose="020B0609020204030204" pitchFamily="49" charset="0"/>
-              </a:rPr>
-              <a:t/>
-            </a:r>
             <a:br>
               <a:rPr lang="en-US" dirty="0">
                 <a:solidFill>
@@ -13640,7 +13116,7 @@
               </a:rPr>
             </a:br>
             <a:r>
-              <a:rPr lang="en-US" dirty="0" smtClean="0">
+              <a:rPr lang="en-US" dirty="0">
                 <a:solidFill>
                   <a:srgbClr val="000000"/>
                 </a:solidFill>
@@ -13649,7 +13125,7 @@
               <a:t>  // </a:t>
             </a:r>
             <a:r>
-              <a:rPr lang="en-US" dirty="0" err="1" smtClean="0">
+              <a:rPr lang="en-US" dirty="0" err="1">
                 <a:solidFill>
                   <a:srgbClr val="001080"/>
                 </a:solidFill>
@@ -13658,7 +13134,7 @@
               <a:t>response</a:t>
             </a:r>
             <a:r>
-              <a:rPr lang="en-US" dirty="0" err="1" smtClean="0">
+              <a:rPr lang="en-US" dirty="0" err="1">
                 <a:solidFill>
                   <a:srgbClr val="000000"/>
                 </a:solidFill>
@@ -13667,7 +13143,7 @@
               <a:t>.</a:t>
             </a:r>
             <a:r>
-              <a:rPr lang="en-US" dirty="0" err="1" smtClean="0">
+              <a:rPr lang="en-US" dirty="0" err="1">
                 <a:solidFill>
                   <a:srgbClr val="795E26"/>
                 </a:solidFill>
@@ -13771,15 +13247,6 @@
             </a:r>
           </a:p>
           <a:p>
-            <a:r>
-              <a:rPr lang="en-US" dirty="0">
-                <a:solidFill>
-                  <a:srgbClr val="000000"/>
-                </a:solidFill>
-                <a:latin typeface="Consolas" panose="020B0609020204030204" pitchFamily="49" charset="0"/>
-              </a:rPr>
-              <a:t/>
-            </a:r>
             <a:br>
               <a:rPr lang="en-US" dirty="0">
                 <a:solidFill>
@@ -13844,22 +13311,21 @@
           <a:lstStyle/>
           <a:p>
             <a:r>
-              <a:rPr lang="en-US" dirty="0" smtClean="0"/>
+              <a:rPr lang="en-US" dirty="0"/>
               <a:t>Node</a:t>
             </a:r>
             <a:r>
-              <a:rPr lang="ru-RU" dirty="0" smtClean="0"/>
+              <a:rPr lang="ru-RU" dirty="0"/>
               <a:t> </a:t>
             </a:r>
             <a:r>
-              <a:rPr lang="en-US" dirty="0" smtClean="0"/>
+              <a:rPr lang="en-US" dirty="0"/>
               <a:t>HTTP. </a:t>
             </a:r>
             <a:r>
-              <a:rPr lang="uk-UA" dirty="0" smtClean="0"/>
+              <a:rPr lang="uk-UA" dirty="0"/>
               <a:t>Усе разом</a:t>
             </a:r>
-            <a:endParaRPr lang="uk-UA" dirty="0"/>
           </a:p>
         </p:txBody>
       </p:sp>
@@ -13958,15 +13424,6 @@
             </a:r>
           </a:p>
           <a:p>
-            <a:r>
-              <a:rPr lang="en-US" dirty="0">
-                <a:solidFill>
-                  <a:srgbClr val="000000"/>
-                </a:solidFill>
-                <a:latin typeface="Consolas" panose="020B0609020204030204" pitchFamily="49" charset="0"/>
-              </a:rPr>
-              <a:t/>
-            </a:r>
             <a:br>
               <a:rPr lang="en-US" dirty="0">
                 <a:solidFill>
@@ -14068,7 +13525,7 @@
           </a:p>
           <a:p>
             <a:r>
-              <a:rPr lang="en-US" dirty="0" smtClean="0">
+              <a:rPr lang="en-US" dirty="0">
                 <a:solidFill>
                   <a:srgbClr val="0000FF"/>
                 </a:solidFill>
@@ -14077,7 +13534,7 @@
               <a:t>  </a:t>
             </a:r>
             <a:r>
-              <a:rPr lang="en-US" dirty="0" err="1" smtClean="0">
+              <a:rPr lang="en-US" dirty="0" err="1">
                 <a:solidFill>
                   <a:srgbClr val="0000FF"/>
                 </a:solidFill>
@@ -14086,22 +13543,13 @@
               <a:t>const</a:t>
             </a:r>
             <a:r>
-              <a:rPr lang="en-US" dirty="0" smtClean="0">
-                <a:solidFill>
-                  <a:srgbClr val="000000"/>
-                </a:solidFill>
-                <a:latin typeface="Consolas" panose="020B0609020204030204" pitchFamily="49" charset="0"/>
-              </a:rPr>
-              <a:t> </a:t>
-            </a:r>
-            <a:r>
-              <a:rPr lang="en-US" dirty="0">
-                <a:solidFill>
-                  <a:srgbClr val="000000"/>
-                </a:solidFill>
-                <a:latin typeface="Consolas" panose="020B0609020204030204" pitchFamily="49" charset="0"/>
-              </a:rPr>
-              <a:t>{ </a:t>
+              <a:rPr lang="en-US" dirty="0">
+                <a:solidFill>
+                  <a:srgbClr val="000000"/>
+                </a:solidFill>
+                <a:latin typeface="Consolas" panose="020B0609020204030204" pitchFamily="49" charset="0"/>
+              </a:rPr>
+              <a:t> { </a:t>
             </a:r>
             <a:r>
               <a:rPr lang="en-US" dirty="0">
@@ -14175,7 +13623,7 @@
           </a:p>
           <a:p>
             <a:r>
-              <a:rPr lang="en-US" dirty="0" smtClean="0">
+              <a:rPr lang="en-US" dirty="0">
                 <a:solidFill>
                   <a:srgbClr val="0000FF"/>
                 </a:solidFill>
@@ -14184,7 +13632,7 @@
               <a:t>  let</a:t>
             </a:r>
             <a:r>
-              <a:rPr lang="en-US" dirty="0" smtClean="0">
+              <a:rPr lang="en-US" dirty="0">
                 <a:solidFill>
                   <a:srgbClr val="000000"/>
                 </a:solidFill>
@@ -14213,7 +13661,7 @@
           </a:p>
           <a:p>
             <a:r>
-              <a:rPr lang="en-US" dirty="0" smtClean="0">
+              <a:rPr lang="en-US" dirty="0">
                 <a:solidFill>
                   <a:srgbClr val="001080"/>
                 </a:solidFill>
@@ -14222,7 +13670,7 @@
               <a:t>  </a:t>
             </a:r>
             <a:r>
-              <a:rPr lang="en-US" dirty="0" err="1" smtClean="0">
+              <a:rPr lang="en-US" dirty="0" err="1">
                 <a:solidFill>
                   <a:srgbClr val="001080"/>
                 </a:solidFill>
@@ -14231,7 +13679,7 @@
               <a:t>request</a:t>
             </a:r>
             <a:r>
-              <a:rPr lang="en-US" dirty="0" err="1" smtClean="0">
+              <a:rPr lang="en-US" dirty="0" err="1">
                 <a:solidFill>
                   <a:srgbClr val="000000"/>
                 </a:solidFill>
@@ -14240,7 +13688,7 @@
               <a:t>.</a:t>
             </a:r>
             <a:r>
-              <a:rPr lang="en-US" dirty="0" err="1" smtClean="0">
+              <a:rPr lang="en-US" dirty="0" err="1">
                 <a:solidFill>
                   <a:srgbClr val="795E26"/>
                 </a:solidFill>
@@ -14309,19 +13757,492 @@
                 </a:solidFill>
                 <a:latin typeface="Consolas" panose="020B0609020204030204" pitchFamily="49" charset="0"/>
               </a:rPr>
+              <a:t> { </a:t>
+            </a:r>
+            <a:r>
+              <a:rPr lang="en-US" dirty="0" err="1">
+                <a:solidFill>
+                  <a:srgbClr val="267F99"/>
+                </a:solidFill>
+                <a:latin typeface="Consolas" panose="020B0609020204030204" pitchFamily="49" charset="0"/>
+              </a:rPr>
+              <a:t>console</a:t>
+            </a:r>
+            <a:r>
+              <a:rPr lang="en-US" dirty="0" err="1">
+                <a:solidFill>
+                  <a:srgbClr val="000000"/>
+                </a:solidFill>
+                <a:latin typeface="Consolas" panose="020B0609020204030204" pitchFamily="49" charset="0"/>
+              </a:rPr>
+              <a:t>.</a:t>
+            </a:r>
+            <a:r>
+              <a:rPr lang="en-US" dirty="0" err="1">
+                <a:solidFill>
+                  <a:srgbClr val="795E26"/>
+                </a:solidFill>
+                <a:latin typeface="Consolas" panose="020B0609020204030204" pitchFamily="49" charset="0"/>
+              </a:rPr>
+              <a:t>error</a:t>
+            </a:r>
+            <a:r>
+              <a:rPr lang="en-US" dirty="0">
+                <a:solidFill>
+                  <a:srgbClr val="000000"/>
+                </a:solidFill>
+                <a:latin typeface="Consolas" panose="020B0609020204030204" pitchFamily="49" charset="0"/>
+              </a:rPr>
+              <a:t>(</a:t>
+            </a:r>
+            <a:r>
+              <a:rPr lang="en-US" dirty="0">
+                <a:solidFill>
+                  <a:srgbClr val="001080"/>
+                </a:solidFill>
+                <a:latin typeface="Consolas" panose="020B0609020204030204" pitchFamily="49" charset="0"/>
+              </a:rPr>
+              <a:t>err</a:t>
+            </a:r>
+            <a:r>
+              <a:rPr lang="en-US" dirty="0">
+                <a:solidFill>
+                  <a:srgbClr val="000000"/>
+                </a:solidFill>
+                <a:latin typeface="Consolas" panose="020B0609020204030204" pitchFamily="49" charset="0"/>
+              </a:rPr>
+              <a:t>) })</a:t>
+            </a:r>
+          </a:p>
+          <a:p>
+            <a:r>
+              <a:rPr lang="en-US" dirty="0">
+                <a:solidFill>
+                  <a:srgbClr val="001080"/>
+                </a:solidFill>
+                <a:latin typeface="Consolas" panose="020B0609020204030204" pitchFamily="49" charset="0"/>
+              </a:rPr>
+              <a:t>  </a:t>
+            </a:r>
+            <a:r>
+              <a:rPr lang="en-US" dirty="0" err="1">
+                <a:solidFill>
+                  <a:srgbClr val="001080"/>
+                </a:solidFill>
+                <a:latin typeface="Consolas" panose="020B0609020204030204" pitchFamily="49" charset="0"/>
+              </a:rPr>
+              <a:t>request</a:t>
+            </a:r>
+            <a:r>
+              <a:rPr lang="en-US" dirty="0" err="1">
+                <a:solidFill>
+                  <a:srgbClr val="000000"/>
+                </a:solidFill>
+                <a:latin typeface="Consolas" panose="020B0609020204030204" pitchFamily="49" charset="0"/>
+              </a:rPr>
+              <a:t>.</a:t>
+            </a:r>
+            <a:r>
+              <a:rPr lang="en-US" dirty="0" err="1">
+                <a:solidFill>
+                  <a:srgbClr val="795E26"/>
+                </a:solidFill>
+                <a:latin typeface="Consolas" panose="020B0609020204030204" pitchFamily="49" charset="0"/>
+              </a:rPr>
+              <a:t>on</a:t>
+            </a:r>
+            <a:r>
+              <a:rPr lang="en-US" dirty="0">
+                <a:solidFill>
+                  <a:srgbClr val="000000"/>
+                </a:solidFill>
+                <a:latin typeface="Consolas" panose="020B0609020204030204" pitchFamily="49" charset="0"/>
+              </a:rPr>
+              <a:t>(</a:t>
+            </a:r>
+            <a:r>
+              <a:rPr lang="en-US" dirty="0">
+                <a:solidFill>
+                  <a:srgbClr val="A31515"/>
+                </a:solidFill>
+                <a:latin typeface="Consolas" panose="020B0609020204030204" pitchFamily="49" charset="0"/>
+              </a:rPr>
+              <a:t>'data'</a:t>
+            </a:r>
+            <a:r>
+              <a:rPr lang="en-US" dirty="0">
+                <a:solidFill>
+                  <a:srgbClr val="000000"/>
+                </a:solidFill>
+                <a:latin typeface="Consolas" panose="020B0609020204030204" pitchFamily="49" charset="0"/>
+              </a:rPr>
+              <a:t>, (</a:t>
+            </a:r>
+            <a:r>
+              <a:rPr lang="en-US" dirty="0">
+                <a:solidFill>
+                  <a:srgbClr val="001080"/>
+                </a:solidFill>
+                <a:latin typeface="Consolas" panose="020B0609020204030204" pitchFamily="49" charset="0"/>
+              </a:rPr>
+              <a:t>chunk</a:t>
+            </a:r>
+            <a:r>
+              <a:rPr lang="en-US" dirty="0">
+                <a:solidFill>
+                  <a:srgbClr val="000000"/>
+                </a:solidFill>
+                <a:latin typeface="Consolas" panose="020B0609020204030204" pitchFamily="49" charset="0"/>
+              </a:rPr>
+              <a:t>) </a:t>
+            </a:r>
+            <a:r>
+              <a:rPr lang="en-US" dirty="0">
+                <a:solidFill>
+                  <a:srgbClr val="0000FF"/>
+                </a:solidFill>
+                <a:latin typeface="Consolas" panose="020B0609020204030204" pitchFamily="49" charset="0"/>
+              </a:rPr>
+              <a:t>=&gt;</a:t>
+            </a:r>
+            <a:r>
+              <a:rPr lang="en-US" dirty="0">
+                <a:solidFill>
+                  <a:srgbClr val="000000"/>
+                </a:solidFill>
+                <a:latin typeface="Consolas" panose="020B0609020204030204" pitchFamily="49" charset="0"/>
+              </a:rPr>
+              <a:t> { </a:t>
+            </a:r>
+            <a:r>
+              <a:rPr lang="en-US" dirty="0" err="1">
+                <a:solidFill>
+                  <a:srgbClr val="001080"/>
+                </a:solidFill>
+                <a:latin typeface="Consolas" panose="020B0609020204030204" pitchFamily="49" charset="0"/>
+              </a:rPr>
+              <a:t>body</a:t>
+            </a:r>
+            <a:r>
+              <a:rPr lang="en-US" dirty="0" err="1">
+                <a:solidFill>
+                  <a:srgbClr val="000000"/>
+                </a:solidFill>
+                <a:latin typeface="Consolas" panose="020B0609020204030204" pitchFamily="49" charset="0"/>
+              </a:rPr>
+              <a:t>.</a:t>
+            </a:r>
+            <a:r>
+              <a:rPr lang="en-US" dirty="0" err="1">
+                <a:solidFill>
+                  <a:srgbClr val="795E26"/>
+                </a:solidFill>
+                <a:latin typeface="Consolas" panose="020B0609020204030204" pitchFamily="49" charset="0"/>
+              </a:rPr>
+              <a:t>push</a:t>
+            </a:r>
+            <a:r>
+              <a:rPr lang="en-US" dirty="0">
+                <a:solidFill>
+                  <a:srgbClr val="000000"/>
+                </a:solidFill>
+                <a:latin typeface="Consolas" panose="020B0609020204030204" pitchFamily="49" charset="0"/>
+              </a:rPr>
+              <a:t>(</a:t>
+            </a:r>
+            <a:r>
+              <a:rPr lang="en-US" dirty="0">
+                <a:solidFill>
+                  <a:srgbClr val="001080"/>
+                </a:solidFill>
+                <a:latin typeface="Consolas" panose="020B0609020204030204" pitchFamily="49" charset="0"/>
+              </a:rPr>
+              <a:t>chunk</a:t>
+            </a:r>
+            <a:r>
+              <a:rPr lang="en-US" dirty="0">
+                <a:solidFill>
+                  <a:srgbClr val="000000"/>
+                </a:solidFill>
+                <a:latin typeface="Consolas" panose="020B0609020204030204" pitchFamily="49" charset="0"/>
+              </a:rPr>
+              <a:t>) })</a:t>
+            </a:r>
+          </a:p>
+          <a:p>
+            <a:r>
+              <a:rPr lang="en-US" dirty="0">
+                <a:solidFill>
+                  <a:srgbClr val="795E26"/>
+                </a:solidFill>
+                <a:latin typeface="Consolas" panose="020B0609020204030204" pitchFamily="49" charset="0"/>
+              </a:rPr>
+              <a:t>  </a:t>
+            </a:r>
+            <a:r>
+              <a:rPr lang="en-US" dirty="0" err="1">
+                <a:solidFill>
+                  <a:srgbClr val="001080"/>
+                </a:solidFill>
+                <a:latin typeface="Consolas" panose="020B0609020204030204" pitchFamily="49" charset="0"/>
+              </a:rPr>
+              <a:t>request.</a:t>
+            </a:r>
+            <a:r>
+              <a:rPr lang="en-US" dirty="0" err="1">
+                <a:solidFill>
+                  <a:srgbClr val="795E26"/>
+                </a:solidFill>
+                <a:latin typeface="Consolas" panose="020B0609020204030204" pitchFamily="49" charset="0"/>
+              </a:rPr>
+              <a:t>on</a:t>
+            </a:r>
+            <a:r>
+              <a:rPr lang="en-US" dirty="0">
+                <a:solidFill>
+                  <a:srgbClr val="000000"/>
+                </a:solidFill>
+                <a:latin typeface="Consolas" panose="020B0609020204030204" pitchFamily="49" charset="0"/>
+              </a:rPr>
+              <a:t>(</a:t>
+            </a:r>
+            <a:r>
+              <a:rPr lang="en-US" dirty="0">
+                <a:solidFill>
+                  <a:srgbClr val="A31515"/>
+                </a:solidFill>
+                <a:latin typeface="Consolas" panose="020B0609020204030204" pitchFamily="49" charset="0"/>
+              </a:rPr>
+              <a:t>'end'</a:t>
+            </a:r>
+            <a:r>
+              <a:rPr lang="en-US" dirty="0">
+                <a:solidFill>
+                  <a:srgbClr val="000000"/>
+                </a:solidFill>
+                <a:latin typeface="Consolas" panose="020B0609020204030204" pitchFamily="49" charset="0"/>
+              </a:rPr>
+              <a:t>, () </a:t>
+            </a:r>
+            <a:r>
+              <a:rPr lang="en-US" dirty="0">
+                <a:solidFill>
+                  <a:srgbClr val="0000FF"/>
+                </a:solidFill>
+                <a:latin typeface="Consolas" panose="020B0609020204030204" pitchFamily="49" charset="0"/>
+              </a:rPr>
+              <a:t>=&gt;</a:t>
+            </a:r>
+            <a:r>
+              <a:rPr lang="en-US" dirty="0">
+                <a:solidFill>
+                  <a:srgbClr val="000000"/>
+                </a:solidFill>
+                <a:latin typeface="Consolas" panose="020B0609020204030204" pitchFamily="49" charset="0"/>
+              </a:rPr>
+              <a:t> {</a:t>
+            </a:r>
+          </a:p>
+          <a:p>
+            <a:r>
+              <a:rPr lang="en-US" dirty="0">
+                <a:solidFill>
+                  <a:srgbClr val="001080"/>
+                </a:solidFill>
+                <a:latin typeface="Consolas" panose="020B0609020204030204" pitchFamily="49" charset="0"/>
+              </a:rPr>
+              <a:t>    body</a:t>
+            </a:r>
+            <a:r>
+              <a:rPr lang="en-US" dirty="0">
+                <a:solidFill>
+                  <a:srgbClr val="000000"/>
+                </a:solidFill>
+                <a:latin typeface="Consolas" panose="020B0609020204030204" pitchFamily="49" charset="0"/>
+              </a:rPr>
+              <a:t> = </a:t>
+            </a:r>
+            <a:r>
+              <a:rPr lang="en-US" dirty="0" err="1">
+                <a:solidFill>
+                  <a:srgbClr val="267F99"/>
+                </a:solidFill>
+                <a:latin typeface="Consolas" panose="020B0609020204030204" pitchFamily="49" charset="0"/>
+              </a:rPr>
+              <a:t>Buffer</a:t>
+            </a:r>
+            <a:r>
+              <a:rPr lang="en-US" dirty="0" err="1">
+                <a:solidFill>
+                  <a:srgbClr val="000000"/>
+                </a:solidFill>
+                <a:latin typeface="Consolas" panose="020B0609020204030204" pitchFamily="49" charset="0"/>
+              </a:rPr>
+              <a:t>.</a:t>
+            </a:r>
+            <a:r>
+              <a:rPr lang="en-US" dirty="0" err="1">
+                <a:solidFill>
+                  <a:srgbClr val="795E26"/>
+                </a:solidFill>
+                <a:latin typeface="Consolas" panose="020B0609020204030204" pitchFamily="49" charset="0"/>
+              </a:rPr>
+              <a:t>concat</a:t>
+            </a:r>
+            <a:r>
+              <a:rPr lang="en-US" dirty="0">
+                <a:solidFill>
+                  <a:srgbClr val="000000"/>
+                </a:solidFill>
+                <a:latin typeface="Consolas" panose="020B0609020204030204" pitchFamily="49" charset="0"/>
+              </a:rPr>
+              <a:t>(</a:t>
+            </a:r>
+            <a:r>
+              <a:rPr lang="en-US" dirty="0">
+                <a:solidFill>
+                  <a:srgbClr val="001080"/>
+                </a:solidFill>
+                <a:latin typeface="Consolas" panose="020B0609020204030204" pitchFamily="49" charset="0"/>
+              </a:rPr>
+              <a:t>body</a:t>
+            </a:r>
+            <a:r>
+              <a:rPr lang="en-US" dirty="0">
+                <a:solidFill>
+                  <a:srgbClr val="000000"/>
+                </a:solidFill>
+                <a:latin typeface="Consolas" panose="020B0609020204030204" pitchFamily="49" charset="0"/>
+              </a:rPr>
+              <a:t>).</a:t>
+            </a:r>
+            <a:r>
+              <a:rPr lang="en-US" dirty="0" err="1">
+                <a:solidFill>
+                  <a:srgbClr val="795E26"/>
+                </a:solidFill>
+                <a:latin typeface="Consolas" panose="020B0609020204030204" pitchFamily="49" charset="0"/>
+              </a:rPr>
+              <a:t>toString</a:t>
+            </a:r>
+            <a:r>
+              <a:rPr lang="en-US" dirty="0">
+                <a:solidFill>
+                  <a:srgbClr val="000000"/>
+                </a:solidFill>
+                <a:latin typeface="Consolas" panose="020B0609020204030204" pitchFamily="49" charset="0"/>
+              </a:rPr>
+              <a:t>()</a:t>
+            </a:r>
+            <a:br>
+              <a:rPr lang="en-US" dirty="0">
+                <a:solidFill>
+                  <a:srgbClr val="000000"/>
+                </a:solidFill>
+                <a:latin typeface="Consolas" panose="020B0609020204030204" pitchFamily="49" charset="0"/>
+              </a:rPr>
+            </a:br>
+            <a:r>
+              <a:rPr lang="en-US" dirty="0">
+                <a:solidFill>
+                  <a:srgbClr val="000000"/>
+                </a:solidFill>
+                <a:latin typeface="Consolas" panose="020B0609020204030204" pitchFamily="49" charset="0"/>
+              </a:rPr>
+              <a:t>    </a:t>
+            </a:r>
+            <a:r>
+              <a:rPr lang="en-US" dirty="0" err="1">
+                <a:solidFill>
+                  <a:srgbClr val="001080"/>
+                </a:solidFill>
+                <a:latin typeface="Consolas" panose="020B0609020204030204" pitchFamily="49" charset="0"/>
+              </a:rPr>
+              <a:t>response</a:t>
+            </a:r>
+            <a:r>
+              <a:rPr lang="en-US" dirty="0" err="1">
+                <a:solidFill>
+                  <a:srgbClr val="000000"/>
+                </a:solidFill>
+                <a:latin typeface="Consolas" panose="020B0609020204030204" pitchFamily="49" charset="0"/>
+              </a:rPr>
+              <a:t>.</a:t>
+            </a:r>
+            <a:r>
+              <a:rPr lang="en-US" dirty="0" err="1">
+                <a:solidFill>
+                  <a:srgbClr val="795E26"/>
+                </a:solidFill>
+                <a:latin typeface="Consolas" panose="020B0609020204030204" pitchFamily="49" charset="0"/>
+              </a:rPr>
+              <a:t>on</a:t>
+            </a:r>
+            <a:r>
+              <a:rPr lang="en-US" dirty="0">
+                <a:solidFill>
+                  <a:srgbClr val="000000"/>
+                </a:solidFill>
+                <a:latin typeface="Consolas" panose="020B0609020204030204" pitchFamily="49" charset="0"/>
+              </a:rPr>
+              <a:t>(</a:t>
+            </a:r>
+            <a:r>
+              <a:rPr lang="en-US" dirty="0">
+                <a:solidFill>
+                  <a:srgbClr val="A31515"/>
+                </a:solidFill>
+                <a:latin typeface="Consolas" panose="020B0609020204030204" pitchFamily="49" charset="0"/>
+              </a:rPr>
+              <a:t>'error'</a:t>
+            </a:r>
+            <a:r>
+              <a:rPr lang="en-US" dirty="0">
+                <a:solidFill>
+                  <a:srgbClr val="000000"/>
+                </a:solidFill>
+                <a:latin typeface="Consolas" panose="020B0609020204030204" pitchFamily="49" charset="0"/>
+              </a:rPr>
+              <a:t>, </a:t>
+            </a:r>
+            <a:r>
+              <a:rPr lang="en-US" dirty="0">
+                <a:solidFill>
+                  <a:srgbClr val="001080"/>
+                </a:solidFill>
+                <a:latin typeface="Consolas" panose="020B0609020204030204" pitchFamily="49" charset="0"/>
+              </a:rPr>
+              <a:t>err</a:t>
+            </a:r>
+            <a:r>
+              <a:rPr lang="en-US" dirty="0">
+                <a:solidFill>
+                  <a:srgbClr val="000000"/>
+                </a:solidFill>
+                <a:latin typeface="Consolas" panose="020B0609020204030204" pitchFamily="49" charset="0"/>
+              </a:rPr>
               <a:t> </a:t>
             </a:r>
             <a:r>
-              <a:rPr lang="en-US" dirty="0" smtClean="0">
-                <a:solidFill>
-                  <a:srgbClr val="000000"/>
-                </a:solidFill>
-                <a:latin typeface="Consolas" panose="020B0609020204030204" pitchFamily="49" charset="0"/>
-              </a:rPr>
-              <a:t>{ </a:t>
-            </a:r>
-            <a:r>
-              <a:rPr lang="en-US" dirty="0" err="1" smtClean="0">
+              <a:rPr lang="en-US" dirty="0">
+                <a:solidFill>
+                  <a:srgbClr val="0000FF"/>
+                </a:solidFill>
+                <a:latin typeface="Consolas" panose="020B0609020204030204" pitchFamily="49" charset="0"/>
+              </a:rPr>
+              <a:t>=&gt;</a:t>
+            </a:r>
+            <a:r>
+              <a:rPr lang="en-US" dirty="0">
+                <a:solidFill>
+                  <a:srgbClr val="000000"/>
+                </a:solidFill>
+                <a:latin typeface="Consolas" panose="020B0609020204030204" pitchFamily="49" charset="0"/>
+              </a:rPr>
+              <a:t> { </a:t>
+            </a:r>
+            <a:r>
+              <a:rPr lang="en-US" dirty="0" err="1">
                 <a:solidFill>
                   <a:srgbClr val="267F99"/>
                 </a:solidFill>
@@ -14330,7 +14251,7 @@
               <a:t>console</a:t>
             </a:r>
             <a:r>
-              <a:rPr lang="en-US" dirty="0" err="1" smtClean="0">
+              <a:rPr lang="en-US" dirty="0" err="1">
                 <a:solidFill>
                   <a:srgbClr val="000000"/>
                 </a:solidFill>
@@ -14339,7 +14260,7 @@
               <a:t>.</a:t>
             </a:r>
             <a:r>
-              <a:rPr lang="en-US" dirty="0" err="1" smtClean="0">
+              <a:rPr lang="en-US" dirty="0" err="1">
                 <a:solidFill>
                   <a:srgbClr val="795E26"/>
                 </a:solidFill>
@@ -14348,7 +14269,7 @@
               <a:t>error</a:t>
             </a:r>
             <a:r>
-              <a:rPr lang="en-US" dirty="0" smtClean="0">
+              <a:rPr lang="en-US" dirty="0">
                 <a:solidFill>
                   <a:srgbClr val="000000"/>
                 </a:solidFill>
@@ -14357,7 +14278,7 @@
               <a:t>(</a:t>
             </a:r>
             <a:r>
-              <a:rPr lang="en-US" dirty="0" smtClean="0">
+              <a:rPr lang="en-US" dirty="0">
                 <a:solidFill>
                   <a:srgbClr val="001080"/>
                 </a:solidFill>
@@ -14366,7 +14287,7 @@
               <a:t>err</a:t>
             </a:r>
             <a:r>
-              <a:rPr lang="en-US" dirty="0" smtClean="0">
+              <a:rPr lang="en-US" dirty="0">
                 <a:solidFill>
                   <a:srgbClr val="000000"/>
                 </a:solidFill>
@@ -14377,25 +14298,25 @@
           </a:p>
           <a:p>
             <a:r>
-              <a:rPr lang="en-US" dirty="0" smtClean="0">
-                <a:solidFill>
-                  <a:srgbClr val="001080"/>
-                </a:solidFill>
-                <a:latin typeface="Consolas" panose="020B0609020204030204" pitchFamily="49" charset="0"/>
-              </a:rPr>
-              <a:t>  </a:t>
-            </a:r>
-            <a:r>
-              <a:rPr lang="en-US" dirty="0" err="1" smtClean="0">
-                <a:solidFill>
-                  <a:srgbClr val="001080"/>
-                </a:solidFill>
-                <a:latin typeface="Consolas" panose="020B0609020204030204" pitchFamily="49" charset="0"/>
-              </a:rPr>
-              <a:t>request</a:t>
-            </a:r>
-            <a:r>
-              <a:rPr lang="en-US" dirty="0" err="1" smtClean="0">
+              <a:rPr lang="en-US" dirty="0">
+                <a:solidFill>
+                  <a:srgbClr val="000000"/>
+                </a:solidFill>
+                <a:latin typeface="Consolas" panose="020B0609020204030204" pitchFamily="49" charset="0"/>
+              </a:rPr>
+              <a:t>    </a:t>
+            </a:r>
+            <a:r>
+              <a:rPr lang="en-US" dirty="0" err="1">
+                <a:solidFill>
+                  <a:srgbClr val="001080"/>
+                </a:solidFill>
+                <a:latin typeface="Consolas" panose="020B0609020204030204" pitchFamily="49" charset="0"/>
+              </a:rPr>
+              <a:t>response</a:t>
+            </a:r>
+            <a:r>
+              <a:rPr lang="en-US" dirty="0" err="1">
                 <a:solidFill>
                   <a:srgbClr val="000000"/>
                 </a:solidFill>
@@ -14404,236 +14325,16 @@
               <a:t>.</a:t>
             </a:r>
             <a:r>
-              <a:rPr lang="en-US" dirty="0" err="1" smtClean="0">
-                <a:solidFill>
-                  <a:srgbClr val="795E26"/>
-                </a:solidFill>
-                <a:latin typeface="Consolas" panose="020B0609020204030204" pitchFamily="49" charset="0"/>
-              </a:rPr>
-              <a:t>on</a:t>
-            </a:r>
-            <a:r>
-              <a:rPr lang="en-US" dirty="0">
-                <a:solidFill>
-                  <a:srgbClr val="000000"/>
-                </a:solidFill>
-                <a:latin typeface="Consolas" panose="020B0609020204030204" pitchFamily="49" charset="0"/>
-              </a:rPr>
-              <a:t>(</a:t>
-            </a:r>
-            <a:r>
-              <a:rPr lang="en-US" dirty="0">
-                <a:solidFill>
-                  <a:srgbClr val="A31515"/>
-                </a:solidFill>
-                <a:latin typeface="Consolas" panose="020B0609020204030204" pitchFamily="49" charset="0"/>
-              </a:rPr>
-              <a:t>'data'</a:t>
-            </a:r>
-            <a:r>
-              <a:rPr lang="en-US" dirty="0">
-                <a:solidFill>
-                  <a:srgbClr val="000000"/>
-                </a:solidFill>
-                <a:latin typeface="Consolas" panose="020B0609020204030204" pitchFamily="49" charset="0"/>
-              </a:rPr>
-              <a:t>, (</a:t>
-            </a:r>
-            <a:r>
-              <a:rPr lang="en-US" dirty="0">
-                <a:solidFill>
-                  <a:srgbClr val="001080"/>
-                </a:solidFill>
-                <a:latin typeface="Consolas" panose="020B0609020204030204" pitchFamily="49" charset="0"/>
-              </a:rPr>
-              <a:t>chunk</a:t>
-            </a:r>
-            <a:r>
-              <a:rPr lang="en-US" dirty="0">
-                <a:solidFill>
-                  <a:srgbClr val="000000"/>
-                </a:solidFill>
-                <a:latin typeface="Consolas" panose="020B0609020204030204" pitchFamily="49" charset="0"/>
-              </a:rPr>
-              <a:t>) </a:t>
-            </a:r>
-            <a:r>
-              <a:rPr lang="en-US" dirty="0">
-                <a:solidFill>
-                  <a:srgbClr val="0000FF"/>
-                </a:solidFill>
-                <a:latin typeface="Consolas" panose="020B0609020204030204" pitchFamily="49" charset="0"/>
-              </a:rPr>
-              <a:t>=&gt;</a:t>
-            </a:r>
-            <a:r>
-              <a:rPr lang="en-US" dirty="0">
-                <a:solidFill>
-                  <a:srgbClr val="000000"/>
-                </a:solidFill>
-                <a:latin typeface="Consolas" panose="020B0609020204030204" pitchFamily="49" charset="0"/>
-              </a:rPr>
-              <a:t> </a:t>
-            </a:r>
-            <a:r>
-              <a:rPr lang="en-US" dirty="0" smtClean="0">
-                <a:solidFill>
-                  <a:srgbClr val="000000"/>
-                </a:solidFill>
-                <a:latin typeface="Consolas" panose="020B0609020204030204" pitchFamily="49" charset="0"/>
-              </a:rPr>
-              <a:t>{ </a:t>
-            </a:r>
-            <a:r>
-              <a:rPr lang="en-US" dirty="0" err="1" smtClean="0">
-                <a:solidFill>
-                  <a:srgbClr val="001080"/>
-                </a:solidFill>
-                <a:latin typeface="Consolas" panose="020B0609020204030204" pitchFamily="49" charset="0"/>
-              </a:rPr>
-              <a:t>body</a:t>
-            </a:r>
-            <a:r>
-              <a:rPr lang="en-US" dirty="0" err="1" smtClean="0">
-                <a:solidFill>
-                  <a:srgbClr val="000000"/>
-                </a:solidFill>
-                <a:latin typeface="Consolas" panose="020B0609020204030204" pitchFamily="49" charset="0"/>
-              </a:rPr>
-              <a:t>.</a:t>
-            </a:r>
-            <a:r>
-              <a:rPr lang="en-US" dirty="0" err="1" smtClean="0">
-                <a:solidFill>
-                  <a:srgbClr val="795E26"/>
-                </a:solidFill>
-                <a:latin typeface="Consolas" panose="020B0609020204030204" pitchFamily="49" charset="0"/>
-              </a:rPr>
-              <a:t>push</a:t>
-            </a:r>
-            <a:r>
-              <a:rPr lang="en-US" dirty="0" smtClean="0">
-                <a:solidFill>
-                  <a:srgbClr val="000000"/>
-                </a:solidFill>
-                <a:latin typeface="Consolas" panose="020B0609020204030204" pitchFamily="49" charset="0"/>
-              </a:rPr>
-              <a:t>(</a:t>
-            </a:r>
-            <a:r>
-              <a:rPr lang="en-US" dirty="0" smtClean="0">
-                <a:solidFill>
-                  <a:srgbClr val="001080"/>
-                </a:solidFill>
-                <a:latin typeface="Consolas" panose="020B0609020204030204" pitchFamily="49" charset="0"/>
-              </a:rPr>
-              <a:t>chunk</a:t>
-            </a:r>
-            <a:r>
-              <a:rPr lang="en-US" dirty="0" smtClean="0">
-                <a:solidFill>
-                  <a:srgbClr val="000000"/>
-                </a:solidFill>
-                <a:latin typeface="Consolas" panose="020B0609020204030204" pitchFamily="49" charset="0"/>
-              </a:rPr>
-              <a:t>) })</a:t>
-            </a:r>
-          </a:p>
-          <a:p>
-            <a:r>
-              <a:rPr lang="en-US" dirty="0" smtClean="0">
-                <a:solidFill>
-                  <a:srgbClr val="795E26"/>
-                </a:solidFill>
-                <a:latin typeface="Consolas" panose="020B0609020204030204" pitchFamily="49" charset="0"/>
-              </a:rPr>
-              <a:t>  </a:t>
-            </a:r>
-            <a:r>
-              <a:rPr lang="en-US" dirty="0" err="1" smtClean="0">
-                <a:solidFill>
-                  <a:srgbClr val="001080"/>
-                </a:solidFill>
-                <a:latin typeface="Consolas" panose="020B0609020204030204" pitchFamily="49" charset="0"/>
-              </a:rPr>
-              <a:t>request.</a:t>
-            </a:r>
-            <a:r>
-              <a:rPr lang="en-US" dirty="0" err="1" smtClean="0">
-                <a:solidFill>
-                  <a:srgbClr val="795E26"/>
-                </a:solidFill>
-                <a:latin typeface="Consolas" panose="020B0609020204030204" pitchFamily="49" charset="0"/>
-              </a:rPr>
-              <a:t>on</a:t>
-            </a:r>
-            <a:r>
-              <a:rPr lang="en-US" dirty="0">
-                <a:solidFill>
-                  <a:srgbClr val="000000"/>
-                </a:solidFill>
-                <a:latin typeface="Consolas" panose="020B0609020204030204" pitchFamily="49" charset="0"/>
-              </a:rPr>
-              <a:t>(</a:t>
-            </a:r>
-            <a:r>
-              <a:rPr lang="en-US" dirty="0">
-                <a:solidFill>
-                  <a:srgbClr val="A31515"/>
-                </a:solidFill>
-                <a:latin typeface="Consolas" panose="020B0609020204030204" pitchFamily="49" charset="0"/>
-              </a:rPr>
-              <a:t>'end'</a:t>
-            </a:r>
-            <a:r>
-              <a:rPr lang="en-US" dirty="0">
-                <a:solidFill>
-                  <a:srgbClr val="000000"/>
-                </a:solidFill>
-                <a:latin typeface="Consolas" panose="020B0609020204030204" pitchFamily="49" charset="0"/>
-              </a:rPr>
-              <a:t>, () </a:t>
-            </a:r>
-            <a:r>
-              <a:rPr lang="en-US" dirty="0">
-                <a:solidFill>
-                  <a:srgbClr val="0000FF"/>
-                </a:solidFill>
-                <a:latin typeface="Consolas" panose="020B0609020204030204" pitchFamily="49" charset="0"/>
-              </a:rPr>
-              <a:t>=&gt;</a:t>
-            </a:r>
-            <a:r>
-              <a:rPr lang="en-US" dirty="0">
-                <a:solidFill>
-                  <a:srgbClr val="000000"/>
-                </a:solidFill>
-                <a:latin typeface="Consolas" panose="020B0609020204030204" pitchFamily="49" charset="0"/>
-              </a:rPr>
-              <a:t> </a:t>
-            </a:r>
-            <a:r>
-              <a:rPr lang="en-US" dirty="0" smtClean="0">
-                <a:solidFill>
-                  <a:srgbClr val="000000"/>
-                </a:solidFill>
-                <a:latin typeface="Consolas" panose="020B0609020204030204" pitchFamily="49" charset="0"/>
-              </a:rPr>
-              <a:t>{</a:t>
-            </a:r>
-          </a:p>
-          <a:p>
-            <a:r>
-              <a:rPr lang="en-US" dirty="0" smtClean="0">
-                <a:solidFill>
-                  <a:srgbClr val="001080"/>
-                </a:solidFill>
-                <a:latin typeface="Consolas" panose="020B0609020204030204" pitchFamily="49" charset="0"/>
-              </a:rPr>
-              <a:t>    body</a:t>
-            </a:r>
-            <a:r>
-              <a:rPr lang="en-US" dirty="0" smtClean="0">
+              <a:rPr lang="en-US" dirty="0" err="1">
+                <a:solidFill>
+                  <a:srgbClr val="001080"/>
+                </a:solidFill>
+                <a:latin typeface="Consolas" panose="020B0609020204030204" pitchFamily="49" charset="0"/>
+              </a:rPr>
+              <a:t>statusCode</a:t>
+            </a:r>
+            <a:r>
+              <a:rPr lang="en-US" dirty="0">
                 <a:solidFill>
                   <a:srgbClr val="000000"/>
                 </a:solidFill>
@@ -14642,255 +14343,13 @@
               <a:t> = </a:t>
             </a:r>
             <a:r>
-              <a:rPr lang="en-US" dirty="0" err="1" smtClean="0">
-                <a:solidFill>
-                  <a:srgbClr val="267F99"/>
-                </a:solidFill>
-                <a:latin typeface="Consolas" panose="020B0609020204030204" pitchFamily="49" charset="0"/>
-              </a:rPr>
-              <a:t>Buffer</a:t>
-            </a:r>
-            <a:r>
-              <a:rPr lang="en-US" dirty="0" err="1" smtClean="0">
-                <a:solidFill>
-                  <a:srgbClr val="000000"/>
-                </a:solidFill>
-                <a:latin typeface="Consolas" panose="020B0609020204030204" pitchFamily="49" charset="0"/>
-              </a:rPr>
-              <a:t>.</a:t>
-            </a:r>
-            <a:r>
-              <a:rPr lang="en-US" dirty="0" err="1" smtClean="0">
-                <a:solidFill>
-                  <a:srgbClr val="795E26"/>
-                </a:solidFill>
-                <a:latin typeface="Consolas" panose="020B0609020204030204" pitchFamily="49" charset="0"/>
-              </a:rPr>
-              <a:t>concat</a:t>
-            </a:r>
-            <a:r>
-              <a:rPr lang="en-US" dirty="0" smtClean="0">
-                <a:solidFill>
-                  <a:srgbClr val="000000"/>
-                </a:solidFill>
-                <a:latin typeface="Consolas" panose="020B0609020204030204" pitchFamily="49" charset="0"/>
-              </a:rPr>
-              <a:t>(</a:t>
-            </a:r>
-            <a:r>
-              <a:rPr lang="en-US" dirty="0" smtClean="0">
-                <a:solidFill>
-                  <a:srgbClr val="001080"/>
-                </a:solidFill>
-                <a:latin typeface="Consolas" panose="020B0609020204030204" pitchFamily="49" charset="0"/>
-              </a:rPr>
-              <a:t>body</a:t>
-            </a:r>
-            <a:r>
-              <a:rPr lang="en-US" dirty="0" smtClean="0">
-                <a:solidFill>
-                  <a:srgbClr val="000000"/>
-                </a:solidFill>
-                <a:latin typeface="Consolas" panose="020B0609020204030204" pitchFamily="49" charset="0"/>
-              </a:rPr>
-              <a:t>).</a:t>
-            </a:r>
-            <a:r>
-              <a:rPr lang="en-US" dirty="0" err="1" smtClean="0">
-                <a:solidFill>
-                  <a:srgbClr val="795E26"/>
-                </a:solidFill>
-                <a:latin typeface="Consolas" panose="020B0609020204030204" pitchFamily="49" charset="0"/>
-              </a:rPr>
-              <a:t>toString</a:t>
-            </a:r>
-            <a:r>
-              <a:rPr lang="en-US" dirty="0" smtClean="0">
-                <a:solidFill>
-                  <a:srgbClr val="000000"/>
-                </a:solidFill>
-                <a:latin typeface="Consolas" panose="020B0609020204030204" pitchFamily="49" charset="0"/>
-              </a:rPr>
-              <a:t>()</a:t>
-            </a:r>
-            <a:r>
-              <a:rPr lang="en-US" dirty="0">
-                <a:solidFill>
-                  <a:srgbClr val="000000"/>
-                </a:solidFill>
-                <a:latin typeface="Consolas" panose="020B0609020204030204" pitchFamily="49" charset="0"/>
-              </a:rPr>
-              <a:t/>
-            </a:r>
-            <a:br>
-              <a:rPr lang="en-US" dirty="0">
-                <a:solidFill>
-                  <a:srgbClr val="000000"/>
-                </a:solidFill>
-                <a:latin typeface="Consolas" panose="020B0609020204030204" pitchFamily="49" charset="0"/>
-              </a:rPr>
-            </a:br>
-            <a:r>
-              <a:rPr lang="en-US" dirty="0" smtClean="0">
-                <a:solidFill>
-                  <a:srgbClr val="000000"/>
-                </a:solidFill>
-                <a:latin typeface="Consolas" panose="020B0609020204030204" pitchFamily="49" charset="0"/>
-              </a:rPr>
-              <a:t>    </a:t>
-            </a:r>
-            <a:r>
-              <a:rPr lang="en-US" dirty="0" err="1" smtClean="0">
-                <a:solidFill>
-                  <a:srgbClr val="001080"/>
-                </a:solidFill>
-                <a:latin typeface="Consolas" panose="020B0609020204030204" pitchFamily="49" charset="0"/>
-              </a:rPr>
-              <a:t>response</a:t>
-            </a:r>
-            <a:r>
-              <a:rPr lang="en-US" dirty="0" err="1" smtClean="0">
-                <a:solidFill>
-                  <a:srgbClr val="000000"/>
-                </a:solidFill>
-                <a:latin typeface="Consolas" panose="020B0609020204030204" pitchFamily="49" charset="0"/>
-              </a:rPr>
-              <a:t>.</a:t>
-            </a:r>
-            <a:r>
-              <a:rPr lang="en-US" dirty="0" err="1" smtClean="0">
-                <a:solidFill>
-                  <a:srgbClr val="795E26"/>
-                </a:solidFill>
-                <a:latin typeface="Consolas" panose="020B0609020204030204" pitchFamily="49" charset="0"/>
-              </a:rPr>
-              <a:t>on</a:t>
-            </a:r>
-            <a:r>
-              <a:rPr lang="en-US" dirty="0">
-                <a:solidFill>
-                  <a:srgbClr val="000000"/>
-                </a:solidFill>
-                <a:latin typeface="Consolas" panose="020B0609020204030204" pitchFamily="49" charset="0"/>
-              </a:rPr>
-              <a:t>(</a:t>
-            </a:r>
-            <a:r>
-              <a:rPr lang="en-US" dirty="0">
-                <a:solidFill>
-                  <a:srgbClr val="A31515"/>
-                </a:solidFill>
-                <a:latin typeface="Consolas" panose="020B0609020204030204" pitchFamily="49" charset="0"/>
-              </a:rPr>
-              <a:t>'error'</a:t>
-            </a:r>
-            <a:r>
-              <a:rPr lang="en-US" dirty="0">
-                <a:solidFill>
-                  <a:srgbClr val="000000"/>
-                </a:solidFill>
-                <a:latin typeface="Consolas" panose="020B0609020204030204" pitchFamily="49" charset="0"/>
-              </a:rPr>
-              <a:t>, </a:t>
-            </a:r>
-            <a:r>
-              <a:rPr lang="en-US" dirty="0" smtClean="0">
-                <a:solidFill>
-                  <a:srgbClr val="001080"/>
-                </a:solidFill>
-                <a:latin typeface="Consolas" panose="020B0609020204030204" pitchFamily="49" charset="0"/>
-              </a:rPr>
-              <a:t>err</a:t>
-            </a:r>
-            <a:r>
-              <a:rPr lang="en-US" dirty="0" smtClean="0">
-                <a:solidFill>
-                  <a:srgbClr val="000000"/>
-                </a:solidFill>
-                <a:latin typeface="Consolas" panose="020B0609020204030204" pitchFamily="49" charset="0"/>
-              </a:rPr>
-              <a:t> </a:t>
-            </a:r>
-            <a:r>
-              <a:rPr lang="en-US" dirty="0">
-                <a:solidFill>
-                  <a:srgbClr val="0000FF"/>
-                </a:solidFill>
-                <a:latin typeface="Consolas" panose="020B0609020204030204" pitchFamily="49" charset="0"/>
-              </a:rPr>
-              <a:t>=&gt;</a:t>
-            </a:r>
-            <a:r>
-              <a:rPr lang="en-US" dirty="0">
-                <a:solidFill>
-                  <a:srgbClr val="000000"/>
-                </a:solidFill>
-                <a:latin typeface="Consolas" panose="020B0609020204030204" pitchFamily="49" charset="0"/>
-              </a:rPr>
-              <a:t> </a:t>
-            </a:r>
-            <a:r>
-              <a:rPr lang="en-US" dirty="0" smtClean="0">
-                <a:solidFill>
-                  <a:srgbClr val="000000"/>
-                </a:solidFill>
-                <a:latin typeface="Consolas" panose="020B0609020204030204" pitchFamily="49" charset="0"/>
-              </a:rPr>
-              <a:t>{ </a:t>
-            </a:r>
-            <a:r>
-              <a:rPr lang="en-US" dirty="0" err="1" smtClean="0">
-                <a:solidFill>
-                  <a:srgbClr val="267F99"/>
-                </a:solidFill>
-                <a:latin typeface="Consolas" panose="020B0609020204030204" pitchFamily="49" charset="0"/>
-              </a:rPr>
-              <a:t>console</a:t>
-            </a:r>
-            <a:r>
-              <a:rPr lang="en-US" dirty="0" err="1" smtClean="0">
-                <a:solidFill>
-                  <a:srgbClr val="000000"/>
-                </a:solidFill>
-                <a:latin typeface="Consolas" panose="020B0609020204030204" pitchFamily="49" charset="0"/>
-              </a:rPr>
-              <a:t>.</a:t>
-            </a:r>
-            <a:r>
-              <a:rPr lang="en-US" dirty="0" err="1" smtClean="0">
-                <a:solidFill>
-                  <a:srgbClr val="795E26"/>
-                </a:solidFill>
-                <a:latin typeface="Consolas" panose="020B0609020204030204" pitchFamily="49" charset="0"/>
-              </a:rPr>
-              <a:t>error</a:t>
-            </a:r>
-            <a:r>
-              <a:rPr lang="en-US" dirty="0" smtClean="0">
-                <a:solidFill>
-                  <a:srgbClr val="000000"/>
-                </a:solidFill>
-                <a:latin typeface="Consolas" panose="020B0609020204030204" pitchFamily="49" charset="0"/>
-              </a:rPr>
-              <a:t>(</a:t>
-            </a:r>
-            <a:r>
-              <a:rPr lang="en-US" dirty="0" smtClean="0">
-                <a:solidFill>
-                  <a:srgbClr val="001080"/>
-                </a:solidFill>
-                <a:latin typeface="Consolas" panose="020B0609020204030204" pitchFamily="49" charset="0"/>
-              </a:rPr>
-              <a:t>err</a:t>
-            </a:r>
-            <a:r>
-              <a:rPr lang="en-US" dirty="0" smtClean="0">
-                <a:solidFill>
-                  <a:srgbClr val="000000"/>
-                </a:solidFill>
-                <a:latin typeface="Consolas" panose="020B0609020204030204" pitchFamily="49" charset="0"/>
-              </a:rPr>
-              <a:t>) })</a:t>
+              <a:rPr lang="en-US" dirty="0">
+                <a:solidFill>
+                  <a:srgbClr val="09885A"/>
+                </a:solidFill>
+                <a:latin typeface="Consolas" panose="020B0609020204030204" pitchFamily="49" charset="0"/>
+              </a:rPr>
+              <a:t>200</a:t>
             </a:r>
             <a:endParaRPr lang="en-US" dirty="0">
               <a:solidFill>
@@ -14901,16 +14360,16 @@
           </a:p>
           <a:p>
             <a:r>
-              <a:rPr lang="en-US" dirty="0" smtClean="0">
-                <a:solidFill>
-                  <a:srgbClr val="000000"/>
+              <a:rPr lang="en-US" dirty="0">
+                <a:solidFill>
+                  <a:srgbClr val="001080"/>
                 </a:solidFill>
                 <a:latin typeface="Consolas" panose="020B0609020204030204" pitchFamily="49" charset="0"/>
               </a:rPr>
               <a:t>    </a:t>
             </a:r>
             <a:r>
-              <a:rPr lang="en-US" dirty="0" err="1" smtClean="0">
+              <a:rPr lang="en-US" dirty="0" err="1">
                 <a:solidFill>
                   <a:srgbClr val="001080"/>
                 </a:solidFill>
@@ -14919,7 +14378,7 @@
               <a:t>response</a:t>
             </a:r>
             <a:r>
-              <a:rPr lang="en-US" dirty="0" err="1" smtClean="0">
+              <a:rPr lang="en-US" dirty="0" err="1">
                 <a:solidFill>
                   <a:srgbClr val="000000"/>
                 </a:solidFill>
@@ -14928,16 +14387,107 @@
               <a:t>.</a:t>
             </a:r>
             <a:r>
-              <a:rPr lang="en-US" dirty="0" err="1" smtClean="0">
-                <a:solidFill>
-                  <a:srgbClr val="001080"/>
-                </a:solidFill>
-                <a:latin typeface="Consolas" panose="020B0609020204030204" pitchFamily="49" charset="0"/>
-              </a:rPr>
-              <a:t>statusCode</a:t>
-            </a:r>
-            <a:r>
-              <a:rPr lang="en-US" dirty="0" smtClean="0">
+              <a:rPr lang="en-US" dirty="0" err="1">
+                <a:solidFill>
+                  <a:srgbClr val="795E26"/>
+                </a:solidFill>
+                <a:latin typeface="Consolas" panose="020B0609020204030204" pitchFamily="49" charset="0"/>
+              </a:rPr>
+              <a:t>setHeader</a:t>
+            </a:r>
+            <a:r>
+              <a:rPr lang="en-US" dirty="0">
+                <a:solidFill>
+                  <a:srgbClr val="000000"/>
+                </a:solidFill>
+                <a:latin typeface="Consolas" panose="020B0609020204030204" pitchFamily="49" charset="0"/>
+              </a:rPr>
+              <a:t>(</a:t>
+            </a:r>
+            <a:r>
+              <a:rPr lang="en-US" dirty="0">
+                <a:solidFill>
+                  <a:srgbClr val="A31515"/>
+                </a:solidFill>
+                <a:latin typeface="Consolas" panose="020B0609020204030204" pitchFamily="49" charset="0"/>
+              </a:rPr>
+              <a:t>'Content-Type'</a:t>
+            </a:r>
+            <a:r>
+              <a:rPr lang="en-US" dirty="0">
+                <a:solidFill>
+                  <a:srgbClr val="000000"/>
+                </a:solidFill>
+                <a:latin typeface="Consolas" panose="020B0609020204030204" pitchFamily="49" charset="0"/>
+              </a:rPr>
+              <a:t>, </a:t>
+            </a:r>
+            <a:r>
+              <a:rPr lang="en-US" dirty="0">
+                <a:solidFill>
+                  <a:srgbClr val="A31515"/>
+                </a:solidFill>
+                <a:latin typeface="Consolas" panose="020B0609020204030204" pitchFamily="49" charset="0"/>
+              </a:rPr>
+              <a:t>'application/</a:t>
+            </a:r>
+            <a:r>
+              <a:rPr lang="en-US" dirty="0" err="1">
+                <a:solidFill>
+                  <a:srgbClr val="A31515"/>
+                </a:solidFill>
+                <a:latin typeface="Consolas" panose="020B0609020204030204" pitchFamily="49" charset="0"/>
+              </a:rPr>
+              <a:t>json</a:t>
+            </a:r>
+            <a:r>
+              <a:rPr lang="en-US" dirty="0">
+                <a:solidFill>
+                  <a:srgbClr val="A31515"/>
+                </a:solidFill>
+                <a:latin typeface="Consolas" panose="020B0609020204030204" pitchFamily="49" charset="0"/>
+              </a:rPr>
+              <a:t>'</a:t>
+            </a:r>
+            <a:r>
+              <a:rPr lang="en-US" dirty="0">
+                <a:solidFill>
+                  <a:srgbClr val="000000"/>
+                </a:solidFill>
+                <a:latin typeface="Consolas" panose="020B0609020204030204" pitchFamily="49" charset="0"/>
+              </a:rPr>
+              <a:t>)</a:t>
+            </a:r>
+          </a:p>
+          <a:p>
+            <a:br>
+              <a:rPr lang="en-US" dirty="0">
+                <a:solidFill>
+                  <a:srgbClr val="000000"/>
+                </a:solidFill>
+                <a:latin typeface="Consolas" panose="020B0609020204030204" pitchFamily="49" charset="0"/>
+              </a:rPr>
+            </a:br>
+            <a:r>
+              <a:rPr lang="en-US" dirty="0">
+                <a:solidFill>
+                  <a:srgbClr val="000000"/>
+                </a:solidFill>
+                <a:latin typeface="Consolas" panose="020B0609020204030204" pitchFamily="49" charset="0"/>
+              </a:rPr>
+              <a:t>    </a:t>
+            </a:r>
+            <a:r>
+              <a:rPr lang="en-US" dirty="0" err="1">
+                <a:solidFill>
+                  <a:srgbClr val="0000FF"/>
+                </a:solidFill>
+                <a:latin typeface="Consolas" panose="020B0609020204030204" pitchFamily="49" charset="0"/>
+              </a:rPr>
+              <a:t>const</a:t>
+            </a:r>
+            <a:r>
+              <a:rPr lang="en-US" dirty="0">
                 <a:solidFill>
                   <a:srgbClr val="000000"/>
                 </a:solidFill>
@@ -14946,13 +14496,290 @@
               <a:t> </a:t>
             </a:r>
             <a:r>
-              <a:rPr lang="en-US" dirty="0">
-                <a:solidFill>
-                  <a:srgbClr val="000000"/>
-                </a:solidFill>
-                <a:latin typeface="Consolas" panose="020B0609020204030204" pitchFamily="49" charset="0"/>
-              </a:rPr>
-              <a:t>= </a:t>
+              <a:rPr lang="en-US" dirty="0" err="1">
+                <a:solidFill>
+                  <a:srgbClr val="001080"/>
+                </a:solidFill>
+                <a:latin typeface="Consolas" panose="020B0609020204030204" pitchFamily="49" charset="0"/>
+              </a:rPr>
+              <a:t>responseBody</a:t>
+            </a:r>
+            <a:r>
+              <a:rPr lang="en-US" dirty="0">
+                <a:solidFill>
+                  <a:srgbClr val="000000"/>
+                </a:solidFill>
+                <a:latin typeface="Consolas" panose="020B0609020204030204" pitchFamily="49" charset="0"/>
+              </a:rPr>
+              <a:t> = { </a:t>
+            </a:r>
+            <a:r>
+              <a:rPr lang="en-US" dirty="0">
+                <a:solidFill>
+                  <a:srgbClr val="001080"/>
+                </a:solidFill>
+                <a:latin typeface="Consolas" panose="020B0609020204030204" pitchFamily="49" charset="0"/>
+              </a:rPr>
+              <a:t>headers</a:t>
+            </a:r>
+            <a:r>
+              <a:rPr lang="en-US" dirty="0">
+                <a:solidFill>
+                  <a:srgbClr val="000000"/>
+                </a:solidFill>
+                <a:latin typeface="Consolas" panose="020B0609020204030204" pitchFamily="49" charset="0"/>
+              </a:rPr>
+              <a:t>, </a:t>
+            </a:r>
+            <a:r>
+              <a:rPr lang="en-US" dirty="0">
+                <a:solidFill>
+                  <a:srgbClr val="001080"/>
+                </a:solidFill>
+                <a:latin typeface="Consolas" panose="020B0609020204030204" pitchFamily="49" charset="0"/>
+              </a:rPr>
+              <a:t>method</a:t>
+            </a:r>
+            <a:r>
+              <a:rPr lang="en-US" dirty="0">
+                <a:solidFill>
+                  <a:srgbClr val="000000"/>
+                </a:solidFill>
+                <a:latin typeface="Consolas" panose="020B0609020204030204" pitchFamily="49" charset="0"/>
+              </a:rPr>
+              <a:t>, </a:t>
+            </a:r>
+            <a:r>
+              <a:rPr lang="en-US" dirty="0" err="1">
+                <a:solidFill>
+                  <a:srgbClr val="001080"/>
+                </a:solidFill>
+                <a:latin typeface="Consolas" panose="020B0609020204030204" pitchFamily="49" charset="0"/>
+              </a:rPr>
+              <a:t>url</a:t>
+            </a:r>
+            <a:r>
+              <a:rPr lang="en-US" dirty="0">
+                <a:solidFill>
+                  <a:srgbClr val="000000"/>
+                </a:solidFill>
+                <a:latin typeface="Consolas" panose="020B0609020204030204" pitchFamily="49" charset="0"/>
+              </a:rPr>
+              <a:t>, </a:t>
+            </a:r>
+            <a:r>
+              <a:rPr lang="en-US" dirty="0">
+                <a:solidFill>
+                  <a:srgbClr val="001080"/>
+                </a:solidFill>
+                <a:latin typeface="Consolas" panose="020B0609020204030204" pitchFamily="49" charset="0"/>
+              </a:rPr>
+              <a:t>body</a:t>
+            </a:r>
+            <a:r>
+              <a:rPr lang="en-US" dirty="0">
+                <a:solidFill>
+                  <a:srgbClr val="000000"/>
+                </a:solidFill>
+                <a:latin typeface="Consolas" panose="020B0609020204030204" pitchFamily="49" charset="0"/>
+              </a:rPr>
+              <a:t> }</a:t>
+            </a:r>
+          </a:p>
+          <a:p>
+            <a:br>
+              <a:rPr lang="en-US" dirty="0">
+                <a:solidFill>
+                  <a:srgbClr val="000000"/>
+                </a:solidFill>
+                <a:latin typeface="Consolas" panose="020B0609020204030204" pitchFamily="49" charset="0"/>
+              </a:rPr>
+            </a:br>
+            <a:r>
+              <a:rPr lang="en-US" dirty="0">
+                <a:solidFill>
+                  <a:srgbClr val="000000"/>
+                </a:solidFill>
+                <a:latin typeface="Consolas" panose="020B0609020204030204" pitchFamily="49" charset="0"/>
+              </a:rPr>
+              <a:t>    </a:t>
+            </a:r>
+            <a:r>
+              <a:rPr lang="en-US" dirty="0" err="1">
+                <a:solidFill>
+                  <a:srgbClr val="001080"/>
+                </a:solidFill>
+                <a:latin typeface="Consolas" panose="020B0609020204030204" pitchFamily="49" charset="0"/>
+              </a:rPr>
+              <a:t>response</a:t>
+            </a:r>
+            <a:r>
+              <a:rPr lang="en-US" dirty="0" err="1">
+                <a:solidFill>
+                  <a:srgbClr val="000000"/>
+                </a:solidFill>
+                <a:latin typeface="Consolas" panose="020B0609020204030204" pitchFamily="49" charset="0"/>
+              </a:rPr>
+              <a:t>.</a:t>
+            </a:r>
+            <a:r>
+              <a:rPr lang="en-US" dirty="0" err="1">
+                <a:solidFill>
+                  <a:srgbClr val="795E26"/>
+                </a:solidFill>
+                <a:latin typeface="Consolas" panose="020B0609020204030204" pitchFamily="49" charset="0"/>
+              </a:rPr>
+              <a:t>write</a:t>
+            </a:r>
+            <a:r>
+              <a:rPr lang="en-US" dirty="0">
+                <a:solidFill>
+                  <a:srgbClr val="000000"/>
+                </a:solidFill>
+                <a:latin typeface="Consolas" panose="020B0609020204030204" pitchFamily="49" charset="0"/>
+              </a:rPr>
+              <a:t>(</a:t>
+            </a:r>
+            <a:r>
+              <a:rPr lang="en-US" dirty="0" err="1">
+                <a:solidFill>
+                  <a:srgbClr val="267F99"/>
+                </a:solidFill>
+                <a:latin typeface="Consolas" panose="020B0609020204030204" pitchFamily="49" charset="0"/>
+              </a:rPr>
+              <a:t>JSON</a:t>
+            </a:r>
+            <a:r>
+              <a:rPr lang="en-US" dirty="0" err="1">
+                <a:solidFill>
+                  <a:srgbClr val="000000"/>
+                </a:solidFill>
+                <a:latin typeface="Consolas" panose="020B0609020204030204" pitchFamily="49" charset="0"/>
+              </a:rPr>
+              <a:t>.</a:t>
+            </a:r>
+            <a:r>
+              <a:rPr lang="en-US" dirty="0" err="1">
+                <a:solidFill>
+                  <a:srgbClr val="795E26"/>
+                </a:solidFill>
+                <a:latin typeface="Consolas" panose="020B0609020204030204" pitchFamily="49" charset="0"/>
+              </a:rPr>
+              <a:t>stringify</a:t>
+            </a:r>
+            <a:r>
+              <a:rPr lang="en-US" dirty="0">
+                <a:solidFill>
+                  <a:srgbClr val="000000"/>
+                </a:solidFill>
+                <a:latin typeface="Consolas" panose="020B0609020204030204" pitchFamily="49" charset="0"/>
+              </a:rPr>
+              <a:t>(</a:t>
+            </a:r>
+            <a:r>
+              <a:rPr lang="en-US" dirty="0" err="1">
+                <a:solidFill>
+                  <a:srgbClr val="001080"/>
+                </a:solidFill>
+                <a:latin typeface="Consolas" panose="020B0609020204030204" pitchFamily="49" charset="0"/>
+              </a:rPr>
+              <a:t>responseBody</a:t>
+            </a:r>
+            <a:r>
+              <a:rPr lang="en-US" dirty="0">
+                <a:solidFill>
+                  <a:srgbClr val="000000"/>
+                </a:solidFill>
+                <a:latin typeface="Consolas" panose="020B0609020204030204" pitchFamily="49" charset="0"/>
+              </a:rPr>
+              <a:t>))</a:t>
+            </a:r>
+          </a:p>
+          <a:p>
+            <a:r>
+              <a:rPr lang="en-US" dirty="0">
+                <a:solidFill>
+                  <a:srgbClr val="001080"/>
+                </a:solidFill>
+                <a:latin typeface="Consolas" panose="020B0609020204030204" pitchFamily="49" charset="0"/>
+              </a:rPr>
+              <a:t>    </a:t>
+            </a:r>
+            <a:r>
+              <a:rPr lang="en-US" dirty="0" err="1">
+                <a:solidFill>
+                  <a:srgbClr val="001080"/>
+                </a:solidFill>
+                <a:latin typeface="Consolas" panose="020B0609020204030204" pitchFamily="49" charset="0"/>
+              </a:rPr>
+              <a:t>response</a:t>
+            </a:r>
+            <a:r>
+              <a:rPr lang="en-US" dirty="0" err="1">
+                <a:solidFill>
+                  <a:srgbClr val="000000"/>
+                </a:solidFill>
+                <a:latin typeface="Consolas" panose="020B0609020204030204" pitchFamily="49" charset="0"/>
+              </a:rPr>
+              <a:t>.</a:t>
+            </a:r>
+            <a:r>
+              <a:rPr lang="en-US" dirty="0" err="1">
+                <a:solidFill>
+                  <a:srgbClr val="795E26"/>
+                </a:solidFill>
+                <a:latin typeface="Consolas" panose="020B0609020204030204" pitchFamily="49" charset="0"/>
+              </a:rPr>
+              <a:t>end</a:t>
+            </a:r>
+            <a:r>
+              <a:rPr lang="en-US" dirty="0">
+                <a:solidFill>
+                  <a:srgbClr val="000000"/>
+                </a:solidFill>
+                <a:latin typeface="Consolas" panose="020B0609020204030204" pitchFamily="49" charset="0"/>
+              </a:rPr>
+              <a:t>()</a:t>
+            </a:r>
+          </a:p>
+          <a:p>
+            <a:r>
+              <a:rPr lang="en-US" dirty="0">
+                <a:solidFill>
+                  <a:srgbClr val="000000"/>
+                </a:solidFill>
+                <a:latin typeface="Consolas" panose="020B0609020204030204" pitchFamily="49" charset="0"/>
+              </a:rPr>
+              <a:t>  })</a:t>
+            </a:r>
+          </a:p>
+          <a:p>
+            <a:r>
+              <a:rPr lang="en-US" dirty="0">
+                <a:solidFill>
+                  <a:srgbClr val="000000"/>
+                </a:solidFill>
+                <a:latin typeface="Consolas" panose="020B0609020204030204" pitchFamily="49" charset="0"/>
+              </a:rPr>
+              <a:t>}).</a:t>
+            </a:r>
+            <a:r>
+              <a:rPr lang="en-US" dirty="0">
+                <a:solidFill>
+                  <a:srgbClr val="795E26"/>
+                </a:solidFill>
+                <a:latin typeface="Consolas" panose="020B0609020204030204" pitchFamily="49" charset="0"/>
+              </a:rPr>
+              <a:t>listen</a:t>
+            </a:r>
+            <a:r>
+              <a:rPr lang="en-US" dirty="0">
+                <a:solidFill>
+                  <a:srgbClr val="000000"/>
+                </a:solidFill>
+                <a:latin typeface="Consolas" panose="020B0609020204030204" pitchFamily="49" charset="0"/>
+              </a:rPr>
+              <a:t>(</a:t>
             </a:r>
             <a:r>
               <a:rPr lang="en-US" dirty="0">
@@ -14961,105 +14788,7 @@
                 </a:solidFill>
                 <a:latin typeface="Consolas" panose="020B0609020204030204" pitchFamily="49" charset="0"/>
               </a:rPr>
-              <a:t>200</a:t>
-            </a:r>
-            <a:endParaRPr lang="en-US" dirty="0">
-              <a:solidFill>
-                <a:srgbClr val="000000"/>
-              </a:solidFill>
-              <a:latin typeface="Consolas" panose="020B0609020204030204" pitchFamily="49" charset="0"/>
-            </a:endParaRPr>
-          </a:p>
-          <a:p>
-            <a:r>
-              <a:rPr lang="en-US" dirty="0" smtClean="0">
-                <a:solidFill>
-                  <a:srgbClr val="001080"/>
-                </a:solidFill>
-                <a:latin typeface="Consolas" panose="020B0609020204030204" pitchFamily="49" charset="0"/>
-              </a:rPr>
-              <a:t>    </a:t>
-            </a:r>
-            <a:r>
-              <a:rPr lang="en-US" dirty="0" err="1" smtClean="0">
-                <a:solidFill>
-                  <a:srgbClr val="001080"/>
-                </a:solidFill>
-                <a:latin typeface="Consolas" panose="020B0609020204030204" pitchFamily="49" charset="0"/>
-              </a:rPr>
-              <a:t>response</a:t>
-            </a:r>
-            <a:r>
-              <a:rPr lang="en-US" dirty="0" err="1" smtClean="0">
-                <a:solidFill>
-                  <a:srgbClr val="000000"/>
-                </a:solidFill>
-                <a:latin typeface="Consolas" panose="020B0609020204030204" pitchFamily="49" charset="0"/>
-              </a:rPr>
-              <a:t>.</a:t>
-            </a:r>
-            <a:r>
-              <a:rPr lang="en-US" dirty="0" err="1" smtClean="0">
-                <a:solidFill>
-                  <a:srgbClr val="795E26"/>
-                </a:solidFill>
-                <a:latin typeface="Consolas" panose="020B0609020204030204" pitchFamily="49" charset="0"/>
-              </a:rPr>
-              <a:t>setHeader</a:t>
-            </a:r>
-            <a:r>
-              <a:rPr lang="en-US" dirty="0">
-                <a:solidFill>
-                  <a:srgbClr val="000000"/>
-                </a:solidFill>
-                <a:latin typeface="Consolas" panose="020B0609020204030204" pitchFamily="49" charset="0"/>
-              </a:rPr>
-              <a:t>(</a:t>
-            </a:r>
-            <a:r>
-              <a:rPr lang="en-US" dirty="0">
-                <a:solidFill>
-                  <a:srgbClr val="A31515"/>
-                </a:solidFill>
-                <a:latin typeface="Consolas" panose="020B0609020204030204" pitchFamily="49" charset="0"/>
-              </a:rPr>
-              <a:t>'Content-Type'</a:t>
-            </a:r>
-            <a:r>
-              <a:rPr lang="en-US" dirty="0">
-                <a:solidFill>
-                  <a:srgbClr val="000000"/>
-                </a:solidFill>
-                <a:latin typeface="Consolas" panose="020B0609020204030204" pitchFamily="49" charset="0"/>
-              </a:rPr>
-              <a:t>, </a:t>
-            </a:r>
-            <a:r>
-              <a:rPr lang="en-US" dirty="0">
-                <a:solidFill>
-                  <a:srgbClr val="A31515"/>
-                </a:solidFill>
-                <a:latin typeface="Consolas" panose="020B0609020204030204" pitchFamily="49" charset="0"/>
-              </a:rPr>
-              <a:t>'application/</a:t>
-            </a:r>
-            <a:r>
-              <a:rPr lang="en-US" dirty="0" err="1">
-                <a:solidFill>
-                  <a:srgbClr val="A31515"/>
-                </a:solidFill>
-                <a:latin typeface="Consolas" panose="020B0609020204030204" pitchFamily="49" charset="0"/>
-              </a:rPr>
-              <a:t>json</a:t>
-            </a:r>
-            <a:r>
-              <a:rPr lang="en-US" dirty="0">
-                <a:solidFill>
-                  <a:srgbClr val="A31515"/>
-                </a:solidFill>
-                <a:latin typeface="Consolas" panose="020B0609020204030204" pitchFamily="49" charset="0"/>
-              </a:rPr>
-              <a:t>'</a:t>
+              <a:t>8080</a:t>
             </a:r>
             <a:r>
               <a:rPr lang="en-US" dirty="0">
@@ -15070,386 +14799,6 @@
               </a:rPr>
               <a:t>)</a:t>
             </a:r>
-          </a:p>
-          <a:p>
-            <a:r>
-              <a:rPr lang="en-US" dirty="0">
-                <a:solidFill>
-                  <a:srgbClr val="000000"/>
-                </a:solidFill>
-                <a:latin typeface="Consolas" panose="020B0609020204030204" pitchFamily="49" charset="0"/>
-              </a:rPr>
-              <a:t/>
-            </a:r>
-            <a:br>
-              <a:rPr lang="en-US" dirty="0">
-                <a:solidFill>
-                  <a:srgbClr val="000000"/>
-                </a:solidFill>
-                <a:latin typeface="Consolas" panose="020B0609020204030204" pitchFamily="49" charset="0"/>
-              </a:rPr>
-            </a:br>
-            <a:r>
-              <a:rPr lang="en-US" dirty="0" smtClean="0">
-                <a:solidFill>
-                  <a:srgbClr val="000000"/>
-                </a:solidFill>
-                <a:latin typeface="Consolas" panose="020B0609020204030204" pitchFamily="49" charset="0"/>
-              </a:rPr>
-              <a:t>    </a:t>
-            </a:r>
-            <a:r>
-              <a:rPr lang="en-US" dirty="0" err="1" smtClean="0">
-                <a:solidFill>
-                  <a:srgbClr val="0000FF"/>
-                </a:solidFill>
-                <a:latin typeface="Consolas" panose="020B0609020204030204" pitchFamily="49" charset="0"/>
-              </a:rPr>
-              <a:t>const</a:t>
-            </a:r>
-            <a:r>
-              <a:rPr lang="en-US" dirty="0" smtClean="0">
-                <a:solidFill>
-                  <a:srgbClr val="000000"/>
-                </a:solidFill>
-                <a:latin typeface="Consolas" panose="020B0609020204030204" pitchFamily="49" charset="0"/>
-              </a:rPr>
-              <a:t> </a:t>
-            </a:r>
-            <a:r>
-              <a:rPr lang="en-US" dirty="0" err="1">
-                <a:solidFill>
-                  <a:srgbClr val="001080"/>
-                </a:solidFill>
-                <a:latin typeface="Consolas" panose="020B0609020204030204" pitchFamily="49" charset="0"/>
-              </a:rPr>
-              <a:t>responseBody</a:t>
-            </a:r>
-            <a:r>
-              <a:rPr lang="en-US" dirty="0">
-                <a:solidFill>
-                  <a:srgbClr val="000000"/>
-                </a:solidFill>
-                <a:latin typeface="Consolas" panose="020B0609020204030204" pitchFamily="49" charset="0"/>
-              </a:rPr>
-              <a:t> = { </a:t>
-            </a:r>
-            <a:r>
-              <a:rPr lang="en-US" dirty="0">
-                <a:solidFill>
-                  <a:srgbClr val="001080"/>
-                </a:solidFill>
-                <a:latin typeface="Consolas" panose="020B0609020204030204" pitchFamily="49" charset="0"/>
-              </a:rPr>
-              <a:t>headers</a:t>
-            </a:r>
-            <a:r>
-              <a:rPr lang="en-US" dirty="0">
-                <a:solidFill>
-                  <a:srgbClr val="000000"/>
-                </a:solidFill>
-                <a:latin typeface="Consolas" panose="020B0609020204030204" pitchFamily="49" charset="0"/>
-              </a:rPr>
-              <a:t>, </a:t>
-            </a:r>
-            <a:r>
-              <a:rPr lang="en-US" dirty="0">
-                <a:solidFill>
-                  <a:srgbClr val="001080"/>
-                </a:solidFill>
-                <a:latin typeface="Consolas" panose="020B0609020204030204" pitchFamily="49" charset="0"/>
-              </a:rPr>
-              <a:t>method</a:t>
-            </a:r>
-            <a:r>
-              <a:rPr lang="en-US" dirty="0">
-                <a:solidFill>
-                  <a:srgbClr val="000000"/>
-                </a:solidFill>
-                <a:latin typeface="Consolas" panose="020B0609020204030204" pitchFamily="49" charset="0"/>
-              </a:rPr>
-              <a:t>, </a:t>
-            </a:r>
-            <a:r>
-              <a:rPr lang="en-US" dirty="0" err="1">
-                <a:solidFill>
-                  <a:srgbClr val="001080"/>
-                </a:solidFill>
-                <a:latin typeface="Consolas" panose="020B0609020204030204" pitchFamily="49" charset="0"/>
-              </a:rPr>
-              <a:t>url</a:t>
-            </a:r>
-            <a:r>
-              <a:rPr lang="en-US" dirty="0">
-                <a:solidFill>
-                  <a:srgbClr val="000000"/>
-                </a:solidFill>
-                <a:latin typeface="Consolas" panose="020B0609020204030204" pitchFamily="49" charset="0"/>
-              </a:rPr>
-              <a:t>, </a:t>
-            </a:r>
-            <a:r>
-              <a:rPr lang="en-US" dirty="0">
-                <a:solidFill>
-                  <a:srgbClr val="001080"/>
-                </a:solidFill>
-                <a:latin typeface="Consolas" panose="020B0609020204030204" pitchFamily="49" charset="0"/>
-              </a:rPr>
-              <a:t>body</a:t>
-            </a:r>
-            <a:r>
-              <a:rPr lang="en-US" dirty="0">
-                <a:solidFill>
-                  <a:srgbClr val="000000"/>
-                </a:solidFill>
-                <a:latin typeface="Consolas" panose="020B0609020204030204" pitchFamily="49" charset="0"/>
-              </a:rPr>
-              <a:t> }</a:t>
-            </a:r>
-          </a:p>
-          <a:p>
-            <a:r>
-              <a:rPr lang="en-US" dirty="0">
-                <a:solidFill>
-                  <a:srgbClr val="000000"/>
-                </a:solidFill>
-                <a:latin typeface="Consolas" panose="020B0609020204030204" pitchFamily="49" charset="0"/>
-              </a:rPr>
-              <a:t/>
-            </a:r>
-            <a:br>
-              <a:rPr lang="en-US" dirty="0">
-                <a:solidFill>
-                  <a:srgbClr val="000000"/>
-                </a:solidFill>
-                <a:latin typeface="Consolas" panose="020B0609020204030204" pitchFamily="49" charset="0"/>
-              </a:rPr>
-            </a:br>
-            <a:r>
-              <a:rPr lang="en-US" dirty="0" smtClean="0">
-                <a:solidFill>
-                  <a:srgbClr val="000000"/>
-                </a:solidFill>
-                <a:latin typeface="Consolas" panose="020B0609020204030204" pitchFamily="49" charset="0"/>
-              </a:rPr>
-              <a:t>    </a:t>
-            </a:r>
-            <a:r>
-              <a:rPr lang="en-US" dirty="0" err="1" smtClean="0">
-                <a:solidFill>
-                  <a:srgbClr val="001080"/>
-                </a:solidFill>
-                <a:latin typeface="Consolas" panose="020B0609020204030204" pitchFamily="49" charset="0"/>
-              </a:rPr>
-              <a:t>response</a:t>
-            </a:r>
-            <a:r>
-              <a:rPr lang="en-US" dirty="0" err="1" smtClean="0">
-                <a:solidFill>
-                  <a:srgbClr val="000000"/>
-                </a:solidFill>
-                <a:latin typeface="Consolas" panose="020B0609020204030204" pitchFamily="49" charset="0"/>
-              </a:rPr>
-              <a:t>.</a:t>
-            </a:r>
-            <a:r>
-              <a:rPr lang="en-US" dirty="0" err="1" smtClean="0">
-                <a:solidFill>
-                  <a:srgbClr val="795E26"/>
-                </a:solidFill>
-                <a:latin typeface="Consolas" panose="020B0609020204030204" pitchFamily="49" charset="0"/>
-              </a:rPr>
-              <a:t>write</a:t>
-            </a:r>
-            <a:r>
-              <a:rPr lang="en-US" dirty="0" smtClean="0">
-                <a:solidFill>
-                  <a:srgbClr val="000000"/>
-                </a:solidFill>
-                <a:latin typeface="Consolas" panose="020B0609020204030204" pitchFamily="49" charset="0"/>
-              </a:rPr>
-              <a:t>(</a:t>
-            </a:r>
-            <a:r>
-              <a:rPr lang="en-US" dirty="0" err="1" smtClean="0">
-                <a:solidFill>
-                  <a:srgbClr val="267F99"/>
-                </a:solidFill>
-                <a:latin typeface="Consolas" panose="020B0609020204030204" pitchFamily="49" charset="0"/>
-              </a:rPr>
-              <a:t>JSON</a:t>
-            </a:r>
-            <a:r>
-              <a:rPr lang="en-US" dirty="0" err="1" smtClean="0">
-                <a:solidFill>
-                  <a:srgbClr val="000000"/>
-                </a:solidFill>
-                <a:latin typeface="Consolas" panose="020B0609020204030204" pitchFamily="49" charset="0"/>
-              </a:rPr>
-              <a:t>.</a:t>
-            </a:r>
-            <a:r>
-              <a:rPr lang="en-US" dirty="0" err="1" smtClean="0">
-                <a:solidFill>
-                  <a:srgbClr val="795E26"/>
-                </a:solidFill>
-                <a:latin typeface="Consolas" panose="020B0609020204030204" pitchFamily="49" charset="0"/>
-              </a:rPr>
-              <a:t>stringify</a:t>
-            </a:r>
-            <a:r>
-              <a:rPr lang="en-US" dirty="0" smtClean="0">
-                <a:solidFill>
-                  <a:srgbClr val="000000"/>
-                </a:solidFill>
-                <a:latin typeface="Consolas" panose="020B0609020204030204" pitchFamily="49" charset="0"/>
-              </a:rPr>
-              <a:t>(</a:t>
-            </a:r>
-            <a:r>
-              <a:rPr lang="en-US" dirty="0" err="1" smtClean="0">
-                <a:solidFill>
-                  <a:srgbClr val="001080"/>
-                </a:solidFill>
-                <a:latin typeface="Consolas" panose="020B0609020204030204" pitchFamily="49" charset="0"/>
-              </a:rPr>
-              <a:t>responseBody</a:t>
-            </a:r>
-            <a:r>
-              <a:rPr lang="en-US" dirty="0">
-                <a:solidFill>
-                  <a:srgbClr val="000000"/>
-                </a:solidFill>
-                <a:latin typeface="Consolas" panose="020B0609020204030204" pitchFamily="49" charset="0"/>
-              </a:rPr>
-              <a:t>))</a:t>
-            </a:r>
-          </a:p>
-          <a:p>
-            <a:r>
-              <a:rPr lang="en-US" dirty="0" smtClean="0">
-                <a:solidFill>
-                  <a:srgbClr val="001080"/>
-                </a:solidFill>
-                <a:latin typeface="Consolas" panose="020B0609020204030204" pitchFamily="49" charset="0"/>
-              </a:rPr>
-              <a:t>    </a:t>
-            </a:r>
-            <a:r>
-              <a:rPr lang="en-US" dirty="0" err="1" smtClean="0">
-                <a:solidFill>
-                  <a:srgbClr val="001080"/>
-                </a:solidFill>
-                <a:latin typeface="Consolas" panose="020B0609020204030204" pitchFamily="49" charset="0"/>
-              </a:rPr>
-              <a:t>response</a:t>
-            </a:r>
-            <a:r>
-              <a:rPr lang="en-US" dirty="0" err="1" smtClean="0">
-                <a:solidFill>
-                  <a:srgbClr val="000000"/>
-                </a:solidFill>
-                <a:latin typeface="Consolas" panose="020B0609020204030204" pitchFamily="49" charset="0"/>
-              </a:rPr>
-              <a:t>.</a:t>
-            </a:r>
-            <a:r>
-              <a:rPr lang="en-US" dirty="0" err="1" smtClean="0">
-                <a:solidFill>
-                  <a:srgbClr val="795E26"/>
-                </a:solidFill>
-                <a:latin typeface="Consolas" panose="020B0609020204030204" pitchFamily="49" charset="0"/>
-              </a:rPr>
-              <a:t>end</a:t>
-            </a:r>
-            <a:r>
-              <a:rPr lang="en-US" dirty="0">
-                <a:solidFill>
-                  <a:srgbClr val="000000"/>
-                </a:solidFill>
-                <a:latin typeface="Consolas" panose="020B0609020204030204" pitchFamily="49" charset="0"/>
-              </a:rPr>
-              <a:t>()</a:t>
-            </a:r>
-          </a:p>
-          <a:p>
-            <a:r>
-              <a:rPr lang="en-US" dirty="0">
-                <a:solidFill>
-                  <a:srgbClr val="000000"/>
-                </a:solidFill>
-                <a:latin typeface="Consolas" panose="020B0609020204030204" pitchFamily="49" charset="0"/>
-              </a:rPr>
-              <a:t> </a:t>
-            </a:r>
-            <a:r>
-              <a:rPr lang="en-US" dirty="0" smtClean="0">
-                <a:solidFill>
-                  <a:srgbClr val="000000"/>
-                </a:solidFill>
-                <a:latin typeface="Consolas" panose="020B0609020204030204" pitchFamily="49" charset="0"/>
-              </a:rPr>
-              <a:t> })</a:t>
-            </a:r>
-            <a:endParaRPr lang="en-US" dirty="0">
-              <a:solidFill>
-                <a:srgbClr val="000000"/>
-              </a:solidFill>
-              <a:latin typeface="Consolas" panose="020B0609020204030204" pitchFamily="49" charset="0"/>
-            </a:endParaRPr>
-          </a:p>
-          <a:p>
-            <a:r>
-              <a:rPr lang="en-US" dirty="0">
-                <a:solidFill>
-                  <a:srgbClr val="000000"/>
-                </a:solidFill>
-                <a:latin typeface="Consolas" panose="020B0609020204030204" pitchFamily="49" charset="0"/>
-              </a:rPr>
-              <a:t>}).</a:t>
-            </a:r>
-            <a:r>
-              <a:rPr lang="en-US" dirty="0">
-                <a:solidFill>
-                  <a:srgbClr val="795E26"/>
-                </a:solidFill>
-                <a:latin typeface="Consolas" panose="020B0609020204030204" pitchFamily="49" charset="0"/>
-              </a:rPr>
-              <a:t>listen</a:t>
-            </a:r>
-            <a:r>
-              <a:rPr lang="en-US" dirty="0">
-                <a:solidFill>
-                  <a:srgbClr val="000000"/>
-                </a:solidFill>
-                <a:latin typeface="Consolas" panose="020B0609020204030204" pitchFamily="49" charset="0"/>
-              </a:rPr>
-              <a:t>(</a:t>
-            </a:r>
-            <a:r>
-              <a:rPr lang="en-US" dirty="0">
-                <a:solidFill>
-                  <a:srgbClr val="09885A"/>
-                </a:solidFill>
-                <a:latin typeface="Consolas" panose="020B0609020204030204" pitchFamily="49" charset="0"/>
-              </a:rPr>
-              <a:t>8080</a:t>
-            </a:r>
-            <a:r>
-              <a:rPr lang="en-US" dirty="0" smtClean="0">
-                <a:solidFill>
-                  <a:srgbClr val="000000"/>
-                </a:solidFill>
-                <a:latin typeface="Consolas" panose="020B0609020204030204" pitchFamily="49" charset="0"/>
-              </a:rPr>
-              <a:t>)</a:t>
-            </a:r>
-            <a:endParaRPr lang="en-US" dirty="0">
-              <a:solidFill>
-                <a:srgbClr val="000000"/>
-              </a:solidFill>
-              <a:latin typeface="Consolas" panose="020B0609020204030204" pitchFamily="49" charset="0"/>
-            </a:endParaRPr>
           </a:p>
         </p:txBody>
       </p:sp>
@@ -15499,10 +14848,9 @@
           <a:lstStyle/>
           <a:p>
             <a:r>
-              <a:rPr lang="uk-UA" dirty="0" smtClean="0"/>
+              <a:rPr lang="uk-UA" dirty="0"/>
               <a:t>Маршрутизація</a:t>
             </a:r>
-            <a:endParaRPr lang="uk-UA" dirty="0"/>
           </a:p>
         </p:txBody>
       </p:sp>
@@ -15635,11 +14983,11 @@
           <a:lstStyle/>
           <a:p>
             <a:r>
-              <a:rPr lang="uk-UA" dirty="0" smtClean="0"/>
+              <a:rPr lang="uk-UA" dirty="0"/>
               <a:t>Застосування </a:t>
             </a:r>
             <a:r>
-              <a:rPr lang="en-US" dirty="0" smtClean="0"/>
+              <a:rPr lang="en-US" dirty="0"/>
               <a:t>Node.js</a:t>
             </a:r>
             <a:endParaRPr lang="uk-UA" dirty="0"/>
@@ -15674,68 +15022,53 @@
               <a:t>Node.js </a:t>
             </a:r>
             <a:r>
-              <a:rPr lang="uk-UA" dirty="0" smtClean="0"/>
+              <a:rPr lang="uk-UA" dirty="0"/>
               <a:t>найкраще підходить для використання в застосунках реального часу </a:t>
             </a:r>
             <a:r>
-              <a:rPr lang="ru-RU" dirty="0" smtClean="0"/>
+              <a:rPr lang="ru-RU" dirty="0"/>
               <a:t>(</a:t>
             </a:r>
             <a:r>
-              <a:rPr lang="en-US" dirty="0" smtClean="0"/>
+              <a:rPr lang="en-US" dirty="0"/>
               <a:t>real-time applications</a:t>
             </a:r>
             <a:r>
-              <a:rPr lang="ru-RU" dirty="0" smtClean="0"/>
+              <a:rPr lang="ru-RU" dirty="0"/>
               <a:t>)</a:t>
             </a:r>
             <a:r>
-              <a:rPr lang="uk-UA" dirty="0" smtClean="0"/>
-              <a:t>, які побудовані на роботі із подія</a:t>
-            </a:r>
-          </a:p>
-          <a:p>
-            <a:r>
               <a:rPr lang="uk-UA" dirty="0"/>
-              <a:t>Ігрові </a:t>
-            </a:r>
-            <a:r>
-              <a:rPr lang="uk-UA" dirty="0" smtClean="0"/>
-              <a:t>сервери</a:t>
-            </a:r>
-          </a:p>
-          <a:p>
-            <a:r>
-              <a:rPr lang="uk-UA" dirty="0" smtClean="0"/>
-              <a:t>Середовища </a:t>
-            </a:r>
+              <a:t>, які побудовані на роботі </a:t>
+            </a:r>
+            <a:r>
+              <a:rPr lang="uk-UA"/>
+              <a:t>із подіями</a:t>
+            </a:r>
+            <a:endParaRPr lang="uk-UA" dirty="0"/>
+          </a:p>
+          <a:p>
             <a:r>
               <a:rPr lang="uk-UA" dirty="0"/>
-              <a:t>спільного </a:t>
-            </a:r>
-            <a:r>
-              <a:rPr lang="uk-UA" dirty="0" smtClean="0"/>
-              <a:t>використання</a:t>
+              <a:t>Ігрові сервери</a:t>
             </a:r>
           </a:p>
           <a:p>
             <a:r>
               <a:rPr lang="uk-UA" dirty="0"/>
-              <a:t>Чат </a:t>
-            </a:r>
-            <a:r>
-              <a:rPr lang="uk-UA" dirty="0" smtClean="0"/>
-              <a:t>програми</a:t>
+              <a:t>Середовища спільного використання</a:t>
             </a:r>
           </a:p>
           <a:p>
             <a:r>
               <a:rPr lang="uk-UA" dirty="0"/>
-              <a:t>Рекламні </a:t>
-            </a:r>
-            <a:r>
-              <a:rPr lang="uk-UA" dirty="0" smtClean="0"/>
-              <a:t>сервери</a:t>
+              <a:t>Чат програми</a:t>
+            </a:r>
+          </a:p>
+          <a:p>
+            <a:r>
+              <a:rPr lang="uk-UA" dirty="0"/>
+              <a:t>Рекламні сервери</a:t>
             </a:r>
           </a:p>
           <a:p>
@@ -15756,13 +15089,6 @@
   <p:clrMapOvr>
     <a:masterClrMapping/>
   </p:clrMapOvr>
-  <p:timing>
-    <p:tnLst>
-      <p:par>
-        <p:cTn id="1" dur="indefinite" restart="never" nodeType="tmRoot"/>
-      </p:par>
-    </p:tnLst>
-  </p:timing>
 </p:sld>
 </file>
 
@@ -15822,13 +15148,6 @@
   <p:clrMapOvr>
     <a:masterClrMapping/>
   </p:clrMapOvr>
-  <p:timing>
-    <p:tnLst>
-      <p:par>
-        <p:cTn id="1" dur="indefinite" restart="never" nodeType="tmRoot"/>
-      </p:par>
-    </p:tnLst>
-  </p:timing>
 </p:sld>
 </file>
 
@@ -15888,13 +15207,6 @@
   <p:clrMapOvr>
     <a:masterClrMapping/>
   </p:clrMapOvr>
-  <p:timing>
-    <p:tnLst>
-      <p:par>
-        <p:cTn id="1" dur="indefinite" restart="never" nodeType="tmRoot"/>
-      </p:par>
-    </p:tnLst>
-  </p:timing>
 </p:sld>
 </file>
 
@@ -16010,15 +15322,6 @@
             </a:r>
           </a:p>
           <a:p>
-            <a:r>
-              <a:rPr lang="en-US" dirty="0">
-                <a:solidFill>
-                  <a:srgbClr val="000000"/>
-                </a:solidFill>
-                <a:latin typeface="Consolas" panose="020B0609020204030204" pitchFamily="49" charset="0"/>
-              </a:rPr>
-              <a:t/>
-            </a:r>
             <a:br>
               <a:rPr lang="en-US" dirty="0">
                 <a:solidFill>
@@ -16119,15 +15422,6 @@
             </a:r>
           </a:p>
           <a:p>
-            <a:r>
-              <a:rPr lang="en-US" dirty="0">
-                <a:solidFill>
-                  <a:srgbClr val="000000"/>
-                </a:solidFill>
-                <a:latin typeface="Consolas" panose="020B0609020204030204" pitchFamily="49" charset="0"/>
-              </a:rPr>
-              <a:t/>
-            </a:r>
             <a:br>
               <a:rPr lang="en-US" dirty="0">
                 <a:solidFill>
@@ -16211,7 +15505,7 @@
           </a:p>
           <a:p>
             <a:r>
-              <a:rPr lang="en-US" dirty="0" smtClean="0">
+              <a:rPr lang="en-US" dirty="0">
                 <a:solidFill>
                   <a:srgbClr val="267F99"/>
                 </a:solidFill>
@@ -16220,7 +15514,7 @@
               <a:t>  console</a:t>
             </a:r>
             <a:r>
-              <a:rPr lang="en-US" dirty="0" smtClean="0">
+              <a:rPr lang="en-US" dirty="0">
                 <a:solidFill>
                   <a:srgbClr val="000000"/>
                 </a:solidFill>
@@ -16229,7 +15523,7 @@
               <a:t>.</a:t>
             </a:r>
             <a:r>
-              <a:rPr lang="en-US" dirty="0" smtClean="0">
+              <a:rPr lang="en-US" dirty="0">
                 <a:solidFill>
                   <a:srgbClr val="795E26"/>
                 </a:solidFill>
@@ -16285,7 +15579,7 @@
           </a:p>
           <a:p>
             <a:r>
-              <a:rPr lang="en-US" dirty="0" smtClean="0">
+              <a:rPr lang="en-US" dirty="0">
                 <a:solidFill>
                   <a:srgbClr val="001080"/>
                 </a:solidFill>
@@ -16294,7 +15588,7 @@
               <a:t>  </a:t>
             </a:r>
             <a:r>
-              <a:rPr lang="en-US" dirty="0" err="1" smtClean="0">
+              <a:rPr lang="en-US" dirty="0" err="1">
                 <a:solidFill>
                   <a:srgbClr val="001080"/>
                 </a:solidFill>
@@ -16303,7 +15597,7 @@
               <a:t>eventEmitter</a:t>
             </a:r>
             <a:r>
-              <a:rPr lang="en-US" dirty="0" err="1" smtClean="0">
+              <a:rPr lang="en-US" dirty="0" err="1">
                 <a:solidFill>
                   <a:srgbClr val="000000"/>
                 </a:solidFill>
@@ -16312,7 +15606,7 @@
               <a:t>.</a:t>
             </a:r>
             <a:r>
-              <a:rPr lang="en-US" dirty="0" err="1" smtClean="0">
+              <a:rPr lang="en-US" dirty="0" err="1">
                 <a:solidFill>
                   <a:srgbClr val="795E26"/>
                 </a:solidFill>
@@ -16452,15 +15746,6 @@
             </a:r>
           </a:p>
           <a:p>
-            <a:r>
-              <a:rPr lang="en-US" dirty="0">
-                <a:solidFill>
-                  <a:srgbClr val="000000"/>
-                </a:solidFill>
-                <a:latin typeface="Consolas" panose="020B0609020204030204" pitchFamily="49" charset="0"/>
-              </a:rPr>
-              <a:t/>
-            </a:r>
             <a:br>
               <a:rPr lang="en-US" dirty="0">
                 <a:solidFill>
@@ -16562,7 +15847,7 @@
           </a:p>
           <a:p>
             <a:r>
-              <a:rPr lang="en-US" dirty="0" smtClean="0">
+              <a:rPr lang="en-US" dirty="0">
                 <a:solidFill>
                   <a:srgbClr val="267F99"/>
                 </a:solidFill>
@@ -16571,7 +15856,7 @@
               <a:t>  console</a:t>
             </a:r>
             <a:r>
-              <a:rPr lang="en-US" dirty="0" smtClean="0">
+              <a:rPr lang="en-US" dirty="0">
                 <a:solidFill>
                   <a:srgbClr val="000000"/>
                 </a:solidFill>
@@ -16580,7 +15865,7 @@
               <a:t>.</a:t>
             </a:r>
             <a:r>
-              <a:rPr lang="en-US" dirty="0" smtClean="0">
+              <a:rPr lang="en-US" dirty="0">
                 <a:solidFill>
                   <a:srgbClr val="795E26"/>
                 </a:solidFill>
@@ -16646,15 +15931,6 @@
             </a:r>
           </a:p>
           <a:p>
-            <a:r>
-              <a:rPr lang="en-US" dirty="0">
-                <a:solidFill>
-                  <a:srgbClr val="000000"/>
-                </a:solidFill>
-                <a:latin typeface="Consolas" panose="020B0609020204030204" pitchFamily="49" charset="0"/>
-              </a:rPr>
-              <a:t/>
-            </a:r>
             <a:br>
               <a:rPr lang="en-US" dirty="0">
                 <a:solidFill>
@@ -16719,15 +15995,6 @@
             </a:r>
           </a:p>
           <a:p>
-            <a:r>
-              <a:rPr lang="en-US" dirty="0">
-                <a:solidFill>
-                  <a:srgbClr val="000000"/>
-                </a:solidFill>
-                <a:latin typeface="Consolas" panose="020B0609020204030204" pitchFamily="49" charset="0"/>
-              </a:rPr>
-              <a:t/>
-            </a:r>
             <a:br>
               <a:rPr lang="en-US" dirty="0">
                 <a:solidFill>
@@ -16756,13 +16023,6 @@
   <p:clrMapOvr>
     <a:masterClrMapping/>
   </p:clrMapOvr>
-  <p:timing>
-    <p:tnLst>
-      <p:par>
-        <p:cTn id="1" dur="indefinite" restart="never" nodeType="tmRoot"/>
-      </p:par>
-    </p:tnLst>
-  </p:timing>
 </p:sld>
 </file>
 
@@ -16822,13 +16082,6 @@
   <p:clrMapOvr>
     <a:masterClrMapping/>
   </p:clrMapOvr>
-  <p:timing>
-    <p:tnLst>
-      <p:par>
-        <p:cTn id="1" dur="indefinite" restart="never" nodeType="tmRoot"/>
-      </p:par>
-    </p:tnLst>
-  </p:timing>
 </p:sld>
 </file>
 
@@ -16865,10 +16118,9 @@
           <a:lstStyle/>
           <a:p>
             <a:r>
-              <a:rPr lang="uk-UA" dirty="0" smtClean="0"/>
+              <a:rPr lang="uk-UA" dirty="0"/>
               <a:t>Простий приклад серверу</a:t>
             </a:r>
-            <a:endParaRPr lang="uk-UA" dirty="0"/>
           </a:p>
         </p:txBody>
       </p:sp>
@@ -16967,15 +16219,6 @@
             </a:r>
           </a:p>
           <a:p>
-            <a:r>
-              <a:rPr lang="en-US" dirty="0">
-                <a:solidFill>
-                  <a:srgbClr val="000000"/>
-                </a:solidFill>
-                <a:latin typeface="Consolas" panose="020B0609020204030204" pitchFamily="49" charset="0"/>
-              </a:rPr>
-              <a:t/>
-            </a:r>
             <a:br>
               <a:rPr lang="en-US" dirty="0">
                 <a:solidFill>
@@ -17108,15 +16351,6 @@
             </a:endParaRPr>
           </a:p>
           <a:p>
-            <a:r>
-              <a:rPr lang="en-US" dirty="0">
-                <a:solidFill>
-                  <a:srgbClr val="000000"/>
-                </a:solidFill>
-                <a:latin typeface="Consolas" panose="020B0609020204030204" pitchFamily="49" charset="0"/>
-              </a:rPr>
-              <a:t/>
-            </a:r>
             <a:br>
               <a:rPr lang="en-US" dirty="0">
                 <a:solidFill>
@@ -17254,7 +16488,7 @@
           </a:p>
           <a:p>
             <a:r>
-              <a:rPr lang="uk-UA" dirty="0" smtClean="0">
+              <a:rPr lang="uk-UA" dirty="0">
                 <a:solidFill>
                   <a:srgbClr val="001080"/>
                 </a:solidFill>
@@ -17263,7 +16497,7 @@
               <a:t>  </a:t>
             </a:r>
             <a:r>
-              <a:rPr lang="en-US" dirty="0" err="1" smtClean="0">
+              <a:rPr lang="en-US" dirty="0" err="1">
                 <a:solidFill>
                   <a:srgbClr val="001080"/>
                 </a:solidFill>
@@ -17272,7 +16506,7 @@
               <a:t>response</a:t>
             </a:r>
             <a:r>
-              <a:rPr lang="en-US" dirty="0" err="1" smtClean="0">
+              <a:rPr lang="en-US" dirty="0" err="1">
                 <a:solidFill>
                   <a:srgbClr val="000000"/>
                 </a:solidFill>
@@ -17281,7 +16515,7 @@
               <a:t>.</a:t>
             </a:r>
             <a:r>
-              <a:rPr lang="en-US" dirty="0" err="1" smtClean="0">
+              <a:rPr lang="en-US" dirty="0" err="1">
                 <a:solidFill>
                   <a:srgbClr val="001080"/>
                 </a:solidFill>
@@ -17290,22 +16524,13 @@
               <a:t>statusCode</a:t>
             </a:r>
             <a:r>
-              <a:rPr lang="en-US" dirty="0" smtClean="0">
-                <a:solidFill>
-                  <a:srgbClr val="000000"/>
-                </a:solidFill>
-                <a:latin typeface="Consolas" panose="020B0609020204030204" pitchFamily="49" charset="0"/>
-              </a:rPr>
-              <a:t> </a:t>
-            </a:r>
-            <a:r>
-              <a:rPr lang="en-US" dirty="0">
-                <a:solidFill>
-                  <a:srgbClr val="000000"/>
-                </a:solidFill>
-                <a:latin typeface="Consolas" panose="020B0609020204030204" pitchFamily="49" charset="0"/>
-              </a:rPr>
-              <a:t>= </a:t>
+              <a:rPr lang="en-US" dirty="0">
+                <a:solidFill>
+                  <a:srgbClr val="000000"/>
+                </a:solidFill>
+                <a:latin typeface="Consolas" panose="020B0609020204030204" pitchFamily="49" charset="0"/>
+              </a:rPr>
+              <a:t> = </a:t>
             </a:r>
             <a:r>
               <a:rPr lang="en-US" dirty="0">
@@ -17325,7 +16550,7 @@
           </a:p>
           <a:p>
             <a:r>
-              <a:rPr lang="uk-UA" dirty="0" smtClean="0">
+              <a:rPr lang="uk-UA" dirty="0">
                 <a:solidFill>
                   <a:srgbClr val="001080"/>
                 </a:solidFill>
@@ -17334,7 +16559,7 @@
               <a:t>  </a:t>
             </a:r>
             <a:r>
-              <a:rPr lang="en-US" dirty="0" err="1" smtClean="0">
+              <a:rPr lang="en-US" dirty="0" err="1">
                 <a:solidFill>
                   <a:srgbClr val="001080"/>
                 </a:solidFill>
@@ -17343,7 +16568,7 @@
               <a:t>response</a:t>
             </a:r>
             <a:r>
-              <a:rPr lang="en-US" dirty="0" err="1" smtClean="0">
+              <a:rPr lang="en-US" dirty="0" err="1">
                 <a:solidFill>
                   <a:srgbClr val="000000"/>
                 </a:solidFill>
@@ -17352,7 +16577,7 @@
               <a:t>.</a:t>
             </a:r>
             <a:r>
-              <a:rPr lang="en-US" dirty="0" err="1" smtClean="0">
+              <a:rPr lang="en-US" dirty="0" err="1">
                 <a:solidFill>
                   <a:srgbClr val="795E26"/>
                 </a:solidFill>
@@ -17408,7 +16633,7 @@
           </a:p>
           <a:p>
             <a:r>
-              <a:rPr lang="uk-UA" dirty="0" smtClean="0">
+              <a:rPr lang="uk-UA" dirty="0">
                 <a:solidFill>
                   <a:srgbClr val="001080"/>
                 </a:solidFill>
@@ -17417,7 +16642,7 @@
               <a:t>  </a:t>
             </a:r>
             <a:r>
-              <a:rPr lang="en-US" dirty="0" err="1" smtClean="0">
+              <a:rPr lang="en-US" dirty="0" err="1">
                 <a:solidFill>
                   <a:srgbClr val="001080"/>
                 </a:solidFill>
@@ -17426,7 +16651,7 @@
               <a:t>response</a:t>
             </a:r>
             <a:r>
-              <a:rPr lang="en-US" dirty="0" err="1" smtClean="0">
+              <a:rPr lang="en-US" dirty="0" err="1">
                 <a:solidFill>
                   <a:srgbClr val="000000"/>
                 </a:solidFill>
@@ -17435,7 +16660,7 @@
               <a:t>.</a:t>
             </a:r>
             <a:r>
-              <a:rPr lang="en-US" dirty="0" err="1" smtClean="0">
+              <a:rPr lang="en-US" dirty="0" err="1">
                 <a:solidFill>
                   <a:srgbClr val="795E26"/>
                 </a:solidFill>
@@ -17483,15 +16708,6 @@
             </a:r>
           </a:p>
           <a:p>
-            <a:r>
-              <a:rPr lang="en-US" dirty="0">
-                <a:solidFill>
-                  <a:srgbClr val="000000"/>
-                </a:solidFill>
-                <a:latin typeface="Consolas" panose="020B0609020204030204" pitchFamily="49" charset="0"/>
-              </a:rPr>
-              <a:t/>
-            </a:r>
             <a:br>
               <a:rPr lang="en-US" dirty="0">
                 <a:solidFill>
@@ -17593,7 +16809,7 @@
           </a:p>
           <a:p>
             <a:r>
-              <a:rPr lang="uk-UA" dirty="0" smtClean="0">
+              <a:rPr lang="uk-UA" dirty="0">
                 <a:solidFill>
                   <a:srgbClr val="267F99"/>
                 </a:solidFill>
@@ -17602,7 +16818,7 @@
               <a:t>  </a:t>
             </a:r>
             <a:r>
-              <a:rPr lang="en-US" dirty="0" smtClean="0">
+              <a:rPr lang="en-US" dirty="0">
                 <a:solidFill>
                   <a:srgbClr val="267F99"/>
                 </a:solidFill>
@@ -17611,7 +16827,7 @@
               <a:t>console</a:t>
             </a:r>
             <a:r>
-              <a:rPr lang="en-US" dirty="0" smtClean="0">
+              <a:rPr lang="en-US" dirty="0">
                 <a:solidFill>
                   <a:srgbClr val="000000"/>
                 </a:solidFill>
@@ -17620,7 +16836,7 @@
               <a:t>.</a:t>
             </a:r>
             <a:r>
-              <a:rPr lang="en-US" dirty="0" smtClean="0">
+              <a:rPr lang="en-US" dirty="0">
                 <a:solidFill>
                   <a:srgbClr val="795E26"/>
                 </a:solidFill>
@@ -17740,15 +16956,6 @@
             </a:r>
           </a:p>
           <a:p>
-            <a:r>
-              <a:rPr lang="en-US" dirty="0">
-                <a:solidFill>
-                  <a:srgbClr val="000000"/>
-                </a:solidFill>
-                <a:latin typeface="Consolas" panose="020B0609020204030204" pitchFamily="49" charset="0"/>
-              </a:rPr>
-              <a:t/>
-            </a:r>
             <a:br>
               <a:rPr lang="en-US" dirty="0">
                 <a:solidFill>
